--- a/Gila_Breath_Camp/Documents/Gila Breath Camp.pptx
+++ b/Gila_Breath_Camp/Documents/Gila Breath Camp.pptx
@@ -5,27 +5,28 @@
     <p:sldMasterId id="2147483648" r:id="rId1"/>
   </p:sldMasterIdLst>
   <p:notesMasterIdLst>
-    <p:notesMasterId r:id="rId20"/>
+    <p:notesMasterId r:id="rId21"/>
   </p:notesMasterIdLst>
   <p:sldIdLst>
     <p:sldId id="256" r:id="rId2"/>
-    <p:sldId id="258" r:id="rId3"/>
-    <p:sldId id="272" r:id="rId4"/>
-    <p:sldId id="259" r:id="rId5"/>
-    <p:sldId id="260" r:id="rId6"/>
-    <p:sldId id="261" r:id="rId7"/>
-    <p:sldId id="262" r:id="rId8"/>
-    <p:sldId id="274" r:id="rId9"/>
-    <p:sldId id="263" r:id="rId10"/>
-    <p:sldId id="275" r:id="rId11"/>
-    <p:sldId id="264" r:id="rId12"/>
-    <p:sldId id="265" r:id="rId13"/>
-    <p:sldId id="267" r:id="rId14"/>
-    <p:sldId id="268" r:id="rId15"/>
-    <p:sldId id="269" r:id="rId16"/>
-    <p:sldId id="270" r:id="rId17"/>
-    <p:sldId id="271" r:id="rId18"/>
-    <p:sldId id="273" r:id="rId19"/>
+    <p:sldId id="276" r:id="rId3"/>
+    <p:sldId id="258" r:id="rId4"/>
+    <p:sldId id="272" r:id="rId5"/>
+    <p:sldId id="259" r:id="rId6"/>
+    <p:sldId id="260" r:id="rId7"/>
+    <p:sldId id="261" r:id="rId8"/>
+    <p:sldId id="262" r:id="rId9"/>
+    <p:sldId id="274" r:id="rId10"/>
+    <p:sldId id="263" r:id="rId11"/>
+    <p:sldId id="275" r:id="rId12"/>
+    <p:sldId id="264" r:id="rId13"/>
+    <p:sldId id="265" r:id="rId14"/>
+    <p:sldId id="267" r:id="rId15"/>
+    <p:sldId id="268" r:id="rId16"/>
+    <p:sldId id="269" r:id="rId17"/>
+    <p:sldId id="270" r:id="rId18"/>
+    <p:sldId id="271" r:id="rId19"/>
+    <p:sldId id="273" r:id="rId20"/>
   </p:sldIdLst>
   <p:sldSz cx="12192000" cy="6858000"/>
   <p:notesSz cx="6858000" cy="9144000"/>
@@ -133,7 +134,7 @@
 </file>
 
 <file path=ppt/charts/chart1.xml><?xml version="1.0" encoding="utf-8"?>
-<c:chartSpace xmlns:c="http://schemas.openxmlformats.org/drawingml/2006/chart" xmlns:a="http://schemas.openxmlformats.org/drawingml/2006/main" xmlns:r="http://schemas.openxmlformats.org/officeDocument/2006/relationships">
+<c:chartSpace xmlns:c="http://schemas.openxmlformats.org/drawingml/2006/chart" xmlns:a="http://schemas.openxmlformats.org/drawingml/2006/main" xmlns:r="http://schemas.openxmlformats.org/officeDocument/2006/relationships" xmlns:c16r2="http://schemas.microsoft.com/office/drawing/2015/06/chart">
   <c:date1904 val="0"/>
   <c:lang val="en-US"/>
   <c:roundedCorners val="0"/>
@@ -172,7 +173,6 @@
           </a:p>
         </c:rich>
       </c:tx>
-      <c:layout/>
       <c:overlay val="0"/>
       <c:spPr>
         <a:noFill/>
@@ -271,7 +271,7 @@
             </c:numRef>
           </c:val>
           <c:smooth val="0"/>
-          <c:extLst xmlns:c16r2="http://schemas.microsoft.com/office/drawing/2015/06/chart">
+          <c:extLst>
             <c:ext xmlns:c16="http://schemas.microsoft.com/office/drawing/2014/chart" uri="{C3380CC4-5D6E-409C-BE32-E72D297353CC}">
               <c16:uniqueId val="{00000000-2CCD-4799-987D-B4DD1E8A0E46}"/>
             </c:ext>
@@ -344,7 +344,7 @@
             </c:numRef>
           </c:val>
           <c:smooth val="0"/>
-          <c:extLst xmlns:c16r2="http://schemas.microsoft.com/office/drawing/2015/06/chart">
+          <c:extLst>
             <c:ext xmlns:c16="http://schemas.microsoft.com/office/drawing/2014/chart" uri="{C3380CC4-5D6E-409C-BE32-E72D297353CC}">
               <c16:uniqueId val="{00000001-2CCD-4799-987D-B4DD1E8A0E46}"/>
             </c:ext>
@@ -423,7 +423,7 @@
             </c:numRef>
           </c:val>
           <c:smooth val="0"/>
-          <c:extLst xmlns:c16r2="http://schemas.microsoft.com/office/drawing/2015/06/chart">
+          <c:extLst>
             <c:ext xmlns:c16="http://schemas.microsoft.com/office/drawing/2014/chart" uri="{C3380CC4-5D6E-409C-BE32-E72D297353CC}">
               <c16:uniqueId val="{00000002-2CCD-4799-987D-B4DD1E8A0E46}"/>
             </c:ext>
@@ -479,7 +479,6 @@
               </a:p>
             </c:rich>
           </c:tx>
-          <c:layout/>
           <c:overlay val="0"/>
           <c:spPr>
             <a:noFill/>
@@ -579,7 +578,6 @@
               </a:p>
             </c:rich>
           </c:tx>
-          <c:layout/>
           <c:overlay val="0"/>
           <c:spPr>
             <a:noFill/>
@@ -706,7 +704,7 @@
 </file>
 
 <file path=ppt/charts/chart2.xml><?xml version="1.0" encoding="utf-8"?>
-<c:chartSpace xmlns:c="http://schemas.openxmlformats.org/drawingml/2006/chart" xmlns:a="http://schemas.openxmlformats.org/drawingml/2006/main" xmlns:r="http://schemas.openxmlformats.org/officeDocument/2006/relationships">
+<c:chartSpace xmlns:c="http://schemas.openxmlformats.org/drawingml/2006/chart" xmlns:a="http://schemas.openxmlformats.org/drawingml/2006/main" xmlns:r="http://schemas.openxmlformats.org/officeDocument/2006/relationships" xmlns:c16r2="http://schemas.microsoft.com/office/drawing/2015/06/chart">
   <c:date1904 val="0"/>
   <c:lang val="en-US"/>
   <c:roundedCorners val="0"/>
@@ -745,7 +743,6 @@
           </a:p>
         </c:rich>
       </c:tx>
-      <c:layout/>
       <c:overlay val="0"/>
       <c:spPr>
         <a:noFill/>
@@ -844,7 +841,7 @@
             </c:numRef>
           </c:val>
           <c:smooth val="0"/>
-          <c:extLst xmlns:c16r2="http://schemas.microsoft.com/office/drawing/2015/06/chart">
+          <c:extLst>
             <c:ext xmlns:c16="http://schemas.microsoft.com/office/drawing/2014/chart" uri="{C3380CC4-5D6E-409C-BE32-E72D297353CC}">
               <c16:uniqueId val="{00000001-2CCD-4799-987D-B4DD1E8A0E46}"/>
             </c:ext>
@@ -923,7 +920,7 @@
             </c:numRef>
           </c:val>
           <c:smooth val="0"/>
-          <c:extLst xmlns:c16r2="http://schemas.microsoft.com/office/drawing/2015/06/chart">
+          <c:extLst>
             <c:ext xmlns:c16="http://schemas.microsoft.com/office/drawing/2014/chart" uri="{C3380CC4-5D6E-409C-BE32-E72D297353CC}">
               <c16:uniqueId val="{00000002-2CCD-4799-987D-B4DD1E8A0E46}"/>
             </c:ext>
@@ -979,7 +976,6 @@
               </a:p>
             </c:rich>
           </c:tx>
-          <c:layout/>
           <c:overlay val="0"/>
           <c:spPr>
             <a:noFill/>
@@ -1079,7 +1075,6 @@
               </a:p>
             </c:rich>
           </c:tx>
-          <c:layout/>
           <c:overlay val="0"/>
           <c:spPr>
             <a:noFill/>
@@ -1351,38 +1346,37 @@
           <a:p>
             <a:pPr lvl="0"/>
             <a:r>
-              <a:rPr lang="en-US" smtClean="0"/>
+              <a:rPr lang="en-US"/>
               <a:t>Click to edit Master text styles</a:t>
             </a:r>
           </a:p>
           <a:p>
             <a:pPr lvl="1"/>
             <a:r>
-              <a:rPr lang="en-US" smtClean="0"/>
+              <a:rPr lang="en-US"/>
               <a:t>Second level</a:t>
             </a:r>
           </a:p>
           <a:p>
             <a:pPr lvl="2"/>
             <a:r>
-              <a:rPr lang="en-US" smtClean="0"/>
+              <a:rPr lang="en-US"/>
               <a:t>Third level</a:t>
             </a:r>
           </a:p>
           <a:p>
             <a:pPr lvl="3"/>
             <a:r>
-              <a:rPr lang="en-US" smtClean="0"/>
+              <a:rPr lang="en-US"/>
               <a:t>Fourth level</a:t>
             </a:r>
           </a:p>
           <a:p>
             <a:pPr lvl="4"/>
             <a:r>
-              <a:rPr lang="en-US" smtClean="0"/>
+              <a:rPr lang="en-US"/>
               <a:t>Fifth level</a:t>
             </a:r>
-            <a:endParaRPr lang="en-US"/>
           </a:p>
         </p:txBody>
       </p:sp>
@@ -1704,7 +1698,7 @@
           <a:p>
             <a:fld id="{FFD71317-BC5A-4C72-A11D-CFFED3E893DA}" type="slidenum">
               <a:rPr lang="en-US" smtClean="0"/>
-              <a:t>6</a:t>
+              <a:t>7</a:t>
             </a:fld>
             <a:endParaRPr lang="en-US"/>
           </a:p>
@@ -1788,7 +1782,7 @@
           <a:p>
             <a:fld id="{FFD71317-BC5A-4C72-A11D-CFFED3E893DA}" type="slidenum">
               <a:rPr lang="en-US" smtClean="0"/>
-              <a:t>8</a:t>
+              <a:t>9</a:t>
             </a:fld>
             <a:endParaRPr lang="en-US"/>
           </a:p>
@@ -1849,10 +1843,9 @@
           </a:lstStyle>
           <a:p>
             <a:r>
-              <a:rPr lang="en-US" smtClean="0"/>
+              <a:rPr lang="en-US"/>
               <a:t>Click to edit Master title style</a:t>
             </a:r>
-            <a:endParaRPr lang="en-US"/>
           </a:p>
         </p:txBody>
       </p:sp>
@@ -1914,10 +1907,9 @@
           </a:lstStyle>
           <a:p>
             <a:r>
-              <a:rPr lang="en-US" smtClean="0"/>
+              <a:rPr lang="en-US"/>
               <a:t>Click to edit Master subtitle style</a:t>
             </a:r>
-            <a:endParaRPr lang="en-US"/>
           </a:p>
         </p:txBody>
       </p:sp>
@@ -2032,10 +2024,9 @@
           <a:lstStyle/>
           <a:p>
             <a:r>
-              <a:rPr lang="en-US" smtClean="0"/>
+              <a:rPr lang="en-US"/>
               <a:t>Click to edit Master title style</a:t>
             </a:r>
-            <a:endParaRPr lang="en-US"/>
           </a:p>
         </p:txBody>
       </p:sp>
@@ -2056,38 +2047,37 @@
           <a:p>
             <a:pPr lvl="0"/>
             <a:r>
-              <a:rPr lang="en-US" smtClean="0"/>
+              <a:rPr lang="en-US"/>
               <a:t>Click to edit Master text styles</a:t>
             </a:r>
           </a:p>
           <a:p>
             <a:pPr lvl="1"/>
             <a:r>
-              <a:rPr lang="en-US" smtClean="0"/>
+              <a:rPr lang="en-US"/>
               <a:t>Second level</a:t>
             </a:r>
           </a:p>
           <a:p>
             <a:pPr lvl="2"/>
             <a:r>
-              <a:rPr lang="en-US" smtClean="0"/>
+              <a:rPr lang="en-US"/>
               <a:t>Third level</a:t>
             </a:r>
           </a:p>
           <a:p>
             <a:pPr lvl="3"/>
             <a:r>
-              <a:rPr lang="en-US" smtClean="0"/>
+              <a:rPr lang="en-US"/>
               <a:t>Fourth level</a:t>
             </a:r>
           </a:p>
           <a:p>
             <a:pPr lvl="4"/>
             <a:r>
-              <a:rPr lang="en-US" smtClean="0"/>
+              <a:rPr lang="en-US"/>
               <a:t>Fifth level</a:t>
             </a:r>
-            <a:endParaRPr lang="en-US"/>
           </a:p>
         </p:txBody>
       </p:sp>
@@ -2207,10 +2197,9 @@
           <a:lstStyle/>
           <a:p>
             <a:r>
-              <a:rPr lang="en-US" smtClean="0"/>
+              <a:rPr lang="en-US"/>
               <a:t>Click to edit Master title style</a:t>
             </a:r>
-            <a:endParaRPr lang="en-US"/>
           </a:p>
         </p:txBody>
       </p:sp>
@@ -2236,38 +2225,37 @@
           <a:p>
             <a:pPr lvl="0"/>
             <a:r>
-              <a:rPr lang="en-US" smtClean="0"/>
+              <a:rPr lang="en-US"/>
               <a:t>Click to edit Master text styles</a:t>
             </a:r>
           </a:p>
           <a:p>
             <a:pPr lvl="1"/>
             <a:r>
-              <a:rPr lang="en-US" smtClean="0"/>
+              <a:rPr lang="en-US"/>
               <a:t>Second level</a:t>
             </a:r>
           </a:p>
           <a:p>
             <a:pPr lvl="2"/>
             <a:r>
-              <a:rPr lang="en-US" smtClean="0"/>
+              <a:rPr lang="en-US"/>
               <a:t>Third level</a:t>
             </a:r>
           </a:p>
           <a:p>
             <a:pPr lvl="3"/>
             <a:r>
-              <a:rPr lang="en-US" smtClean="0"/>
+              <a:rPr lang="en-US"/>
               <a:t>Fourth level</a:t>
             </a:r>
           </a:p>
           <a:p>
             <a:pPr lvl="4"/>
             <a:r>
-              <a:rPr lang="en-US" smtClean="0"/>
+              <a:rPr lang="en-US"/>
               <a:t>Fifth level</a:t>
             </a:r>
-            <a:endParaRPr lang="en-US"/>
           </a:p>
         </p:txBody>
       </p:sp>
@@ -2382,10 +2370,9 @@
           <a:lstStyle/>
           <a:p>
             <a:r>
-              <a:rPr lang="en-US" smtClean="0"/>
+              <a:rPr lang="en-US"/>
               <a:t>Click to edit Master title style</a:t>
             </a:r>
-            <a:endParaRPr lang="en-US"/>
           </a:p>
         </p:txBody>
       </p:sp>
@@ -2406,38 +2393,37 @@
           <a:p>
             <a:pPr lvl="0"/>
             <a:r>
-              <a:rPr lang="en-US" smtClean="0"/>
+              <a:rPr lang="en-US"/>
               <a:t>Click to edit Master text styles</a:t>
             </a:r>
           </a:p>
           <a:p>
             <a:pPr lvl="1"/>
             <a:r>
-              <a:rPr lang="en-US" smtClean="0"/>
+              <a:rPr lang="en-US"/>
               <a:t>Second level</a:t>
             </a:r>
           </a:p>
           <a:p>
             <a:pPr lvl="2"/>
             <a:r>
-              <a:rPr lang="en-US" smtClean="0"/>
+              <a:rPr lang="en-US"/>
               <a:t>Third level</a:t>
             </a:r>
           </a:p>
           <a:p>
             <a:pPr lvl="3"/>
             <a:r>
-              <a:rPr lang="en-US" smtClean="0"/>
+              <a:rPr lang="en-US"/>
               <a:t>Fourth level</a:t>
             </a:r>
           </a:p>
           <a:p>
             <a:pPr lvl="4"/>
             <a:r>
-              <a:rPr lang="en-US" smtClean="0"/>
+              <a:rPr lang="en-US"/>
               <a:t>Fifth level</a:t>
             </a:r>
-            <a:endParaRPr lang="en-US"/>
           </a:p>
         </p:txBody>
       </p:sp>
@@ -2561,10 +2547,9 @@
           </a:lstStyle>
           <a:p>
             <a:r>
-              <a:rPr lang="en-US" smtClean="0"/>
+              <a:rPr lang="en-US"/>
               <a:t>Click to edit Master title style</a:t>
             </a:r>
-            <a:endParaRPr lang="en-US"/>
           </a:p>
         </p:txBody>
       </p:sp>
@@ -2681,7 +2666,7 @@
           <a:p>
             <a:pPr lvl="0"/>
             <a:r>
-              <a:rPr lang="en-US" smtClean="0"/>
+              <a:rPr lang="en-US"/>
               <a:t>Click to edit Master text styles</a:t>
             </a:r>
           </a:p>
@@ -2798,10 +2783,9 @@
           <a:lstStyle/>
           <a:p>
             <a:r>
-              <a:rPr lang="en-US" smtClean="0"/>
+              <a:rPr lang="en-US"/>
               <a:t>Click to edit Master title style</a:t>
             </a:r>
-            <a:endParaRPr lang="en-US"/>
           </a:p>
         </p:txBody>
       </p:sp>
@@ -2827,38 +2811,37 @@
           <a:p>
             <a:pPr lvl="0"/>
             <a:r>
-              <a:rPr lang="en-US" smtClean="0"/>
+              <a:rPr lang="en-US"/>
               <a:t>Click to edit Master text styles</a:t>
             </a:r>
           </a:p>
           <a:p>
             <a:pPr lvl="1"/>
             <a:r>
-              <a:rPr lang="en-US" smtClean="0"/>
+              <a:rPr lang="en-US"/>
               <a:t>Second level</a:t>
             </a:r>
           </a:p>
           <a:p>
             <a:pPr lvl="2"/>
             <a:r>
-              <a:rPr lang="en-US" smtClean="0"/>
+              <a:rPr lang="en-US"/>
               <a:t>Third level</a:t>
             </a:r>
           </a:p>
           <a:p>
             <a:pPr lvl="3"/>
             <a:r>
-              <a:rPr lang="en-US" smtClean="0"/>
+              <a:rPr lang="en-US"/>
               <a:t>Fourth level</a:t>
             </a:r>
           </a:p>
           <a:p>
             <a:pPr lvl="4"/>
             <a:r>
-              <a:rPr lang="en-US" smtClean="0"/>
+              <a:rPr lang="en-US"/>
               <a:t>Fifth level</a:t>
             </a:r>
-            <a:endParaRPr lang="en-US"/>
           </a:p>
         </p:txBody>
       </p:sp>
@@ -2884,38 +2867,37 @@
           <a:p>
             <a:pPr lvl="0"/>
             <a:r>
-              <a:rPr lang="en-US" smtClean="0"/>
+              <a:rPr lang="en-US"/>
               <a:t>Click to edit Master text styles</a:t>
             </a:r>
           </a:p>
           <a:p>
             <a:pPr lvl="1"/>
             <a:r>
-              <a:rPr lang="en-US" smtClean="0"/>
+              <a:rPr lang="en-US"/>
               <a:t>Second level</a:t>
             </a:r>
           </a:p>
           <a:p>
             <a:pPr lvl="2"/>
             <a:r>
-              <a:rPr lang="en-US" smtClean="0"/>
+              <a:rPr lang="en-US"/>
               <a:t>Third level</a:t>
             </a:r>
           </a:p>
           <a:p>
             <a:pPr lvl="3"/>
             <a:r>
-              <a:rPr lang="en-US" smtClean="0"/>
+              <a:rPr lang="en-US"/>
               <a:t>Fourth level</a:t>
             </a:r>
           </a:p>
           <a:p>
             <a:pPr lvl="4"/>
             <a:r>
-              <a:rPr lang="en-US" smtClean="0"/>
+              <a:rPr lang="en-US"/>
               <a:t>Fifth level</a:t>
             </a:r>
-            <a:endParaRPr lang="en-US"/>
           </a:p>
         </p:txBody>
       </p:sp>
@@ -3035,10 +3017,9 @@
           <a:lstStyle/>
           <a:p>
             <a:r>
-              <a:rPr lang="en-US" smtClean="0"/>
+              <a:rPr lang="en-US"/>
               <a:t>Click to edit Master title style</a:t>
             </a:r>
-            <a:endParaRPr lang="en-US"/>
           </a:p>
         </p:txBody>
       </p:sp>
@@ -3101,7 +3082,7 @@
           <a:p>
             <a:pPr lvl="0"/>
             <a:r>
-              <a:rPr lang="en-US" smtClean="0"/>
+              <a:rPr lang="en-US"/>
               <a:t>Click to edit Master text styles</a:t>
             </a:r>
           </a:p>
@@ -3129,38 +3110,37 @@
           <a:p>
             <a:pPr lvl="0"/>
             <a:r>
-              <a:rPr lang="en-US" smtClean="0"/>
+              <a:rPr lang="en-US"/>
               <a:t>Click to edit Master text styles</a:t>
             </a:r>
           </a:p>
           <a:p>
             <a:pPr lvl="1"/>
             <a:r>
-              <a:rPr lang="en-US" smtClean="0"/>
+              <a:rPr lang="en-US"/>
               <a:t>Second level</a:t>
             </a:r>
           </a:p>
           <a:p>
             <a:pPr lvl="2"/>
             <a:r>
-              <a:rPr lang="en-US" smtClean="0"/>
+              <a:rPr lang="en-US"/>
               <a:t>Third level</a:t>
             </a:r>
           </a:p>
           <a:p>
             <a:pPr lvl="3"/>
             <a:r>
-              <a:rPr lang="en-US" smtClean="0"/>
+              <a:rPr lang="en-US"/>
               <a:t>Fourth level</a:t>
             </a:r>
           </a:p>
           <a:p>
             <a:pPr lvl="4"/>
             <a:r>
-              <a:rPr lang="en-US" smtClean="0"/>
+              <a:rPr lang="en-US"/>
               <a:t>Fifth level</a:t>
             </a:r>
-            <a:endParaRPr lang="en-US"/>
           </a:p>
         </p:txBody>
       </p:sp>
@@ -3223,7 +3203,7 @@
           <a:p>
             <a:pPr lvl="0"/>
             <a:r>
-              <a:rPr lang="en-US" smtClean="0"/>
+              <a:rPr lang="en-US"/>
               <a:t>Click to edit Master text styles</a:t>
             </a:r>
           </a:p>
@@ -3251,38 +3231,37 @@
           <a:p>
             <a:pPr lvl="0"/>
             <a:r>
-              <a:rPr lang="en-US" smtClean="0"/>
+              <a:rPr lang="en-US"/>
               <a:t>Click to edit Master text styles</a:t>
             </a:r>
           </a:p>
           <a:p>
             <a:pPr lvl="1"/>
             <a:r>
-              <a:rPr lang="en-US" smtClean="0"/>
+              <a:rPr lang="en-US"/>
               <a:t>Second level</a:t>
             </a:r>
           </a:p>
           <a:p>
             <a:pPr lvl="2"/>
             <a:r>
-              <a:rPr lang="en-US" smtClean="0"/>
+              <a:rPr lang="en-US"/>
               <a:t>Third level</a:t>
             </a:r>
           </a:p>
           <a:p>
             <a:pPr lvl="3"/>
             <a:r>
-              <a:rPr lang="en-US" smtClean="0"/>
+              <a:rPr lang="en-US"/>
               <a:t>Fourth level</a:t>
             </a:r>
           </a:p>
           <a:p>
             <a:pPr lvl="4"/>
             <a:r>
-              <a:rPr lang="en-US" smtClean="0"/>
+              <a:rPr lang="en-US"/>
               <a:t>Fifth level</a:t>
             </a:r>
-            <a:endParaRPr lang="en-US"/>
           </a:p>
         </p:txBody>
       </p:sp>
@@ -3397,10 +3376,9 @@
           <a:lstStyle/>
           <a:p>
             <a:r>
-              <a:rPr lang="en-US" smtClean="0"/>
+              <a:rPr lang="en-US"/>
               <a:t>Click to edit Master title style</a:t>
             </a:r>
-            <a:endParaRPr lang="en-US"/>
           </a:p>
         </p:txBody>
       </p:sp>
@@ -3619,10 +3597,9 @@
           </a:lstStyle>
           <a:p>
             <a:r>
-              <a:rPr lang="en-US" smtClean="0"/>
+              <a:rPr lang="en-US"/>
               <a:t>Click to edit Master title style</a:t>
             </a:r>
-            <a:endParaRPr lang="en-US"/>
           </a:p>
         </p:txBody>
       </p:sp>
@@ -3676,38 +3653,37 @@
           <a:p>
             <a:pPr lvl="0"/>
             <a:r>
-              <a:rPr lang="en-US" smtClean="0"/>
+              <a:rPr lang="en-US"/>
               <a:t>Click to edit Master text styles</a:t>
             </a:r>
           </a:p>
           <a:p>
             <a:pPr lvl="1"/>
             <a:r>
-              <a:rPr lang="en-US" smtClean="0"/>
+              <a:rPr lang="en-US"/>
               <a:t>Second level</a:t>
             </a:r>
           </a:p>
           <a:p>
             <a:pPr lvl="2"/>
             <a:r>
-              <a:rPr lang="en-US" smtClean="0"/>
+              <a:rPr lang="en-US"/>
               <a:t>Third level</a:t>
             </a:r>
           </a:p>
           <a:p>
             <a:pPr lvl="3"/>
             <a:r>
-              <a:rPr lang="en-US" smtClean="0"/>
+              <a:rPr lang="en-US"/>
               <a:t>Fourth level</a:t>
             </a:r>
           </a:p>
           <a:p>
             <a:pPr lvl="4"/>
             <a:r>
-              <a:rPr lang="en-US" smtClean="0"/>
+              <a:rPr lang="en-US"/>
               <a:t>Fifth level</a:t>
             </a:r>
-            <a:endParaRPr lang="en-US"/>
           </a:p>
         </p:txBody>
       </p:sp>
@@ -3770,7 +3746,7 @@
           <a:p>
             <a:pPr lvl="0"/>
             <a:r>
-              <a:rPr lang="en-US" smtClean="0"/>
+              <a:rPr lang="en-US"/>
               <a:t>Click to edit Master text styles</a:t>
             </a:r>
           </a:p>
@@ -3896,10 +3872,9 @@
           </a:lstStyle>
           <a:p>
             <a:r>
-              <a:rPr lang="en-US" smtClean="0"/>
+              <a:rPr lang="en-US"/>
               <a:t>Click to edit Master title style</a:t>
             </a:r>
-            <a:endParaRPr lang="en-US"/>
           </a:p>
         </p:txBody>
       </p:sp>
@@ -4023,7 +3998,7 @@
           <a:p>
             <a:pPr lvl="0"/>
             <a:r>
-              <a:rPr lang="en-US" smtClean="0"/>
+              <a:rPr lang="en-US"/>
               <a:t>Click to edit Master text styles</a:t>
             </a:r>
           </a:p>
@@ -4155,10 +4130,9 @@
           <a:lstStyle/>
           <a:p>
             <a:r>
-              <a:rPr lang="en-US" smtClean="0"/>
+              <a:rPr lang="en-US"/>
               <a:t>Click to edit Master title style</a:t>
             </a:r>
-            <a:endParaRPr lang="en-US"/>
           </a:p>
         </p:txBody>
       </p:sp>
@@ -4189,38 +4163,37 @@
           <a:p>
             <a:pPr lvl="0"/>
             <a:r>
-              <a:rPr lang="en-US" smtClean="0"/>
+              <a:rPr lang="en-US"/>
               <a:t>Click to edit Master text styles</a:t>
             </a:r>
           </a:p>
           <a:p>
             <a:pPr lvl="1"/>
             <a:r>
-              <a:rPr lang="en-US" smtClean="0"/>
+              <a:rPr lang="en-US"/>
               <a:t>Second level</a:t>
             </a:r>
           </a:p>
           <a:p>
             <a:pPr lvl="2"/>
             <a:r>
-              <a:rPr lang="en-US" smtClean="0"/>
+              <a:rPr lang="en-US"/>
               <a:t>Third level</a:t>
             </a:r>
           </a:p>
           <a:p>
             <a:pPr lvl="3"/>
             <a:r>
-              <a:rPr lang="en-US" smtClean="0"/>
+              <a:rPr lang="en-US"/>
               <a:t>Fourth level</a:t>
             </a:r>
           </a:p>
           <a:p>
             <a:pPr lvl="4"/>
             <a:r>
-              <a:rPr lang="en-US" smtClean="0"/>
+              <a:rPr lang="en-US"/>
               <a:t>Fifth level</a:t>
             </a:r>
-            <a:endParaRPr lang="en-US"/>
           </a:p>
         </p:txBody>
       </p:sp>
@@ -4650,6 +4623,14 @@
 <file path=ppt/slides/slide1.xml><?xml version="1.0" encoding="utf-8"?>
 <p:sld xmlns:a="http://schemas.openxmlformats.org/drawingml/2006/main" xmlns:r="http://schemas.openxmlformats.org/officeDocument/2006/relationships" xmlns:p="http://schemas.openxmlformats.org/presentationml/2006/main">
   <p:cSld>
+    <p:bg>
+      <p:bgPr>
+        <a:solidFill>
+          <a:schemeClr val="tx1"/>
+        </a:solidFill>
+        <a:effectLst/>
+      </p:bgPr>
+    </p:bg>
     <p:spTree>
       <p:nvGrpSpPr>
         <p:cNvPr id="1" name=""/>
@@ -4664,36 +4645,6 @@
           <a:chExt cx="0" cy="0"/>
         </a:xfrm>
       </p:grpSpPr>
-      <p:pic>
-        <p:nvPicPr>
-          <p:cNvPr id="4" name="Picture 3"/>
-          <p:cNvPicPr>
-            <a:picLocks noChangeAspect="1"/>
-          </p:cNvPicPr>
-          <p:nvPr/>
-        </p:nvPicPr>
-        <p:blipFill>
-          <a:blip r:embed="rId3">
-            <a:extLst>
-              <a:ext uri="{28A0092B-C50C-407E-A947-70E740481C1C}">
-                <a14:useLocalDpi xmlns:a14="http://schemas.microsoft.com/office/drawing/2010/main" val="0"/>
-              </a:ext>
-            </a:extLst>
-          </a:blip>
-          <a:stretch>
-            <a:fillRect/>
-          </a:stretch>
-        </p:blipFill>
-        <p:spPr>
-          <a:xfrm>
-            <a:off x="0" y="0"/>
-            <a:ext cx="12192000" cy="6858000"/>
-          </a:xfrm>
-          <a:prstGeom prst="rect">
-            <a:avLst/>
-          </a:prstGeom>
-        </p:spPr>
-      </p:pic>
       <p:sp>
         <p:nvSpPr>
           <p:cNvPr id="2" name="Title 1"/>
@@ -4706,8 +4657,8 @@
         </p:nvSpPr>
         <p:spPr>
           <a:xfrm>
-            <a:off x="1523999" y="175091"/>
-            <a:ext cx="9144000" cy="2538806"/>
+            <a:off x="1539497" y="185979"/>
+            <a:ext cx="9144000" cy="2186955"/>
           </a:xfrm>
         </p:spPr>
         <p:txBody>
@@ -4740,18 +4691,6 @@
               </a:rPr>
               <a:t>Software Development Class - IST 303 </a:t>
             </a:r>
-            <a:r>
-              <a:rPr lang="en" dirty="0">
-                <a:solidFill>
-                  <a:schemeClr val="bg1"/>
-                </a:solidFill>
-                <a:latin typeface="Arial Rounded MT Bold" panose="020F0704030504030204" pitchFamily="34" charset="0"/>
-                <a:ea typeface="Arial"/>
-                <a:cs typeface="Arial"/>
-                <a:sym typeface="Arial"/>
-              </a:rPr>
-              <a:t/>
-            </a:r>
             <a:br>
               <a:rPr lang="en" dirty="0">
                 <a:solidFill>
@@ -4774,18 +4713,6 @@
                 <a:sym typeface="Arial"/>
               </a:rPr>
               <a:t>Midterm Presentation</a:t>
-            </a:r>
-            <a:r>
-              <a:rPr lang="en" dirty="0">
-                <a:solidFill>
-                  <a:schemeClr val="bg1"/>
-                </a:solidFill>
-                <a:latin typeface="Arial Rounded MT Bold" panose="020F0704030504030204" pitchFamily="34" charset="0"/>
-                <a:ea typeface="Arial"/>
-                <a:cs typeface="Arial"/>
-                <a:sym typeface="Arial"/>
-              </a:rPr>
-              <a:t/>
             </a:r>
             <a:br>
               <a:rPr lang="en" dirty="0">
@@ -4810,17 +4737,8 @@
               </a:rPr>
               <a:t>Professor Terry Ryan</a:t>
             </a:r>
-            <a:r>
-              <a:rPr lang="en-US" dirty="0" smtClean="0">
-                <a:solidFill>
-                  <a:schemeClr val="bg1"/>
-                </a:solidFill>
-                <a:latin typeface="Arial Rounded MT Bold" panose="020F0704030504030204" pitchFamily="34" charset="0"/>
-              </a:rPr>
-              <a:t/>
-            </a:r>
             <a:br>
-              <a:rPr lang="en-US" dirty="0" smtClean="0">
+              <a:rPr lang="en-US" dirty="0">
                 <a:solidFill>
                   <a:schemeClr val="bg1"/>
                 </a:solidFill>
@@ -4828,7 +4746,7 @@
               </a:rPr>
             </a:br>
             <a:r>
-              <a:rPr lang="en-US" sz="4000" dirty="0" smtClean="0">
+              <a:rPr lang="en-US" sz="4000" dirty="0">
                 <a:solidFill>
                   <a:schemeClr val="bg1"/>
                 </a:solidFill>
@@ -4836,12 +4754,6 @@
               </a:rPr>
               <a:t>Gila Breath Camp</a:t>
             </a:r>
-            <a:endParaRPr lang="en-US" sz="4000" dirty="0">
-              <a:solidFill>
-                <a:schemeClr val="bg1"/>
-              </a:solidFill>
-              <a:latin typeface="Arial Rounded MT Bold" panose="020F0704030504030204" pitchFamily="34" charset="0"/>
-            </a:endParaRPr>
           </a:p>
         </p:txBody>
       </p:sp>
@@ -4857,7 +4769,7 @@
         </p:nvSpPr>
         <p:spPr>
           <a:xfrm>
-            <a:off x="249778" y="3832692"/>
+            <a:off x="3062264" y="2629235"/>
             <a:ext cx="6098466" cy="2502794"/>
           </a:xfrm>
         </p:spPr>
@@ -4868,7 +4780,7 @@
           <a:lstStyle/>
           <a:p>
             <a:r>
-              <a:rPr lang="en-US" dirty="0" smtClean="0">
+              <a:rPr lang="en-US" dirty="0">
                 <a:solidFill>
                   <a:schemeClr val="bg1"/>
                 </a:solidFill>
@@ -4878,18 +4790,28 @@
             </a:r>
           </a:p>
           <a:p>
-            <a:pPr algn="l"/>
             <a:r>
-              <a:rPr lang="en-US" dirty="0" err="1" smtClean="0">
+              <a:rPr lang="en-US" dirty="0">
                 <a:solidFill>
                   <a:schemeClr val="bg1"/>
                 </a:solidFill>
                 <a:latin typeface="Arial Rounded MT Bold" panose="020F0704030504030204" pitchFamily="34" charset="0"/>
               </a:rPr>
-              <a:t>Jemin</a:t>
+              <a:t>Jemin Gohil (aka Rico)</a:t>
+            </a:r>
+          </a:p>
+          <a:p>
+            <a:r>
+              <a:rPr lang="en-US" dirty="0" err="1">
+                <a:solidFill>
+                  <a:schemeClr val="bg1"/>
+                </a:solidFill>
+                <a:latin typeface="Arial Rounded MT Bold" panose="020F0704030504030204" pitchFamily="34" charset="0"/>
+              </a:rPr>
+              <a:t>Karthik</a:t>
             </a:r>
             <a:r>
-              <a:rPr lang="en-US" dirty="0" smtClean="0">
+              <a:rPr lang="en-US" dirty="0">
                 <a:solidFill>
                   <a:schemeClr val="bg1"/>
                 </a:solidFill>
@@ -4898,52 +4820,7 @@
               <a:t> </a:t>
             </a:r>
             <a:r>
-              <a:rPr lang="en-US" dirty="0" err="1" smtClean="0">
-                <a:solidFill>
-                  <a:schemeClr val="bg1"/>
-                </a:solidFill>
-                <a:latin typeface="Arial Rounded MT Bold" panose="020F0704030504030204" pitchFamily="34" charset="0"/>
-              </a:rPr>
-              <a:t>Gohil</a:t>
-            </a:r>
-            <a:r>
-              <a:rPr lang="en-US" dirty="0">
-                <a:solidFill>
-                  <a:schemeClr val="bg1"/>
-                </a:solidFill>
-                <a:latin typeface="Arial Rounded MT Bold" panose="020F0704030504030204" pitchFamily="34" charset="0"/>
-              </a:rPr>
-              <a:t> (aka Kowalski)</a:t>
-            </a:r>
-            <a:endParaRPr lang="en-US" dirty="0" smtClean="0">
-              <a:solidFill>
-                <a:schemeClr val="bg1"/>
-              </a:solidFill>
-              <a:latin typeface="Arial Rounded MT Bold" panose="020F0704030504030204" pitchFamily="34" charset="0"/>
-            </a:endParaRPr>
-          </a:p>
-          <a:p>
-            <a:pPr algn="l"/>
-            <a:r>
-              <a:rPr lang="en-US" dirty="0" err="1" smtClean="0">
-                <a:solidFill>
-                  <a:schemeClr val="bg1"/>
-                </a:solidFill>
-                <a:latin typeface="Arial Rounded MT Bold" panose="020F0704030504030204" pitchFamily="34" charset="0"/>
-              </a:rPr>
-              <a:t>Karthik</a:t>
-            </a:r>
-            <a:r>
-              <a:rPr lang="en-US" dirty="0" smtClean="0">
-                <a:solidFill>
-                  <a:schemeClr val="bg1"/>
-                </a:solidFill>
-                <a:latin typeface="Arial Rounded MT Bold" panose="020F0704030504030204" pitchFamily="34" charset="0"/>
-              </a:rPr>
-              <a:t> </a:t>
-            </a:r>
-            <a:r>
-              <a:rPr lang="en-US" dirty="0" err="1" smtClean="0">
+              <a:rPr lang="en-US" dirty="0" err="1">
                 <a:solidFill>
                   <a:schemeClr val="bg1"/>
                 </a:solidFill>
@@ -4958,19 +4835,12 @@
                 </a:solidFill>
                 <a:latin typeface="Arial Rounded MT Bold" panose="020F0704030504030204" pitchFamily="34" charset="0"/>
               </a:rPr>
-              <a:t> (aka Rico)</a:t>
+              <a:t> (aka Kowalski)</a:t>
             </a:r>
-            <a:endParaRPr lang="en-US" dirty="0" smtClean="0">
-              <a:solidFill>
-                <a:schemeClr val="bg1"/>
-              </a:solidFill>
-              <a:latin typeface="Arial Rounded MT Bold" panose="020F0704030504030204" pitchFamily="34" charset="0"/>
-            </a:endParaRPr>
-          </a:p>
-          <a:p>
-            <a:pPr algn="l"/>
+          </a:p>
+          <a:p>
             <a:r>
-              <a:rPr lang="en-US" dirty="0" smtClean="0">
+              <a:rPr lang="en-US" dirty="0">
                 <a:solidFill>
                   <a:schemeClr val="bg1"/>
                 </a:solidFill>
@@ -4979,7 +4849,7 @@
               <a:t>Rohan </a:t>
             </a:r>
             <a:r>
-              <a:rPr lang="en-US" dirty="0" err="1" smtClean="0">
+              <a:rPr lang="en-US" dirty="0" err="1">
                 <a:solidFill>
                   <a:schemeClr val="bg1"/>
                 </a:solidFill>
@@ -4996,17 +4866,10 @@
               </a:rPr>
               <a:t> (aka Skipper)</a:t>
             </a:r>
-            <a:endParaRPr lang="en-US" dirty="0" smtClean="0">
-              <a:solidFill>
-                <a:schemeClr val="bg1"/>
-              </a:solidFill>
-              <a:latin typeface="Arial Rounded MT Bold" panose="020F0704030504030204" pitchFamily="34" charset="0"/>
-            </a:endParaRPr>
-          </a:p>
-          <a:p>
-            <a:pPr algn="l"/>
+          </a:p>
+          <a:p>
             <a:r>
-              <a:rPr lang="en-US" dirty="0" err="1" smtClean="0">
+              <a:rPr lang="en-US" dirty="0" err="1">
                 <a:solidFill>
                   <a:schemeClr val="bg1"/>
                 </a:solidFill>
@@ -5015,7 +4878,7 @@
               <a:t>Soheil</a:t>
             </a:r>
             <a:r>
-              <a:rPr lang="en-US" dirty="0" smtClean="0">
+              <a:rPr lang="en-US" dirty="0">
                 <a:solidFill>
                   <a:schemeClr val="bg1"/>
                 </a:solidFill>
@@ -5024,7 +4887,7 @@
               <a:t> </a:t>
             </a:r>
             <a:r>
-              <a:rPr lang="en-US" dirty="0" err="1" smtClean="0">
+              <a:rPr lang="en-US" dirty="0" err="1">
                 <a:solidFill>
                   <a:schemeClr val="bg1"/>
                 </a:solidFill>
@@ -5053,11 +4916,11 @@
           <p:nvPr/>
         </p:nvPicPr>
         <p:blipFill>
-          <a:blip r:embed="rId4" cstate="print">
+          <a:blip r:embed="rId3" cstate="print">
             <a:extLst>
               <a:ext uri="{BEBA8EAE-BF5A-486C-A8C5-ECC9F3942E4B}">
                 <a14:imgProps xmlns:a14="http://schemas.microsoft.com/office/drawing/2010/main">
-                  <a14:imgLayer r:embed="rId5">
+                  <a14:imgLayer r:embed="rId4">
                     <a14:imgEffect>
                       <a14:backgroundRemoval t="6500" b="90000" l="10000" r="90000">
                         <a14:backgroundMark x1="45313" y1="34167" x2="45313" y2="34167"/>
@@ -5080,7 +4943,7 @@
         </p:blipFill>
         <p:spPr>
           <a:xfrm>
-            <a:off x="8627631" y="2179908"/>
+            <a:off x="201245" y="4164413"/>
             <a:ext cx="3564367" cy="2673275"/>
           </a:xfrm>
           <a:prstGeom prst="rect">
@@ -5105,7 +4968,7 @@
           <p:nvPr/>
         </p:nvPicPr>
         <p:blipFill>
-          <a:blip r:embed="rId6" cstate="print">
+          <a:blip r:embed="rId5" cstate="print">
             <a:extLst>
               <a:ext uri="{28A0092B-C50C-407E-A947-70E740481C1C}">
                 <a14:useLocalDpi xmlns:a14="http://schemas.microsoft.com/office/drawing/2010/main" val="0"/>
@@ -5118,7 +4981,7 @@
         </p:blipFill>
         <p:spPr>
           <a:xfrm>
-            <a:off x="5154706" y="4144103"/>
+            <a:off x="8403220" y="4123791"/>
             <a:ext cx="3618529" cy="2713897"/>
           </a:xfrm>
           <a:prstGeom prst="rect">
@@ -5144,13 +5007,6 @@
   <p:clrMapOvr>
     <a:masterClrMapping/>
   </p:clrMapOvr>
-  <p:timing>
-    <p:tnLst>
-      <p:par>
-        <p:cTn id="1" dur="indefinite" restart="never" nodeType="tmRoot"/>
-      </p:par>
-    </p:tnLst>
-  </p:timing>
 </p:sld>
 </file>
 
@@ -5210,6 +5066,642 @@
             <p:ph type="title"/>
           </p:nvPr>
         </p:nvSpPr>
+        <p:spPr/>
+        <p:txBody>
+          <a:bodyPr/>
+          <a:lstStyle/>
+          <a:p>
+            <a:pPr algn="ctr"/>
+            <a:r>
+              <a:rPr lang="en-US" dirty="0">
+                <a:latin typeface="Arial Rounded MT Bold" panose="020F0704030504030204" pitchFamily="34" charset="0"/>
+              </a:rPr>
+              <a:t>Schedule/Velocity/</a:t>
+            </a:r>
+            <a:r>
+              <a:rPr lang="en-US" dirty="0" err="1">
+                <a:latin typeface="Arial Rounded MT Bold" panose="020F0704030504030204" pitchFamily="34" charset="0"/>
+              </a:rPr>
+              <a:t>Burnchart</a:t>
+            </a:r>
+            <a:endParaRPr lang="en-US" dirty="0">
+              <a:latin typeface="Arial Rounded MT Bold" panose="020F0704030504030204" pitchFamily="34" charset="0"/>
+            </a:endParaRPr>
+          </a:p>
+        </p:txBody>
+      </p:sp>
+      <p:sp>
+        <p:nvSpPr>
+          <p:cNvPr id="7" name="Rounded Rectangular Callout 6"/>
+          <p:cNvSpPr/>
+          <p:nvPr/>
+        </p:nvSpPr>
+        <p:spPr>
+          <a:xfrm>
+            <a:off x="557378" y="1837664"/>
+            <a:ext cx="360381" cy="268941"/>
+          </a:xfrm>
+          <a:prstGeom prst="wedgeRoundRectCallout">
+            <a:avLst/>
+          </a:prstGeom>
+          <a:solidFill>
+            <a:schemeClr val="bg1"/>
+          </a:solidFill>
+        </p:spPr>
+        <p:style>
+          <a:lnRef idx="2">
+            <a:schemeClr val="accent1">
+              <a:shade val="50000"/>
+            </a:schemeClr>
+          </a:lnRef>
+          <a:fillRef idx="1">
+            <a:schemeClr val="accent1"/>
+          </a:fillRef>
+          <a:effectRef idx="0">
+            <a:schemeClr val="accent1"/>
+          </a:effectRef>
+          <a:fontRef idx="minor">
+            <a:schemeClr val="lt1"/>
+          </a:fontRef>
+        </p:style>
+        <p:txBody>
+          <a:bodyPr rtlCol="0" anchor="ctr"/>
+          <a:lstStyle/>
+          <a:p>
+            <a:pPr algn="ctr"/>
+            <a:endParaRPr lang="en-US"/>
+          </a:p>
+        </p:txBody>
+      </p:sp>
+      <p:sp>
+        <p:nvSpPr>
+          <p:cNvPr id="8" name="Rounded Rectangular Callout 7"/>
+          <p:cNvSpPr/>
+          <p:nvPr/>
+        </p:nvSpPr>
+        <p:spPr>
+          <a:xfrm>
+            <a:off x="453609" y="1768042"/>
+            <a:ext cx="360381" cy="268941"/>
+          </a:xfrm>
+          <a:prstGeom prst="wedgeRoundRectCallout">
+            <a:avLst/>
+          </a:prstGeom>
+          <a:solidFill>
+            <a:schemeClr val="bg1"/>
+          </a:solidFill>
+        </p:spPr>
+        <p:style>
+          <a:lnRef idx="2">
+            <a:schemeClr val="accent1">
+              <a:shade val="50000"/>
+            </a:schemeClr>
+          </a:lnRef>
+          <a:fillRef idx="1">
+            <a:schemeClr val="accent1"/>
+          </a:fillRef>
+          <a:effectRef idx="0">
+            <a:schemeClr val="accent1"/>
+          </a:effectRef>
+          <a:fontRef idx="minor">
+            <a:schemeClr val="lt1"/>
+          </a:fontRef>
+        </p:style>
+        <p:txBody>
+          <a:bodyPr rtlCol="0" anchor="ctr"/>
+          <a:lstStyle/>
+          <a:p>
+            <a:pPr algn="ctr"/>
+            <a:endParaRPr lang="en-US">
+              <a:solidFill>
+                <a:schemeClr val="bg1"/>
+              </a:solidFill>
+            </a:endParaRPr>
+          </a:p>
+        </p:txBody>
+      </p:sp>
+      <p:sp>
+        <p:nvSpPr>
+          <p:cNvPr id="10" name="Rounded Rectangular Callout 9"/>
+          <p:cNvSpPr/>
+          <p:nvPr/>
+        </p:nvSpPr>
+        <p:spPr>
+          <a:xfrm>
+            <a:off x="552667" y="5002609"/>
+            <a:ext cx="360381" cy="268941"/>
+          </a:xfrm>
+          <a:prstGeom prst="wedgeRoundRectCallout">
+            <a:avLst/>
+          </a:prstGeom>
+          <a:solidFill>
+            <a:schemeClr val="bg1"/>
+          </a:solidFill>
+        </p:spPr>
+        <p:style>
+          <a:lnRef idx="2">
+            <a:schemeClr val="accent1">
+              <a:shade val="50000"/>
+            </a:schemeClr>
+          </a:lnRef>
+          <a:fillRef idx="1">
+            <a:schemeClr val="accent1"/>
+          </a:fillRef>
+          <a:effectRef idx="0">
+            <a:schemeClr val="accent1"/>
+          </a:effectRef>
+          <a:fontRef idx="minor">
+            <a:schemeClr val="lt1"/>
+          </a:fontRef>
+        </p:style>
+        <p:txBody>
+          <a:bodyPr rtlCol="0" anchor="ctr"/>
+          <a:lstStyle/>
+          <a:p>
+            <a:pPr algn="ctr"/>
+            <a:endParaRPr lang="en-US">
+              <a:solidFill>
+                <a:schemeClr val="bg1"/>
+              </a:solidFill>
+            </a:endParaRPr>
+          </a:p>
+        </p:txBody>
+      </p:sp>
+      <p:sp>
+        <p:nvSpPr>
+          <p:cNvPr id="11" name="Rounded Rectangular Callout 10"/>
+          <p:cNvSpPr/>
+          <p:nvPr/>
+        </p:nvSpPr>
+        <p:spPr>
+          <a:xfrm>
+            <a:off x="552668" y="3416159"/>
+            <a:ext cx="360381" cy="268941"/>
+          </a:xfrm>
+          <a:prstGeom prst="wedgeRoundRectCallout">
+            <a:avLst/>
+          </a:prstGeom>
+          <a:solidFill>
+            <a:schemeClr val="bg1"/>
+          </a:solidFill>
+        </p:spPr>
+        <p:style>
+          <a:lnRef idx="2">
+            <a:schemeClr val="accent1">
+              <a:shade val="50000"/>
+            </a:schemeClr>
+          </a:lnRef>
+          <a:fillRef idx="1">
+            <a:schemeClr val="accent1"/>
+          </a:fillRef>
+          <a:effectRef idx="0">
+            <a:schemeClr val="accent1"/>
+          </a:effectRef>
+          <a:fontRef idx="minor">
+            <a:schemeClr val="lt1"/>
+          </a:fontRef>
+        </p:style>
+        <p:txBody>
+          <a:bodyPr rtlCol="0" anchor="ctr"/>
+          <a:lstStyle/>
+          <a:p>
+            <a:pPr algn="ctr"/>
+            <a:endParaRPr lang="en-US">
+              <a:solidFill>
+                <a:schemeClr val="bg1"/>
+              </a:solidFill>
+            </a:endParaRPr>
+          </a:p>
+        </p:txBody>
+      </p:sp>
+      <p:sp>
+        <p:nvSpPr>
+          <p:cNvPr id="9" name="Rounded Rectangular Callout 8"/>
+          <p:cNvSpPr/>
+          <p:nvPr/>
+        </p:nvSpPr>
+        <p:spPr>
+          <a:xfrm>
+            <a:off x="453608" y="3351310"/>
+            <a:ext cx="360381" cy="268941"/>
+          </a:xfrm>
+          <a:prstGeom prst="wedgeRoundRectCallout">
+            <a:avLst/>
+          </a:prstGeom>
+          <a:solidFill>
+            <a:schemeClr val="bg1"/>
+          </a:solidFill>
+        </p:spPr>
+        <p:style>
+          <a:lnRef idx="2">
+            <a:schemeClr val="accent1">
+              <a:shade val="50000"/>
+            </a:schemeClr>
+          </a:lnRef>
+          <a:fillRef idx="1">
+            <a:schemeClr val="accent1"/>
+          </a:fillRef>
+          <a:effectRef idx="0">
+            <a:schemeClr val="accent1"/>
+          </a:effectRef>
+          <a:fontRef idx="minor">
+            <a:schemeClr val="lt1"/>
+          </a:fontRef>
+        </p:style>
+        <p:txBody>
+          <a:bodyPr rtlCol="0" anchor="ctr"/>
+          <a:lstStyle/>
+          <a:p>
+            <a:pPr algn="ctr"/>
+            <a:endParaRPr lang="en-US">
+              <a:solidFill>
+                <a:schemeClr val="bg1"/>
+              </a:solidFill>
+            </a:endParaRPr>
+          </a:p>
+        </p:txBody>
+      </p:sp>
+      <p:sp>
+        <p:nvSpPr>
+          <p:cNvPr id="12" name="Rounded Rectangular Callout 11"/>
+          <p:cNvSpPr/>
+          <p:nvPr/>
+        </p:nvSpPr>
+        <p:spPr>
+          <a:xfrm>
+            <a:off x="453607" y="4937760"/>
+            <a:ext cx="360381" cy="268941"/>
+          </a:xfrm>
+          <a:prstGeom prst="wedgeRoundRectCallout">
+            <a:avLst/>
+          </a:prstGeom>
+          <a:solidFill>
+            <a:schemeClr val="bg1"/>
+          </a:solidFill>
+        </p:spPr>
+        <p:style>
+          <a:lnRef idx="2">
+            <a:schemeClr val="accent1">
+              <a:shade val="50000"/>
+            </a:schemeClr>
+          </a:lnRef>
+          <a:fillRef idx="1">
+            <a:schemeClr val="accent1"/>
+          </a:fillRef>
+          <a:effectRef idx="0">
+            <a:schemeClr val="accent1"/>
+          </a:effectRef>
+          <a:fontRef idx="minor">
+            <a:schemeClr val="lt1"/>
+          </a:fontRef>
+        </p:style>
+        <p:txBody>
+          <a:bodyPr rtlCol="0" anchor="ctr"/>
+          <a:lstStyle/>
+          <a:p>
+            <a:pPr algn="ctr"/>
+            <a:endParaRPr lang="en-US">
+              <a:solidFill>
+                <a:schemeClr val="bg1"/>
+              </a:solidFill>
+            </a:endParaRPr>
+          </a:p>
+        </p:txBody>
+      </p:sp>
+      <p:graphicFrame>
+        <p:nvGraphicFramePr>
+          <p:cNvPr id="13" name="Chart 12"/>
+          <p:cNvGraphicFramePr/>
+          <p:nvPr>
+            <p:extLst>
+              <p:ext uri="{D42A27DB-BD31-4B8C-83A1-F6EECF244321}">
+                <p14:modId xmlns:p14="http://schemas.microsoft.com/office/powerpoint/2010/main" val="334344365"/>
+              </p:ext>
+            </p:extLst>
+          </p:nvPr>
+        </p:nvGraphicFramePr>
+        <p:xfrm>
+          <a:off x="5736771" y="1711592"/>
+          <a:ext cx="6096000" cy="4384408"/>
+        </p:xfrm>
+        <a:graphic>
+          <a:graphicData uri="http://schemas.openxmlformats.org/drawingml/2006/chart">
+            <c:chart xmlns:c="http://schemas.openxmlformats.org/drawingml/2006/chart" xmlns:r="http://schemas.openxmlformats.org/officeDocument/2006/relationships" r:id="rId3"/>
+          </a:graphicData>
+        </a:graphic>
+      </p:graphicFrame>
+      <p:sp>
+        <p:nvSpPr>
+          <p:cNvPr id="3" name="TextBox 2"/>
+          <p:cNvSpPr txBox="1"/>
+          <p:nvPr/>
+        </p:nvSpPr>
+        <p:spPr>
+          <a:xfrm>
+            <a:off x="1730829" y="1768042"/>
+            <a:ext cx="3341914" cy="830997"/>
+          </a:xfrm>
+          <a:prstGeom prst="rect">
+            <a:avLst/>
+          </a:prstGeom>
+          <a:noFill/>
+        </p:spPr>
+        <p:txBody>
+          <a:bodyPr wrap="square" rtlCol="0">
+            <a:spAutoFit/>
+          </a:bodyPr>
+          <a:lstStyle/>
+          <a:p>
+            <a:pPr marL="285750" indent="-285750">
+              <a:buFont typeface="Arial" panose="020B0604020202020204" pitchFamily="34" charset="0"/>
+              <a:buChar char="•"/>
+            </a:pPr>
+            <a:r>
+              <a:rPr lang="en-US" sz="2400" dirty="0">
+                <a:solidFill>
+                  <a:schemeClr val="bg1">
+                    <a:lumMod val="50000"/>
+                  </a:schemeClr>
+                </a:solidFill>
+                <a:latin typeface="Arial Rounded MT Bold" panose="020F0704030504030204" pitchFamily="34" charset="0"/>
+              </a:rPr>
+              <a:t>Created based on initial estimates</a:t>
+            </a:r>
+          </a:p>
+        </p:txBody>
+      </p:sp>
+    </p:spTree>
+    <p:extLst>
+      <p:ext uri="{BB962C8B-B14F-4D97-AF65-F5344CB8AC3E}">
+        <p14:creationId xmlns:p14="http://schemas.microsoft.com/office/powerpoint/2010/main" val="4006801110"/>
+      </p:ext>
+    </p:extLst>
+  </p:cSld>
+  <p:clrMapOvr>
+    <a:masterClrMapping/>
+  </p:clrMapOvr>
+  <p:timing>
+    <p:tnLst>
+      <p:par>
+        <p:cTn id="1" dur="indefinite" restart="never" nodeType="tmRoot">
+          <p:childTnLst>
+            <p:seq concurrent="1" nextAc="seek">
+              <p:cTn id="2" dur="indefinite" nodeType="mainSeq">
+                <p:childTnLst>
+                  <p:par>
+                    <p:cTn id="3" fill="hold">
+                      <p:stCondLst>
+                        <p:cond delay="indefinite"/>
+                      </p:stCondLst>
+                      <p:childTnLst>
+                        <p:par>
+                          <p:cTn id="4" fill="hold">
+                            <p:stCondLst>
+                              <p:cond delay="0"/>
+                            </p:stCondLst>
+                            <p:childTnLst>
+                              <p:par>
+                                <p:cTn id="5" presetID="47" presetClass="entr" presetSubtype="0" fill="hold" nodeType="clickEffect">
+                                  <p:stCondLst>
+                                    <p:cond delay="0"/>
+                                  </p:stCondLst>
+                                  <p:childTnLst>
+                                    <p:set>
+                                      <p:cBhvr>
+                                        <p:cTn id="6" dur="1" fill="hold">
+                                          <p:stCondLst>
+                                            <p:cond delay="0"/>
+                                          </p:stCondLst>
+                                        </p:cTn>
+                                        <p:tgtEl>
+                                          <p:spTgt spid="3">
+                                            <p:txEl>
+                                              <p:pRg st="0" end="0"/>
+                                            </p:txEl>
+                                          </p:spTgt>
+                                        </p:tgtEl>
+                                        <p:attrNameLst>
+                                          <p:attrName>style.visibility</p:attrName>
+                                        </p:attrNameLst>
+                                      </p:cBhvr>
+                                      <p:to>
+                                        <p:strVal val="visible"/>
+                                      </p:to>
+                                    </p:set>
+                                    <p:animEffect transition="in" filter="fade">
+                                      <p:cBhvr>
+                                        <p:cTn id="7" dur="1000"/>
+                                        <p:tgtEl>
+                                          <p:spTgt spid="3">
+                                            <p:txEl>
+                                              <p:pRg st="0" end="0"/>
+                                            </p:txEl>
+                                          </p:spTgt>
+                                        </p:tgtEl>
+                                      </p:cBhvr>
+                                    </p:animEffect>
+                                    <p:anim calcmode="lin" valueType="num">
+                                      <p:cBhvr>
+                                        <p:cTn id="8" dur="1000" fill="hold"/>
+                                        <p:tgtEl>
+                                          <p:spTgt spid="3">
+                                            <p:txEl>
+                                              <p:pRg st="0" end="0"/>
+                                            </p:txEl>
+                                          </p:spTgt>
+                                        </p:tgtEl>
+                                        <p:attrNameLst>
+                                          <p:attrName>ppt_x</p:attrName>
+                                        </p:attrNameLst>
+                                      </p:cBhvr>
+                                      <p:tavLst>
+                                        <p:tav tm="0">
+                                          <p:val>
+                                            <p:strVal val="#ppt_x"/>
+                                          </p:val>
+                                        </p:tav>
+                                        <p:tav tm="100000">
+                                          <p:val>
+                                            <p:strVal val="#ppt_x"/>
+                                          </p:val>
+                                        </p:tav>
+                                      </p:tavLst>
+                                    </p:anim>
+                                    <p:anim calcmode="lin" valueType="num">
+                                      <p:cBhvr>
+                                        <p:cTn id="9" dur="1000" fill="hold"/>
+                                        <p:tgtEl>
+                                          <p:spTgt spid="3">
+                                            <p:txEl>
+                                              <p:pRg st="0" end="0"/>
+                                            </p:txEl>
+                                          </p:spTgt>
+                                        </p:tgtEl>
+                                        <p:attrNameLst>
+                                          <p:attrName>ppt_y</p:attrName>
+                                        </p:attrNameLst>
+                                      </p:cBhvr>
+                                      <p:tavLst>
+                                        <p:tav tm="0">
+                                          <p:val>
+                                            <p:strVal val="#ppt_y-.1"/>
+                                          </p:val>
+                                        </p:tav>
+                                        <p:tav tm="100000">
+                                          <p:val>
+                                            <p:strVal val="#ppt_y"/>
+                                          </p:val>
+                                        </p:tav>
+                                      </p:tavLst>
+                                    </p:anim>
+                                  </p:childTnLst>
+                                </p:cTn>
+                              </p:par>
+                            </p:childTnLst>
+                          </p:cTn>
+                        </p:par>
+                      </p:childTnLst>
+                    </p:cTn>
+                  </p:par>
+                  <p:par>
+                    <p:cTn id="10" fill="hold">
+                      <p:stCondLst>
+                        <p:cond delay="indefinite"/>
+                      </p:stCondLst>
+                      <p:childTnLst>
+                        <p:par>
+                          <p:cTn id="11" fill="hold">
+                            <p:stCondLst>
+                              <p:cond delay="0"/>
+                            </p:stCondLst>
+                            <p:childTnLst>
+                              <p:par>
+                                <p:cTn id="12" presetID="14" presetClass="entr" presetSubtype="10" fill="hold" grpId="0" nodeType="clickEffect">
+                                  <p:stCondLst>
+                                    <p:cond delay="0"/>
+                                  </p:stCondLst>
+                                  <p:childTnLst>
+                                    <p:set>
+                                      <p:cBhvr>
+                                        <p:cTn id="13" dur="1" fill="hold">
+                                          <p:stCondLst>
+                                            <p:cond delay="0"/>
+                                          </p:stCondLst>
+                                        </p:cTn>
+                                        <p:tgtEl>
+                                          <p:spTgt spid="13"/>
+                                        </p:tgtEl>
+                                        <p:attrNameLst>
+                                          <p:attrName>style.visibility</p:attrName>
+                                        </p:attrNameLst>
+                                      </p:cBhvr>
+                                      <p:to>
+                                        <p:strVal val="visible"/>
+                                      </p:to>
+                                    </p:set>
+                                    <p:animEffect transition="in" filter="randombar(horizontal)">
+                                      <p:cBhvr>
+                                        <p:cTn id="14" dur="500"/>
+                                        <p:tgtEl>
+                                          <p:spTgt spid="13"/>
+                                        </p:tgtEl>
+                                      </p:cBhvr>
+                                    </p:animEffect>
+                                  </p:childTnLst>
+                                </p:cTn>
+                              </p:par>
+                            </p:childTnLst>
+                          </p:cTn>
+                        </p:par>
+                      </p:childTnLst>
+                    </p:cTn>
+                  </p:par>
+                </p:childTnLst>
+              </p:cTn>
+              <p:prevCondLst>
+                <p:cond evt="onPrev" delay="0">
+                  <p:tgtEl>
+                    <p:sldTgt/>
+                  </p:tgtEl>
+                </p:cond>
+              </p:prevCondLst>
+              <p:nextCondLst>
+                <p:cond evt="onNext" delay="0">
+                  <p:tgtEl>
+                    <p:sldTgt/>
+                  </p:tgtEl>
+                </p:cond>
+              </p:nextCondLst>
+            </p:seq>
+          </p:childTnLst>
+        </p:cTn>
+      </p:par>
+    </p:tnLst>
+    <p:bldLst>
+      <p:bldGraphic spid="13" grpId="0">
+        <p:bldAsOne/>
+      </p:bldGraphic>
+    </p:bldLst>
+  </p:timing>
+</p:sld>
+</file>
+
+<file path=ppt/slides/slide11.xml><?xml version="1.0" encoding="utf-8"?>
+<p:sld xmlns:a="http://schemas.openxmlformats.org/drawingml/2006/main" xmlns:r="http://schemas.openxmlformats.org/officeDocument/2006/relationships" xmlns:p="http://schemas.openxmlformats.org/presentationml/2006/main">
+  <p:cSld>
+    <p:spTree>
+      <p:nvGrpSpPr>
+        <p:cNvPr id="1" name=""/>
+        <p:cNvGrpSpPr/>
+        <p:nvPr/>
+      </p:nvGrpSpPr>
+      <p:grpSpPr>
+        <a:xfrm>
+          <a:off x="0" y="0"/>
+          <a:ext cx="0" cy="0"/>
+          <a:chOff x="0" y="0"/>
+          <a:chExt cx="0" cy="0"/>
+        </a:xfrm>
+      </p:grpSpPr>
+      <p:pic>
+        <p:nvPicPr>
+          <p:cNvPr id="4" name="Content Placeholder 3"/>
+          <p:cNvPicPr>
+            <a:picLocks noGrp="1" noChangeAspect="1"/>
+          </p:cNvPicPr>
+          <p:nvPr>
+            <p:ph idx="1"/>
+          </p:nvPr>
+        </p:nvPicPr>
+        <p:blipFill>
+          <a:blip r:embed="rId2">
+            <a:extLst>
+              <a:ext uri="{28A0092B-C50C-407E-A947-70E740481C1C}">
+                <a14:useLocalDpi xmlns:a14="http://schemas.microsoft.com/office/drawing/2010/main" val="0"/>
+              </a:ext>
+            </a:extLst>
+          </a:blip>
+          <a:stretch>
+            <a:fillRect/>
+          </a:stretch>
+        </p:blipFill>
+        <p:spPr>
+          <a:xfrm>
+            <a:off x="0" y="0"/>
+            <a:ext cx="1344706" cy="6858000"/>
+          </a:xfrm>
+        </p:spPr>
+      </p:pic>
+      <p:sp>
+        <p:nvSpPr>
+          <p:cNvPr id="2" name="Title 1"/>
+          <p:cNvSpPr>
+            <a:spLocks noGrp="1"/>
+          </p:cNvSpPr>
+          <p:nvPr>
+            <p:ph type="title"/>
+          </p:nvPr>
+        </p:nvSpPr>
         <p:spPr>
           <a:xfrm>
             <a:off x="1034142" y="365125"/>
@@ -5222,26 +5714,23 @@
           <a:p>
             <a:pPr algn="ctr"/>
             <a:r>
-              <a:rPr lang="en-US" dirty="0" smtClean="0">
+              <a:rPr lang="en-US" dirty="0">
                 <a:latin typeface="Arial Rounded MT Bold" panose="020F0704030504030204" pitchFamily="34" charset="0"/>
               </a:rPr>
               <a:t>Schedule/Velocity/</a:t>
             </a:r>
             <a:r>
-              <a:rPr lang="en-US" dirty="0" err="1" smtClean="0">
+              <a:rPr lang="en-US" dirty="0" err="1">
                 <a:latin typeface="Arial Rounded MT Bold" panose="020F0704030504030204" pitchFamily="34" charset="0"/>
               </a:rPr>
               <a:t>Burnchart</a:t>
             </a:r>
             <a:r>
-              <a:rPr lang="en-US" dirty="0" smtClean="0">
+              <a:rPr lang="en-US" dirty="0">
                 <a:latin typeface="Arial Rounded MT Bold" panose="020F0704030504030204" pitchFamily="34" charset="0"/>
               </a:rPr>
               <a:t>(cont.)</a:t>
             </a:r>
-            <a:endParaRPr lang="en-US" dirty="0">
-              <a:latin typeface="Arial Rounded MT Bold" panose="020F0704030504030204" pitchFamily="34" charset="0"/>
-            </a:endParaRPr>
           </a:p>
         </p:txBody>
       </p:sp>
@@ -5276,18 +5765,7 @@
                 </a:solidFill>
                 <a:latin typeface="Arial Rounded MT Bold" panose="020F0704030504030204" pitchFamily="34" charset="0"/>
               </a:rPr>
-              <a:t>After Moving Two User Stories to the next milestone and bringing one up and Re-estimating, we got this one</a:t>
-            </a:r>
-            <a:r>
-              <a:rPr lang="en-US" sz="2400" dirty="0" smtClean="0">
-                <a:solidFill>
-                  <a:schemeClr val="bg1">
-                    <a:lumMod val="50000"/>
-                  </a:schemeClr>
-                </a:solidFill>
-                <a:latin typeface="Arial Rounded MT Bold" panose="020F0704030504030204" pitchFamily="34" charset="0"/>
-              </a:rPr>
-              <a:t>…</a:t>
+              <a:t>After Moving Two User Stories to the next milestone and bringing one up and Re-estimating, we got this one…</a:t>
             </a:r>
           </a:p>
           <a:p>
@@ -5310,27 +5788,8 @@
                 </a:solidFill>
                 <a:latin typeface="Arial Rounded MT Bold" panose="020F0704030504030204" pitchFamily="34" charset="0"/>
               </a:rPr>
-              <a:t>Boom, We are On track again</a:t>
+              <a:t>Boom, We are On track again..</a:t>
             </a:r>
-            <a:r>
-              <a:rPr lang="en-US" sz="2400" dirty="0" smtClean="0">
-                <a:solidFill>
-                  <a:schemeClr val="bg1">
-                    <a:lumMod val="50000"/>
-                  </a:schemeClr>
-                </a:solidFill>
-                <a:latin typeface="Arial Rounded MT Bold" panose="020F0704030504030204" pitchFamily="34" charset="0"/>
-              </a:rPr>
-              <a:t>..</a:t>
-            </a:r>
-            <a:endParaRPr lang="en-US" sz="2400" dirty="0">
-              <a:solidFill>
-                <a:schemeClr val="bg1">
-                  <a:lumMod val="50000"/>
-                </a:schemeClr>
-              </a:solidFill>
-              <a:latin typeface="Arial Rounded MT Bold" panose="020F0704030504030204" pitchFamily="34" charset="0"/>
-            </a:endParaRPr>
           </a:p>
         </p:txBody>
       </p:sp>
@@ -5947,7 +6406,7 @@
 </p:sld>
 </file>
 
-<file path=ppt/slides/slide11.xml><?xml version="1.0" encoding="utf-8"?>
+<file path=ppt/slides/slide12.xml><?xml version="1.0" encoding="utf-8"?>
 <p:sld xmlns:a="http://schemas.openxmlformats.org/drawingml/2006/main" xmlns:r="http://schemas.openxmlformats.org/officeDocument/2006/relationships" xmlns:p="http://schemas.openxmlformats.org/presentationml/2006/main">
   <p:cSld>
     <p:spTree>
@@ -6010,14 +6469,11 @@
           <a:p>
             <a:pPr algn="ctr"/>
             <a:r>
-              <a:rPr lang="en-US" dirty="0" smtClean="0">
+              <a:rPr lang="en-US" dirty="0">
                 <a:latin typeface="Arial Rounded MT Bold" panose="020F0704030504030204" pitchFamily="34" charset="0"/>
               </a:rPr>
               <a:t>Milestone 1.0</a:t>
             </a:r>
-            <a:endParaRPr lang="en-US" dirty="0">
-              <a:latin typeface="Arial Rounded MT Bold" panose="020F0704030504030204" pitchFamily="34" charset="0"/>
-            </a:endParaRPr>
           </a:p>
         </p:txBody>
       </p:sp>
@@ -7388,7 +7844,7 @@
           <a:lstStyle/>
           <a:p>
             <a:r>
-              <a:rPr lang="en-US" dirty="0" smtClean="0">
+              <a:rPr lang="en-US" dirty="0">
                 <a:solidFill>
                   <a:schemeClr val="bg1">
                     <a:lumMod val="50000"/>
@@ -7398,14 +7854,6 @@
               </a:rPr>
               <a:t>Velocity</a:t>
             </a:r>
-            <a:endParaRPr lang="en-US" dirty="0">
-              <a:solidFill>
-                <a:schemeClr val="bg1">
-                  <a:lumMod val="50000"/>
-                </a:schemeClr>
-              </a:solidFill>
-              <a:latin typeface="Arial Rounded MT Bold" panose="020F0704030504030204" pitchFamily="34" charset="0"/>
-            </a:endParaRPr>
           </a:p>
         </p:txBody>
       </p:sp>
@@ -8724,7 +9172,7 @@
 </p:sld>
 </file>
 
-<file path=ppt/slides/slide12.xml><?xml version="1.0" encoding="utf-8"?>
+<file path=ppt/slides/slide13.xml><?xml version="1.0" encoding="utf-8"?>
 <p:sld xmlns:a="http://schemas.openxmlformats.org/drawingml/2006/main" xmlns:r="http://schemas.openxmlformats.org/officeDocument/2006/relationships" xmlns:p="http://schemas.openxmlformats.org/presentationml/2006/main">
   <p:cSld>
     <p:spTree>
@@ -8787,26 +9235,23 @@
           <a:p>
             <a:pPr algn="ctr"/>
             <a:r>
-              <a:rPr lang="en-US" dirty="0" smtClean="0">
+              <a:rPr lang="en-US" dirty="0">
                 <a:latin typeface="Arial Rounded MT Bold" panose="020F0704030504030204" pitchFamily="34" charset="0"/>
               </a:rPr>
               <a:t>Version Control (</a:t>
             </a:r>
             <a:r>
-              <a:rPr lang="en-US" dirty="0" err="1" smtClean="0">
+              <a:rPr lang="en-US" dirty="0" err="1">
                 <a:latin typeface="Arial Rounded MT Bold" panose="020F0704030504030204" pitchFamily="34" charset="0"/>
               </a:rPr>
               <a:t>Git</a:t>
             </a:r>
             <a:r>
-              <a:rPr lang="en-US" dirty="0" smtClean="0">
+              <a:rPr lang="en-US" dirty="0">
                 <a:latin typeface="Arial Rounded MT Bold" panose="020F0704030504030204" pitchFamily="34" charset="0"/>
               </a:rPr>
               <a:t>)</a:t>
             </a:r>
-            <a:endParaRPr lang="en-US" dirty="0">
-              <a:latin typeface="Arial Rounded MT Bold" panose="020F0704030504030204" pitchFamily="34" charset="0"/>
-            </a:endParaRPr>
           </a:p>
         </p:txBody>
       </p:sp>
@@ -8852,42 +9297,9 @@
                 <a:sym typeface="Arial"/>
                 <a:hlinkClick r:id="rId3"/>
               </a:rPr>
-              <a:t>https://</a:t>
+              <a:t>https://github.com/karbmk/software_development_cgu</a:t>
             </a:r>
-            <a:r>
-              <a:rPr lang="en" sz="2400" dirty="0" smtClean="0">
-                <a:solidFill>
-                  <a:schemeClr val="dk2"/>
-                </a:solidFill>
-                <a:latin typeface="Arial"/>
-                <a:ea typeface="Arial"/>
-                <a:cs typeface="Arial"/>
-                <a:sym typeface="Arial"/>
-                <a:hlinkClick r:id="rId3"/>
-              </a:rPr>
-              <a:t>github.com/karbmk/software_development_cgu</a:t>
-            </a:r>
-            <a:endParaRPr lang="en" sz="2400" dirty="0" smtClean="0">
-              <a:solidFill>
-                <a:schemeClr val="dk2"/>
-              </a:solidFill>
-              <a:latin typeface="Arial"/>
-              <a:ea typeface="Arial"/>
-              <a:cs typeface="Arial"/>
-              <a:sym typeface="Arial"/>
-            </a:endParaRPr>
-          </a:p>
-          <a:p>
-            <a:pPr lvl="0">
-              <a:lnSpc>
-                <a:spcPct val="115000"/>
-              </a:lnSpc>
-              <a:buClr>
-                <a:schemeClr val="dk1"/>
-              </a:buClr>
-              <a:buSzPct val="25000"/>
-            </a:pPr>
-            <a:endParaRPr lang="en-US" sz="2400" dirty="0" smtClean="0">
+            <a:endParaRPr lang="en" sz="2400" dirty="0">
               <a:solidFill>
                 <a:schemeClr val="dk2"/>
               </a:solidFill>
@@ -8927,8 +9339,28 @@
               </a:buClr>
               <a:buSzPct val="25000"/>
             </a:pPr>
+            <a:endParaRPr lang="en-US" sz="2400" dirty="0">
+              <a:solidFill>
+                <a:schemeClr val="dk2"/>
+              </a:solidFill>
+              <a:latin typeface="Arial"/>
+              <a:ea typeface="Arial"/>
+              <a:cs typeface="Arial"/>
+              <a:sym typeface="Arial"/>
+            </a:endParaRPr>
+          </a:p>
+          <a:p>
+            <a:pPr lvl="0">
+              <a:lnSpc>
+                <a:spcPct val="115000"/>
+              </a:lnSpc>
+              <a:buClr>
+                <a:schemeClr val="dk1"/>
+              </a:buClr>
+              <a:buSzPct val="25000"/>
+            </a:pPr>
             <a:r>
-              <a:rPr lang="en-US" sz="2400" dirty="0" err="1" smtClean="0">
+              <a:rPr lang="en-US" sz="2400" dirty="0" err="1">
                 <a:solidFill>
                   <a:schemeClr val="bg1">
                     <a:lumMod val="50000"/>
@@ -8942,7 +9374,7 @@
               <a:t>git</a:t>
             </a:r>
             <a:r>
-              <a:rPr lang="en-US" sz="2400" dirty="0" smtClean="0">
+              <a:rPr lang="en-US" sz="2400" dirty="0">
                 <a:solidFill>
                   <a:schemeClr val="bg1">
                     <a:lumMod val="50000"/>
@@ -8967,7 +9399,7 @@
               <a:buSzPct val="25000"/>
             </a:pPr>
             <a:r>
-              <a:rPr lang="en-US" sz="2400" dirty="0" err="1" smtClean="0">
+              <a:rPr lang="en-US" sz="2400" dirty="0" err="1">
                 <a:solidFill>
                   <a:schemeClr val="bg1">
                     <a:lumMod val="50000"/>
@@ -8981,7 +9413,7 @@
               <a:t>git</a:t>
             </a:r>
             <a:r>
-              <a:rPr lang="en-US" sz="2400" dirty="0" smtClean="0">
+              <a:rPr lang="en-US" sz="2400" dirty="0">
                 <a:solidFill>
                   <a:schemeClr val="bg1">
                     <a:lumMod val="50000"/>
@@ -9006,7 +9438,7 @@
               <a:buSzPct val="25000"/>
             </a:pPr>
             <a:r>
-              <a:rPr lang="en-US" sz="2400" dirty="0" err="1" smtClean="0">
+              <a:rPr lang="en-US" sz="2400" dirty="0" err="1">
                 <a:solidFill>
                   <a:schemeClr val="bg1">
                     <a:lumMod val="50000"/>
@@ -9020,7 +9452,7 @@
               <a:t>git</a:t>
             </a:r>
             <a:r>
-              <a:rPr lang="en-US" sz="2400" dirty="0" smtClean="0">
+              <a:rPr lang="en-US" sz="2400" dirty="0">
                 <a:solidFill>
                   <a:schemeClr val="bg1">
                     <a:lumMod val="50000"/>
@@ -9044,7 +9476,7 @@
               </a:buClr>
               <a:buSzPct val="25000"/>
             </a:pPr>
-            <a:endParaRPr lang="en-US" sz="2400" dirty="0" smtClean="0">
+            <a:endParaRPr lang="en-US" sz="2400" dirty="0">
               <a:solidFill>
                 <a:schemeClr val="bg1">
                   <a:lumMod val="50000"/>
@@ -9067,7 +9499,7 @@
               <a:buSzPct val="25000"/>
             </a:pPr>
             <a:r>
-              <a:rPr lang="en-US" sz="2400" u="sng" dirty="0" smtClean="0">
+              <a:rPr lang="en-US" sz="2400" u="sng" dirty="0">
                 <a:solidFill>
                   <a:schemeClr val="bg1">
                     <a:lumMod val="50000"/>
@@ -9080,17 +9512,6 @@
               </a:rPr>
               <a:t>Merge conflicts:</a:t>
             </a:r>
-            <a:endParaRPr lang="en-US" sz="2400" u="sng" dirty="0">
-              <a:solidFill>
-                <a:schemeClr val="bg1">
-                  <a:lumMod val="50000"/>
-                </a:schemeClr>
-              </a:solidFill>
-              <a:latin typeface="Arial Rounded MT Bold" panose="020F0704030504030204" pitchFamily="34" charset="0"/>
-              <a:ea typeface="Arial"/>
-              <a:cs typeface="Arial"/>
-              <a:sym typeface="Arial"/>
-            </a:endParaRPr>
           </a:p>
           <a:p>
             <a:pPr lvl="0">
@@ -9103,7 +9524,7 @@
               <a:buSzPct val="25000"/>
             </a:pPr>
             <a:r>
-              <a:rPr lang="en-US" sz="2400" dirty="0" err="1" smtClean="0">
+              <a:rPr lang="en-US" sz="2400" dirty="0" err="1">
                 <a:solidFill>
                   <a:schemeClr val="bg1">
                     <a:lumMod val="50000"/>
@@ -9117,7 +9538,7 @@
               <a:t>git</a:t>
             </a:r>
             <a:r>
-              <a:rPr lang="en-US" sz="2400" dirty="0" smtClean="0">
+              <a:rPr lang="en-US" sz="2400" dirty="0">
                 <a:solidFill>
                   <a:schemeClr val="bg1">
                     <a:lumMod val="50000"/>
@@ -9663,7 +10084,7 @@
 </p:sld>
 </file>
 
-<file path=ppt/slides/slide13.xml><?xml version="1.0" encoding="utf-8"?>
+<file path=ppt/slides/slide14.xml><?xml version="1.0" encoding="utf-8"?>
 <p:sld xmlns:a="http://schemas.openxmlformats.org/drawingml/2006/main" xmlns:r="http://schemas.openxmlformats.org/officeDocument/2006/relationships" xmlns:p="http://schemas.openxmlformats.org/presentationml/2006/main">
   <p:cSld>
     <p:spTree>
@@ -9726,14 +10147,11 @@
           <a:p>
             <a:pPr algn="ctr"/>
             <a:r>
-              <a:rPr lang="en-US" dirty="0" smtClean="0">
+              <a:rPr lang="en-US" dirty="0">
                 <a:latin typeface="Arial Rounded MT Bold" panose="020F0704030504030204" pitchFamily="34" charset="0"/>
               </a:rPr>
               <a:t>Refactoring: SRP</a:t>
             </a:r>
-            <a:endParaRPr lang="en-US" dirty="0">
-              <a:latin typeface="Arial Rounded MT Bold" panose="020F0704030504030204" pitchFamily="34" charset="0"/>
-            </a:endParaRPr>
           </a:p>
         </p:txBody>
       </p:sp>
@@ -9798,29 +10216,7 @@
                 </a:solidFill>
                 <a:latin typeface="Arial Rounded MT Bold" panose="020F0704030504030204" pitchFamily="34" charset="0"/>
               </a:rPr>
-              <a:t>The _&lt;class&gt;_  _&lt;method&gt;’s_ </a:t>
-            </a:r>
-            <a:r>
-              <a:rPr lang="en-US" sz="2400" dirty="0" smtClean="0">
-                <a:solidFill>
-                  <a:schemeClr val="bg1">
-                    <a:lumMod val="50000"/>
-                  </a:schemeClr>
-                </a:solidFill>
-                <a:latin typeface="Arial Rounded MT Bold" panose="020F0704030504030204" pitchFamily="34" charset="0"/>
-              </a:rPr>
-              <a:t>itself, The </a:t>
-            </a:r>
-            <a:r>
-              <a:rPr lang="en-US" sz="2400" dirty="0">
-                <a:solidFill>
-                  <a:schemeClr val="bg1">
-                    <a:lumMod val="50000"/>
-                  </a:schemeClr>
-                </a:solidFill>
-                <a:latin typeface="Arial Rounded MT Bold" panose="020F0704030504030204" pitchFamily="34" charset="0"/>
-              </a:rPr>
-              <a:t>Applicant </a:t>
+              <a:t>The _&lt;class&gt;_  _&lt;method&gt;’s_ itself, The Applicant </a:t>
             </a:r>
             <a:r>
               <a:rPr lang="en-US" sz="2400" dirty="0" err="1">
@@ -9842,18 +10238,7 @@
                 </a:solidFill>
                 <a:latin typeface="Arial Rounded MT Bold" panose="020F0704030504030204" pitchFamily="34" charset="0"/>
               </a:rPr>
-              <a:t> </a:t>
-            </a:r>
-            <a:r>
-              <a:rPr lang="en-US" sz="2400" dirty="0" smtClean="0">
-                <a:solidFill>
-                  <a:schemeClr val="bg1">
-                    <a:lumMod val="50000"/>
-                  </a:schemeClr>
-                </a:solidFill>
-                <a:latin typeface="Arial Rounded MT Bold" panose="020F0704030504030204" pitchFamily="34" charset="0"/>
-              </a:rPr>
-              <a:t>itself</a:t>
+              <a:t> itself</a:t>
             </a:r>
           </a:p>
           <a:p>
@@ -9868,17 +10253,6 @@
               <a:buChar char="•"/>
             </a:pPr>
             <a:r>
-              <a:rPr lang="en-US" sz="2400" dirty="0" smtClean="0">
-                <a:solidFill>
-                  <a:schemeClr val="bg1">
-                    <a:lumMod val="50000"/>
-                  </a:schemeClr>
-                </a:solidFill>
-                <a:latin typeface="Arial Rounded MT Bold" panose="020F0704030504030204" pitchFamily="34" charset="0"/>
-              </a:rPr>
-              <a:t>Keeping </a:t>
-            </a:r>
-            <a:r>
               <a:rPr lang="en-US" sz="2400" dirty="0">
                 <a:solidFill>
                   <a:schemeClr val="bg1">
@@ -9887,7 +10261,7 @@
                 </a:solidFill>
                 <a:latin typeface="Arial Rounded MT Bold" panose="020F0704030504030204" pitchFamily="34" charset="0"/>
               </a:rPr>
-              <a:t>the functions of each object  </a:t>
+              <a:t>Keeping the functions of each object  </a:t>
             </a:r>
           </a:p>
           <a:p>
@@ -10561,7 +10935,7 @@
 </p:sld>
 </file>
 
-<file path=ppt/slides/slide14.xml><?xml version="1.0" encoding="utf-8"?>
+<file path=ppt/slides/slide15.xml><?xml version="1.0" encoding="utf-8"?>
 <p:sld xmlns:a="http://schemas.openxmlformats.org/drawingml/2006/main" xmlns:r="http://schemas.openxmlformats.org/officeDocument/2006/relationships" xmlns:p="http://schemas.openxmlformats.org/presentationml/2006/main">
   <p:cSld>
     <p:spTree>
@@ -10624,14 +10998,11 @@
           <a:p>
             <a:pPr algn="ctr"/>
             <a:r>
-              <a:rPr lang="en-US" dirty="0" smtClean="0">
+              <a:rPr lang="en-US" dirty="0">
                 <a:latin typeface="Arial Rounded MT Bold" panose="020F0704030504030204" pitchFamily="34" charset="0"/>
               </a:rPr>
               <a:t>Refactoring: DRY</a:t>
             </a:r>
-            <a:endParaRPr lang="en-US" dirty="0">
-              <a:latin typeface="Arial Rounded MT Bold" panose="020F0704030504030204" pitchFamily="34" charset="0"/>
-            </a:endParaRPr>
           </a:p>
         </p:txBody>
       </p:sp>
@@ -10670,29 +11041,7 @@
                 </a:solidFill>
                 <a:latin typeface="Arial Rounded MT Bold" panose="020F0704030504030204" pitchFamily="34" charset="0"/>
               </a:rPr>
-              <a:t>Creating a Common File </a:t>
-            </a:r>
-            <a:r>
-              <a:rPr lang="en" sz="2400" dirty="0" smtClean="0">
-                <a:solidFill>
-                  <a:schemeClr val="bg1">
-                    <a:lumMod val="50000"/>
-                  </a:schemeClr>
-                </a:solidFill>
-                <a:latin typeface="Arial Rounded MT Bold" panose="020F0704030504030204" pitchFamily="34" charset="0"/>
-              </a:rPr>
-              <a:t>for read/write/update/increment </a:t>
-            </a:r>
-            <a:r>
-              <a:rPr lang="en" sz="2400" dirty="0">
-                <a:solidFill>
-                  <a:schemeClr val="bg1">
-                    <a:lumMod val="50000"/>
-                  </a:schemeClr>
-                </a:solidFill>
-                <a:latin typeface="Arial Rounded MT Bold" panose="020F0704030504030204" pitchFamily="34" charset="0"/>
-              </a:rPr>
-              <a:t>user id</a:t>
+              <a:t>Creating a Common File for read/write/update/increment user id</a:t>
             </a:r>
           </a:p>
           <a:p>
@@ -11817,423 +12166,6 @@
 </p:sld>
 </file>
 
-<file path=ppt/slides/slide15.xml><?xml version="1.0" encoding="utf-8"?>
-<p:sld xmlns:a="http://schemas.openxmlformats.org/drawingml/2006/main" xmlns:r="http://schemas.openxmlformats.org/officeDocument/2006/relationships" xmlns:p="http://schemas.openxmlformats.org/presentationml/2006/main">
-  <p:cSld>
-    <p:spTree>
-      <p:nvGrpSpPr>
-        <p:cNvPr id="1" name=""/>
-        <p:cNvGrpSpPr/>
-        <p:nvPr/>
-      </p:nvGrpSpPr>
-      <p:grpSpPr>
-        <a:xfrm>
-          <a:off x="0" y="0"/>
-          <a:ext cx="0" cy="0"/>
-          <a:chOff x="0" y="0"/>
-          <a:chExt cx="0" cy="0"/>
-        </a:xfrm>
-      </p:grpSpPr>
-      <p:pic>
-        <p:nvPicPr>
-          <p:cNvPr id="4" name="Content Placeholder 3"/>
-          <p:cNvPicPr>
-            <a:picLocks noGrp="1" noChangeAspect="1"/>
-          </p:cNvPicPr>
-          <p:nvPr>
-            <p:ph idx="1"/>
-          </p:nvPr>
-        </p:nvPicPr>
-        <p:blipFill>
-          <a:blip r:embed="rId2">
-            <a:extLst>
-              <a:ext uri="{28A0092B-C50C-407E-A947-70E740481C1C}">
-                <a14:useLocalDpi xmlns:a14="http://schemas.microsoft.com/office/drawing/2010/main" val="0"/>
-              </a:ext>
-            </a:extLst>
-          </a:blip>
-          <a:stretch>
-            <a:fillRect/>
-          </a:stretch>
-        </p:blipFill>
-        <p:spPr>
-          <a:xfrm>
-            <a:off x="0" y="0"/>
-            <a:ext cx="1344706" cy="6858000"/>
-          </a:xfrm>
-        </p:spPr>
-      </p:pic>
-      <p:sp>
-        <p:nvSpPr>
-          <p:cNvPr id="2" name="Title 1"/>
-          <p:cNvSpPr>
-            <a:spLocks noGrp="1"/>
-          </p:cNvSpPr>
-          <p:nvPr>
-            <p:ph type="title"/>
-          </p:nvPr>
-        </p:nvSpPr>
-        <p:spPr/>
-        <p:txBody>
-          <a:bodyPr/>
-          <a:lstStyle/>
-          <a:p>
-            <a:pPr algn="ctr"/>
-            <a:r>
-              <a:rPr lang="en-US" dirty="0" smtClean="0">
-                <a:latin typeface="Arial Rounded MT Bold" panose="020F0704030504030204" pitchFamily="34" charset="0"/>
-              </a:rPr>
-              <a:t>Codes/UI</a:t>
-            </a:r>
-            <a:endParaRPr lang="en-US" dirty="0">
-              <a:latin typeface="Arial Rounded MT Bold" panose="020F0704030504030204" pitchFamily="34" charset="0"/>
-            </a:endParaRPr>
-          </a:p>
-        </p:txBody>
-      </p:sp>
-      <p:sp>
-        <p:nvSpPr>
-          <p:cNvPr id="6" name="TextBox 5"/>
-          <p:cNvSpPr txBox="1"/>
-          <p:nvPr/>
-        </p:nvSpPr>
-        <p:spPr>
-          <a:xfrm>
-            <a:off x="2280621" y="1904104"/>
-            <a:ext cx="3980330" cy="461665"/>
-          </a:xfrm>
-          <a:prstGeom prst="rect">
-            <a:avLst/>
-          </a:prstGeom>
-          <a:noFill/>
-        </p:spPr>
-        <p:txBody>
-          <a:bodyPr wrap="square" rtlCol="0">
-            <a:spAutoFit/>
-          </a:bodyPr>
-          <a:lstStyle/>
-          <a:p>
-            <a:pPr algn="ctr"/>
-            <a:r>
-              <a:rPr lang="en-US" sz="2400" dirty="0" err="1" smtClean="0">
-                <a:solidFill>
-                  <a:schemeClr val="bg1">
-                    <a:lumMod val="50000"/>
-                  </a:schemeClr>
-                </a:solidFill>
-                <a:latin typeface="Arial Rounded MT Bold" panose="020F0704030504030204" pitchFamily="34" charset="0"/>
-              </a:rPr>
-              <a:t>Blueskying</a:t>
-            </a:r>
-            <a:endParaRPr lang="en-US" sz="2400" dirty="0">
-              <a:solidFill>
-                <a:schemeClr val="bg1">
-                  <a:lumMod val="50000"/>
-                </a:schemeClr>
-              </a:solidFill>
-              <a:latin typeface="Arial Rounded MT Bold" panose="020F0704030504030204" pitchFamily="34" charset="0"/>
-            </a:endParaRPr>
-          </a:p>
-        </p:txBody>
-      </p:sp>
-      <p:sp>
-        <p:nvSpPr>
-          <p:cNvPr id="7" name="Rounded Rectangular Callout 6"/>
-          <p:cNvSpPr/>
-          <p:nvPr/>
-        </p:nvSpPr>
-        <p:spPr>
-          <a:xfrm>
-            <a:off x="557378" y="1837664"/>
-            <a:ext cx="360381" cy="268941"/>
-          </a:xfrm>
-          <a:prstGeom prst="wedgeRoundRectCallout">
-            <a:avLst/>
-          </a:prstGeom>
-          <a:solidFill>
-            <a:schemeClr val="bg1"/>
-          </a:solidFill>
-        </p:spPr>
-        <p:style>
-          <a:lnRef idx="2">
-            <a:schemeClr val="accent1">
-              <a:shade val="50000"/>
-            </a:schemeClr>
-          </a:lnRef>
-          <a:fillRef idx="1">
-            <a:schemeClr val="accent1"/>
-          </a:fillRef>
-          <a:effectRef idx="0">
-            <a:schemeClr val="accent1"/>
-          </a:effectRef>
-          <a:fontRef idx="minor">
-            <a:schemeClr val="lt1"/>
-          </a:fontRef>
-        </p:style>
-        <p:txBody>
-          <a:bodyPr rtlCol="0" anchor="ctr"/>
-          <a:lstStyle/>
-          <a:p>
-            <a:pPr algn="ctr"/>
-            <a:endParaRPr lang="en-US"/>
-          </a:p>
-        </p:txBody>
-      </p:sp>
-      <p:sp>
-        <p:nvSpPr>
-          <p:cNvPr id="8" name="Rounded Rectangular Callout 7"/>
-          <p:cNvSpPr/>
-          <p:nvPr/>
-        </p:nvSpPr>
-        <p:spPr>
-          <a:xfrm>
-            <a:off x="453609" y="1768042"/>
-            <a:ext cx="360381" cy="268941"/>
-          </a:xfrm>
-          <a:prstGeom prst="wedgeRoundRectCallout">
-            <a:avLst/>
-          </a:prstGeom>
-          <a:solidFill>
-            <a:schemeClr val="bg1"/>
-          </a:solidFill>
-        </p:spPr>
-        <p:style>
-          <a:lnRef idx="2">
-            <a:schemeClr val="accent1">
-              <a:shade val="50000"/>
-            </a:schemeClr>
-          </a:lnRef>
-          <a:fillRef idx="1">
-            <a:schemeClr val="accent1"/>
-          </a:fillRef>
-          <a:effectRef idx="0">
-            <a:schemeClr val="accent1"/>
-          </a:effectRef>
-          <a:fontRef idx="minor">
-            <a:schemeClr val="lt1"/>
-          </a:fontRef>
-        </p:style>
-        <p:txBody>
-          <a:bodyPr rtlCol="0" anchor="ctr"/>
-          <a:lstStyle/>
-          <a:p>
-            <a:pPr algn="ctr"/>
-            <a:endParaRPr lang="en-US">
-              <a:solidFill>
-                <a:schemeClr val="bg1"/>
-              </a:solidFill>
-            </a:endParaRPr>
-          </a:p>
-        </p:txBody>
-      </p:sp>
-      <p:sp>
-        <p:nvSpPr>
-          <p:cNvPr id="10" name="Rounded Rectangular Callout 9"/>
-          <p:cNvSpPr/>
-          <p:nvPr/>
-        </p:nvSpPr>
-        <p:spPr>
-          <a:xfrm>
-            <a:off x="552667" y="5002609"/>
-            <a:ext cx="360381" cy="268941"/>
-          </a:xfrm>
-          <a:prstGeom prst="wedgeRoundRectCallout">
-            <a:avLst/>
-          </a:prstGeom>
-          <a:solidFill>
-            <a:schemeClr val="bg1"/>
-          </a:solidFill>
-        </p:spPr>
-        <p:style>
-          <a:lnRef idx="2">
-            <a:schemeClr val="accent1">
-              <a:shade val="50000"/>
-            </a:schemeClr>
-          </a:lnRef>
-          <a:fillRef idx="1">
-            <a:schemeClr val="accent1"/>
-          </a:fillRef>
-          <a:effectRef idx="0">
-            <a:schemeClr val="accent1"/>
-          </a:effectRef>
-          <a:fontRef idx="minor">
-            <a:schemeClr val="lt1"/>
-          </a:fontRef>
-        </p:style>
-        <p:txBody>
-          <a:bodyPr rtlCol="0" anchor="ctr"/>
-          <a:lstStyle/>
-          <a:p>
-            <a:pPr algn="ctr"/>
-            <a:endParaRPr lang="en-US">
-              <a:solidFill>
-                <a:schemeClr val="bg1"/>
-              </a:solidFill>
-            </a:endParaRPr>
-          </a:p>
-        </p:txBody>
-      </p:sp>
-      <p:sp>
-        <p:nvSpPr>
-          <p:cNvPr id="11" name="Rounded Rectangular Callout 10"/>
-          <p:cNvSpPr/>
-          <p:nvPr/>
-        </p:nvSpPr>
-        <p:spPr>
-          <a:xfrm>
-            <a:off x="552668" y="3416159"/>
-            <a:ext cx="360381" cy="268941"/>
-          </a:xfrm>
-          <a:prstGeom prst="wedgeRoundRectCallout">
-            <a:avLst/>
-          </a:prstGeom>
-          <a:solidFill>
-            <a:schemeClr val="bg1"/>
-          </a:solidFill>
-        </p:spPr>
-        <p:style>
-          <a:lnRef idx="2">
-            <a:schemeClr val="accent1">
-              <a:shade val="50000"/>
-            </a:schemeClr>
-          </a:lnRef>
-          <a:fillRef idx="1">
-            <a:schemeClr val="accent1"/>
-          </a:fillRef>
-          <a:effectRef idx="0">
-            <a:schemeClr val="accent1"/>
-          </a:effectRef>
-          <a:fontRef idx="minor">
-            <a:schemeClr val="lt1"/>
-          </a:fontRef>
-        </p:style>
-        <p:txBody>
-          <a:bodyPr rtlCol="0" anchor="ctr"/>
-          <a:lstStyle/>
-          <a:p>
-            <a:pPr algn="ctr"/>
-            <a:endParaRPr lang="en-US">
-              <a:solidFill>
-                <a:schemeClr val="bg1"/>
-              </a:solidFill>
-            </a:endParaRPr>
-          </a:p>
-        </p:txBody>
-      </p:sp>
-      <p:sp>
-        <p:nvSpPr>
-          <p:cNvPr id="9" name="Rounded Rectangular Callout 8"/>
-          <p:cNvSpPr/>
-          <p:nvPr/>
-        </p:nvSpPr>
-        <p:spPr>
-          <a:xfrm>
-            <a:off x="453608" y="3351310"/>
-            <a:ext cx="360381" cy="268941"/>
-          </a:xfrm>
-          <a:prstGeom prst="wedgeRoundRectCallout">
-            <a:avLst/>
-          </a:prstGeom>
-          <a:solidFill>
-            <a:schemeClr val="bg1"/>
-          </a:solidFill>
-        </p:spPr>
-        <p:style>
-          <a:lnRef idx="2">
-            <a:schemeClr val="accent1">
-              <a:shade val="50000"/>
-            </a:schemeClr>
-          </a:lnRef>
-          <a:fillRef idx="1">
-            <a:schemeClr val="accent1"/>
-          </a:fillRef>
-          <a:effectRef idx="0">
-            <a:schemeClr val="accent1"/>
-          </a:effectRef>
-          <a:fontRef idx="minor">
-            <a:schemeClr val="lt1"/>
-          </a:fontRef>
-        </p:style>
-        <p:txBody>
-          <a:bodyPr rtlCol="0" anchor="ctr"/>
-          <a:lstStyle/>
-          <a:p>
-            <a:pPr algn="ctr"/>
-            <a:endParaRPr lang="en-US">
-              <a:solidFill>
-                <a:schemeClr val="bg1"/>
-              </a:solidFill>
-            </a:endParaRPr>
-          </a:p>
-        </p:txBody>
-      </p:sp>
-      <p:sp>
-        <p:nvSpPr>
-          <p:cNvPr id="12" name="Rounded Rectangular Callout 11"/>
-          <p:cNvSpPr/>
-          <p:nvPr/>
-        </p:nvSpPr>
-        <p:spPr>
-          <a:xfrm>
-            <a:off x="453607" y="4937760"/>
-            <a:ext cx="360381" cy="268941"/>
-          </a:xfrm>
-          <a:prstGeom prst="wedgeRoundRectCallout">
-            <a:avLst/>
-          </a:prstGeom>
-          <a:solidFill>
-            <a:schemeClr val="bg1"/>
-          </a:solidFill>
-        </p:spPr>
-        <p:style>
-          <a:lnRef idx="2">
-            <a:schemeClr val="accent1">
-              <a:shade val="50000"/>
-            </a:schemeClr>
-          </a:lnRef>
-          <a:fillRef idx="1">
-            <a:schemeClr val="accent1"/>
-          </a:fillRef>
-          <a:effectRef idx="0">
-            <a:schemeClr val="accent1"/>
-          </a:effectRef>
-          <a:fontRef idx="minor">
-            <a:schemeClr val="lt1"/>
-          </a:fontRef>
-        </p:style>
-        <p:txBody>
-          <a:bodyPr rtlCol="0" anchor="ctr"/>
-          <a:lstStyle/>
-          <a:p>
-            <a:pPr algn="ctr"/>
-            <a:endParaRPr lang="en-US">
-              <a:solidFill>
-                <a:schemeClr val="bg1"/>
-              </a:solidFill>
-            </a:endParaRPr>
-          </a:p>
-        </p:txBody>
-      </p:sp>
-    </p:spTree>
-    <p:extLst>
-      <p:ext uri="{BB962C8B-B14F-4D97-AF65-F5344CB8AC3E}">
-        <p14:creationId xmlns:p14="http://schemas.microsoft.com/office/powerpoint/2010/main" val="3116753823"/>
-      </p:ext>
-    </p:extLst>
-  </p:cSld>
-  <p:clrMapOvr>
-    <a:masterClrMapping/>
-  </p:clrMapOvr>
-  <p:timing>
-    <p:tnLst>
-      <p:par>
-        <p:cTn id="1" dur="indefinite" restart="never" nodeType="tmRoot"/>
-      </p:par>
-    </p:tnLst>
-  </p:timing>
-</p:sld>
-</file>
-
 <file path=ppt/slides/slide16.xml><?xml version="1.0" encoding="utf-8"?>
 <p:sld xmlns:a="http://schemas.openxmlformats.org/drawingml/2006/main" xmlns:r="http://schemas.openxmlformats.org/officeDocument/2006/relationships" xmlns:p="http://schemas.openxmlformats.org/presentationml/2006/main">
   <p:cSld>
@@ -12297,26 +12229,11 @@
           <a:p>
             <a:pPr algn="ctr"/>
             <a:r>
-              <a:rPr lang="en-US" dirty="0" smtClean="0">
-                <a:latin typeface="Arial Rounded MT Bold" panose="020F0704030504030204" pitchFamily="34" charset="0"/>
-              </a:rPr>
-              <a:t>Codes/UI(cont</a:t>
-            </a:r>
-            <a:r>
               <a:rPr lang="en-US" dirty="0">
                 <a:latin typeface="Arial Rounded MT Bold" panose="020F0704030504030204" pitchFamily="34" charset="0"/>
               </a:rPr>
-              <a:t>.</a:t>
+              <a:t>Codes/UI</a:t>
             </a:r>
-            <a:r>
-              <a:rPr lang="en-US" dirty="0" smtClean="0">
-                <a:latin typeface="Arial Rounded MT Bold" panose="020F0704030504030204" pitchFamily="34" charset="0"/>
-              </a:rPr>
-              <a:t>)</a:t>
-            </a:r>
-            <a:endParaRPr lang="en-US" dirty="0">
-              <a:latin typeface="Arial Rounded MT Bold" panose="020F0704030504030204" pitchFamily="34" charset="0"/>
-            </a:endParaRPr>
           </a:p>
         </p:txBody>
       </p:sp>
@@ -12344,7 +12261,7 @@
           <a:p>
             <a:pPr algn="ctr"/>
             <a:r>
-              <a:rPr lang="en-US" sz="2400" dirty="0" err="1" smtClean="0">
+              <a:rPr lang="en-US" sz="2400" dirty="0" err="1">
                 <a:solidFill>
                   <a:schemeClr val="bg1">
                     <a:lumMod val="50000"/>
@@ -12646,20 +12563,13 @@
     </p:spTree>
     <p:extLst>
       <p:ext uri="{BB962C8B-B14F-4D97-AF65-F5344CB8AC3E}">
-        <p14:creationId xmlns:p14="http://schemas.microsoft.com/office/powerpoint/2010/main" val="568902541"/>
+        <p14:creationId xmlns:p14="http://schemas.microsoft.com/office/powerpoint/2010/main" val="3116753823"/>
       </p:ext>
     </p:extLst>
   </p:cSld>
   <p:clrMapOvr>
     <a:masterClrMapping/>
   </p:clrMapOvr>
-  <p:timing>
-    <p:tnLst>
-      <p:par>
-        <p:cTn id="1" dur="indefinite" restart="never" nodeType="tmRoot"/>
-      </p:par>
-    </p:tnLst>
-  </p:timing>
 </p:sld>
 </file>
 
@@ -12726,14 +12636,11 @@
           <a:p>
             <a:pPr algn="ctr"/>
             <a:r>
-              <a:rPr lang="en-US" dirty="0" smtClean="0">
+              <a:rPr lang="en-US" dirty="0">
                 <a:latin typeface="Arial Rounded MT Bold" panose="020F0704030504030204" pitchFamily="34" charset="0"/>
               </a:rPr>
-              <a:t>Challenges</a:t>
+              <a:t>Codes/UI(cont.)</a:t>
             </a:r>
-            <a:endParaRPr lang="en-US" dirty="0">
-              <a:latin typeface="Arial Rounded MT Bold" panose="020F0704030504030204" pitchFamily="34" charset="0"/>
-            </a:endParaRPr>
           </a:p>
         </p:txBody>
       </p:sp>
@@ -12745,8 +12652,8 @@
         </p:nvSpPr>
         <p:spPr>
           <a:xfrm>
-            <a:off x="2017117" y="1972134"/>
-            <a:ext cx="9465065" cy="3859518"/>
+            <a:off x="2280621" y="1904104"/>
+            <a:ext cx="3980330" cy="461665"/>
           </a:xfrm>
           <a:prstGeom prst="rect">
             <a:avLst/>
@@ -12759,14 +12666,9 @@
           </a:bodyPr>
           <a:lstStyle/>
           <a:p>
-            <a:pPr marL="457200" lvl="0" indent="-228600">
-              <a:lnSpc>
-                <a:spcPct val="115000"/>
-              </a:lnSpc>
-              <a:buChar char="●"/>
-            </a:pPr>
+            <a:pPr algn="ctr"/>
             <a:r>
-              <a:rPr lang="en" sz="2400" dirty="0">
+              <a:rPr lang="en-US" sz="2400" dirty="0" err="1">
                 <a:solidFill>
                   <a:schemeClr val="bg1">
                     <a:lumMod val="50000"/>
@@ -12774,168 +12676,8 @@
                 </a:solidFill>
                 <a:latin typeface="Arial Rounded MT Bold" panose="020F0704030504030204" pitchFamily="34" charset="0"/>
               </a:rPr>
-              <a:t>Everyone: Estimation of time for user </a:t>
+              <a:t>Blueskying</a:t>
             </a:r>
-            <a:r>
-              <a:rPr lang="en" sz="2400" dirty="0" smtClean="0">
-                <a:solidFill>
-                  <a:schemeClr val="bg1">
-                    <a:lumMod val="50000"/>
-                  </a:schemeClr>
-                </a:solidFill>
-                <a:latin typeface="Arial Rounded MT Bold" panose="020F0704030504030204" pitchFamily="34" charset="0"/>
-              </a:rPr>
-              <a:t>stories</a:t>
-            </a:r>
-          </a:p>
-          <a:p>
-            <a:pPr marL="457200" lvl="0" indent="-228600">
-              <a:lnSpc>
-                <a:spcPct val="115000"/>
-              </a:lnSpc>
-              <a:buChar char="●"/>
-            </a:pPr>
-            <a:endParaRPr lang="en" sz="2400" dirty="0">
-              <a:solidFill>
-                <a:schemeClr val="bg1">
-                  <a:lumMod val="50000"/>
-                </a:schemeClr>
-              </a:solidFill>
-              <a:latin typeface="Arial Rounded MT Bold" panose="020F0704030504030204" pitchFamily="34" charset="0"/>
-            </a:endParaRPr>
-          </a:p>
-          <a:p>
-            <a:pPr marL="457200" lvl="0" indent="-228600">
-              <a:lnSpc>
-                <a:spcPct val="115000"/>
-              </a:lnSpc>
-              <a:buChar char="●"/>
-            </a:pPr>
-            <a:r>
-              <a:rPr lang="en" sz="2400" dirty="0">
-                <a:solidFill>
-                  <a:schemeClr val="bg1">
-                    <a:lumMod val="50000"/>
-                  </a:schemeClr>
-                </a:solidFill>
-                <a:latin typeface="Arial Rounded MT Bold" panose="020F0704030504030204" pitchFamily="34" charset="0"/>
-              </a:rPr>
-              <a:t>Rohan/Karthik :Understanding the testing module </a:t>
-            </a:r>
-            <a:r>
-              <a:rPr lang="en" sz="2400" dirty="0" smtClean="0">
-                <a:solidFill>
-                  <a:schemeClr val="bg1">
-                    <a:lumMod val="50000"/>
-                  </a:schemeClr>
-                </a:solidFill>
-                <a:latin typeface="Arial Rounded MT Bold" panose="020F0704030504030204" pitchFamily="34" charset="0"/>
-              </a:rPr>
-              <a:t>– unittest</a:t>
-            </a:r>
-          </a:p>
-          <a:p>
-            <a:pPr marL="457200" lvl="0" indent="-228600">
-              <a:lnSpc>
-                <a:spcPct val="115000"/>
-              </a:lnSpc>
-              <a:buChar char="●"/>
-            </a:pPr>
-            <a:endParaRPr lang="en" sz="2400" dirty="0">
-              <a:solidFill>
-                <a:schemeClr val="bg1">
-                  <a:lumMod val="50000"/>
-                </a:schemeClr>
-              </a:solidFill>
-              <a:latin typeface="Arial Rounded MT Bold" panose="020F0704030504030204" pitchFamily="34" charset="0"/>
-            </a:endParaRPr>
-          </a:p>
-          <a:p>
-            <a:pPr marL="457200" lvl="0" indent="-228600">
-              <a:lnSpc>
-                <a:spcPct val="115000"/>
-              </a:lnSpc>
-              <a:buChar char="●"/>
-            </a:pPr>
-            <a:r>
-              <a:rPr lang="en" sz="2400" dirty="0">
-                <a:solidFill>
-                  <a:schemeClr val="bg1">
-                    <a:lumMod val="50000"/>
-                  </a:schemeClr>
-                </a:solidFill>
-                <a:latin typeface="Arial Rounded MT Bold" panose="020F0704030504030204" pitchFamily="34" charset="0"/>
-              </a:rPr>
-              <a:t>Soheil: Balance the workload with other courses - Understanding some concepts as I was not familiar </a:t>
-            </a:r>
-            <a:r>
-              <a:rPr lang="en" sz="2400" dirty="0" smtClean="0">
-                <a:solidFill>
-                  <a:schemeClr val="bg1">
-                    <a:lumMod val="50000"/>
-                  </a:schemeClr>
-                </a:solidFill>
-                <a:latin typeface="Arial Rounded MT Bold" panose="020F0704030504030204" pitchFamily="34" charset="0"/>
-              </a:rPr>
-              <a:t>with</a:t>
-            </a:r>
-          </a:p>
-          <a:p>
-            <a:pPr marL="457200" lvl="0" indent="-228600">
-              <a:lnSpc>
-                <a:spcPct val="115000"/>
-              </a:lnSpc>
-              <a:buChar char="●"/>
-            </a:pPr>
-            <a:endParaRPr lang="en" sz="2400" dirty="0">
-              <a:solidFill>
-                <a:schemeClr val="bg1">
-                  <a:lumMod val="50000"/>
-                </a:schemeClr>
-              </a:solidFill>
-              <a:latin typeface="Arial Rounded MT Bold" panose="020F0704030504030204" pitchFamily="34" charset="0"/>
-            </a:endParaRPr>
-          </a:p>
-          <a:p>
-            <a:pPr marL="457200" lvl="0" indent="-228600">
-              <a:lnSpc>
-                <a:spcPct val="115000"/>
-              </a:lnSpc>
-              <a:buChar char="●"/>
-            </a:pPr>
-            <a:r>
-              <a:rPr lang="en" sz="2400" dirty="0">
-                <a:solidFill>
-                  <a:schemeClr val="bg1">
-                    <a:lumMod val="50000"/>
-                  </a:schemeClr>
-                </a:solidFill>
-                <a:latin typeface="Arial Rounded MT Bold" panose="020F0704030504030204" pitchFamily="34" charset="0"/>
-              </a:rPr>
-              <a:t>Jemin: Understanding </a:t>
-            </a:r>
-            <a:r>
-              <a:rPr lang="en" sz="2400" dirty="0" smtClean="0">
-                <a:solidFill>
-                  <a:schemeClr val="bg1">
-                    <a:lumMod val="50000"/>
-                  </a:schemeClr>
-                </a:solidFill>
-                <a:latin typeface="Arial Rounded MT Bold" panose="020F0704030504030204" pitchFamily="34" charset="0"/>
-              </a:rPr>
-              <a:t>the software development practices</a:t>
-            </a:r>
-            <a:endParaRPr lang="en" sz="2400" dirty="0">
-              <a:solidFill>
-                <a:schemeClr val="bg1">
-                  <a:lumMod val="50000"/>
-                </a:schemeClr>
-              </a:solidFill>
-              <a:latin typeface="Arial Rounded MT Bold" panose="020F0704030504030204" pitchFamily="34" charset="0"/>
-            </a:endParaRPr>
-          </a:p>
-          <a:p>
-            <a:pPr algn="ctr"/>
             <a:endParaRPr lang="en-US" sz="2400" dirty="0">
               <a:solidFill>
                 <a:schemeClr val="bg1">
@@ -13228,20 +12970,13 @@
     </p:spTree>
     <p:extLst>
       <p:ext uri="{BB962C8B-B14F-4D97-AF65-F5344CB8AC3E}">
-        <p14:creationId xmlns:p14="http://schemas.microsoft.com/office/powerpoint/2010/main" val="4065111634"/>
+        <p14:creationId xmlns:p14="http://schemas.microsoft.com/office/powerpoint/2010/main" val="568902541"/>
       </p:ext>
     </p:extLst>
   </p:cSld>
   <p:clrMapOvr>
     <a:masterClrMapping/>
   </p:clrMapOvr>
-  <p:timing>
-    <p:tnLst>
-      <p:par>
-        <p:cTn id="1" dur="indefinite" restart="never" nodeType="tmRoot"/>
-      </p:par>
-    </p:tnLst>
-  </p:timing>
 </p:sld>
 </file>
 
@@ -13308,14 +13043,531 @@
           <a:p>
             <a:pPr algn="ctr"/>
             <a:r>
-              <a:rPr lang="en-US" dirty="0" smtClean="0">
+              <a:rPr lang="en-US" dirty="0">
+                <a:latin typeface="Arial Rounded MT Bold" panose="020F0704030504030204" pitchFamily="34" charset="0"/>
+              </a:rPr>
+              <a:t>Challenges</a:t>
+            </a:r>
+          </a:p>
+        </p:txBody>
+      </p:sp>
+      <p:sp>
+        <p:nvSpPr>
+          <p:cNvPr id="6" name="TextBox 5"/>
+          <p:cNvSpPr txBox="1"/>
+          <p:nvPr/>
+        </p:nvSpPr>
+        <p:spPr>
+          <a:xfrm>
+            <a:off x="2017117" y="1972134"/>
+            <a:ext cx="9465065" cy="3859518"/>
+          </a:xfrm>
+          <a:prstGeom prst="rect">
+            <a:avLst/>
+          </a:prstGeom>
+          <a:noFill/>
+        </p:spPr>
+        <p:txBody>
+          <a:bodyPr wrap="square" rtlCol="0">
+            <a:spAutoFit/>
+          </a:bodyPr>
+          <a:lstStyle/>
+          <a:p>
+            <a:pPr marL="457200" lvl="0" indent="-228600">
+              <a:lnSpc>
+                <a:spcPct val="115000"/>
+              </a:lnSpc>
+              <a:buChar char="●"/>
+            </a:pPr>
+            <a:r>
+              <a:rPr lang="en" sz="2400" dirty="0">
+                <a:solidFill>
+                  <a:schemeClr val="bg1">
+                    <a:lumMod val="50000"/>
+                  </a:schemeClr>
+                </a:solidFill>
+                <a:latin typeface="Arial Rounded MT Bold" panose="020F0704030504030204" pitchFamily="34" charset="0"/>
+              </a:rPr>
+              <a:t>Everyone: Estimation of time for user stories</a:t>
+            </a:r>
+          </a:p>
+          <a:p>
+            <a:pPr marL="457200" lvl="0" indent="-228600">
+              <a:lnSpc>
+                <a:spcPct val="115000"/>
+              </a:lnSpc>
+              <a:buChar char="●"/>
+            </a:pPr>
+            <a:endParaRPr lang="en" sz="2400" dirty="0">
+              <a:solidFill>
+                <a:schemeClr val="bg1">
+                  <a:lumMod val="50000"/>
+                </a:schemeClr>
+              </a:solidFill>
+              <a:latin typeface="Arial Rounded MT Bold" panose="020F0704030504030204" pitchFamily="34" charset="0"/>
+            </a:endParaRPr>
+          </a:p>
+          <a:p>
+            <a:pPr marL="457200" lvl="0" indent="-228600">
+              <a:lnSpc>
+                <a:spcPct val="115000"/>
+              </a:lnSpc>
+              <a:buChar char="●"/>
+            </a:pPr>
+            <a:r>
+              <a:rPr lang="en" sz="2400" dirty="0">
+                <a:solidFill>
+                  <a:schemeClr val="bg1">
+                    <a:lumMod val="50000"/>
+                  </a:schemeClr>
+                </a:solidFill>
+                <a:latin typeface="Arial Rounded MT Bold" panose="020F0704030504030204" pitchFamily="34" charset="0"/>
+              </a:rPr>
+              <a:t>Rohan/Karthik :Understanding the testing module – unittest</a:t>
+            </a:r>
+          </a:p>
+          <a:p>
+            <a:pPr marL="457200" lvl="0" indent="-228600">
+              <a:lnSpc>
+                <a:spcPct val="115000"/>
+              </a:lnSpc>
+              <a:buChar char="●"/>
+            </a:pPr>
+            <a:endParaRPr lang="en" sz="2400" dirty="0">
+              <a:solidFill>
+                <a:schemeClr val="bg1">
+                  <a:lumMod val="50000"/>
+                </a:schemeClr>
+              </a:solidFill>
+              <a:latin typeface="Arial Rounded MT Bold" panose="020F0704030504030204" pitchFamily="34" charset="0"/>
+            </a:endParaRPr>
+          </a:p>
+          <a:p>
+            <a:pPr marL="457200" lvl="0" indent="-228600">
+              <a:lnSpc>
+                <a:spcPct val="115000"/>
+              </a:lnSpc>
+              <a:buChar char="●"/>
+            </a:pPr>
+            <a:r>
+              <a:rPr lang="en" sz="2400" dirty="0">
+                <a:solidFill>
+                  <a:schemeClr val="bg1">
+                    <a:lumMod val="50000"/>
+                  </a:schemeClr>
+                </a:solidFill>
+                <a:latin typeface="Arial Rounded MT Bold" panose="020F0704030504030204" pitchFamily="34" charset="0"/>
+              </a:rPr>
+              <a:t>Soheil: Balance the workload with other courses - Understanding some concepts as I was not familiar with</a:t>
+            </a:r>
+          </a:p>
+          <a:p>
+            <a:pPr marL="457200" lvl="0" indent="-228600">
+              <a:lnSpc>
+                <a:spcPct val="115000"/>
+              </a:lnSpc>
+              <a:buChar char="●"/>
+            </a:pPr>
+            <a:endParaRPr lang="en" sz="2400" dirty="0">
+              <a:solidFill>
+                <a:schemeClr val="bg1">
+                  <a:lumMod val="50000"/>
+                </a:schemeClr>
+              </a:solidFill>
+              <a:latin typeface="Arial Rounded MT Bold" panose="020F0704030504030204" pitchFamily="34" charset="0"/>
+            </a:endParaRPr>
+          </a:p>
+          <a:p>
+            <a:pPr marL="457200" lvl="0" indent="-228600">
+              <a:lnSpc>
+                <a:spcPct val="115000"/>
+              </a:lnSpc>
+              <a:buChar char="●"/>
+            </a:pPr>
+            <a:r>
+              <a:rPr lang="en" sz="2400" dirty="0">
+                <a:solidFill>
+                  <a:schemeClr val="bg1">
+                    <a:lumMod val="50000"/>
+                  </a:schemeClr>
+                </a:solidFill>
+                <a:latin typeface="Arial Rounded MT Bold" panose="020F0704030504030204" pitchFamily="34" charset="0"/>
+              </a:rPr>
+              <a:t>Jemin: Understanding the software development practices</a:t>
+            </a:r>
+          </a:p>
+          <a:p>
+            <a:pPr algn="ctr"/>
+            <a:endParaRPr lang="en-US" sz="2400" dirty="0">
+              <a:solidFill>
+                <a:schemeClr val="bg1">
+                  <a:lumMod val="50000"/>
+                </a:schemeClr>
+              </a:solidFill>
+              <a:latin typeface="Arial Rounded MT Bold" panose="020F0704030504030204" pitchFamily="34" charset="0"/>
+            </a:endParaRPr>
+          </a:p>
+        </p:txBody>
+      </p:sp>
+      <p:sp>
+        <p:nvSpPr>
+          <p:cNvPr id="7" name="Rounded Rectangular Callout 6"/>
+          <p:cNvSpPr/>
+          <p:nvPr/>
+        </p:nvSpPr>
+        <p:spPr>
+          <a:xfrm>
+            <a:off x="557378" y="1837664"/>
+            <a:ext cx="360381" cy="268941"/>
+          </a:xfrm>
+          <a:prstGeom prst="wedgeRoundRectCallout">
+            <a:avLst/>
+          </a:prstGeom>
+          <a:solidFill>
+            <a:schemeClr val="bg1"/>
+          </a:solidFill>
+        </p:spPr>
+        <p:style>
+          <a:lnRef idx="2">
+            <a:schemeClr val="accent1">
+              <a:shade val="50000"/>
+            </a:schemeClr>
+          </a:lnRef>
+          <a:fillRef idx="1">
+            <a:schemeClr val="accent1"/>
+          </a:fillRef>
+          <a:effectRef idx="0">
+            <a:schemeClr val="accent1"/>
+          </a:effectRef>
+          <a:fontRef idx="minor">
+            <a:schemeClr val="lt1"/>
+          </a:fontRef>
+        </p:style>
+        <p:txBody>
+          <a:bodyPr rtlCol="0" anchor="ctr"/>
+          <a:lstStyle/>
+          <a:p>
+            <a:pPr algn="ctr"/>
+            <a:endParaRPr lang="en-US"/>
+          </a:p>
+        </p:txBody>
+      </p:sp>
+      <p:sp>
+        <p:nvSpPr>
+          <p:cNvPr id="8" name="Rounded Rectangular Callout 7"/>
+          <p:cNvSpPr/>
+          <p:nvPr/>
+        </p:nvSpPr>
+        <p:spPr>
+          <a:xfrm>
+            <a:off x="453609" y="1768042"/>
+            <a:ext cx="360381" cy="268941"/>
+          </a:xfrm>
+          <a:prstGeom prst="wedgeRoundRectCallout">
+            <a:avLst/>
+          </a:prstGeom>
+          <a:solidFill>
+            <a:schemeClr val="bg1"/>
+          </a:solidFill>
+        </p:spPr>
+        <p:style>
+          <a:lnRef idx="2">
+            <a:schemeClr val="accent1">
+              <a:shade val="50000"/>
+            </a:schemeClr>
+          </a:lnRef>
+          <a:fillRef idx="1">
+            <a:schemeClr val="accent1"/>
+          </a:fillRef>
+          <a:effectRef idx="0">
+            <a:schemeClr val="accent1"/>
+          </a:effectRef>
+          <a:fontRef idx="minor">
+            <a:schemeClr val="lt1"/>
+          </a:fontRef>
+        </p:style>
+        <p:txBody>
+          <a:bodyPr rtlCol="0" anchor="ctr"/>
+          <a:lstStyle/>
+          <a:p>
+            <a:pPr algn="ctr"/>
+            <a:endParaRPr lang="en-US">
+              <a:solidFill>
+                <a:schemeClr val="bg1"/>
+              </a:solidFill>
+            </a:endParaRPr>
+          </a:p>
+        </p:txBody>
+      </p:sp>
+      <p:sp>
+        <p:nvSpPr>
+          <p:cNvPr id="10" name="Rounded Rectangular Callout 9"/>
+          <p:cNvSpPr/>
+          <p:nvPr/>
+        </p:nvSpPr>
+        <p:spPr>
+          <a:xfrm>
+            <a:off x="552667" y="5002609"/>
+            <a:ext cx="360381" cy="268941"/>
+          </a:xfrm>
+          <a:prstGeom prst="wedgeRoundRectCallout">
+            <a:avLst/>
+          </a:prstGeom>
+          <a:solidFill>
+            <a:schemeClr val="bg1"/>
+          </a:solidFill>
+        </p:spPr>
+        <p:style>
+          <a:lnRef idx="2">
+            <a:schemeClr val="accent1">
+              <a:shade val="50000"/>
+            </a:schemeClr>
+          </a:lnRef>
+          <a:fillRef idx="1">
+            <a:schemeClr val="accent1"/>
+          </a:fillRef>
+          <a:effectRef idx="0">
+            <a:schemeClr val="accent1"/>
+          </a:effectRef>
+          <a:fontRef idx="minor">
+            <a:schemeClr val="lt1"/>
+          </a:fontRef>
+        </p:style>
+        <p:txBody>
+          <a:bodyPr rtlCol="0" anchor="ctr"/>
+          <a:lstStyle/>
+          <a:p>
+            <a:pPr algn="ctr"/>
+            <a:endParaRPr lang="en-US">
+              <a:solidFill>
+                <a:schemeClr val="bg1"/>
+              </a:solidFill>
+            </a:endParaRPr>
+          </a:p>
+        </p:txBody>
+      </p:sp>
+      <p:sp>
+        <p:nvSpPr>
+          <p:cNvPr id="11" name="Rounded Rectangular Callout 10"/>
+          <p:cNvSpPr/>
+          <p:nvPr/>
+        </p:nvSpPr>
+        <p:spPr>
+          <a:xfrm>
+            <a:off x="552668" y="3416159"/>
+            <a:ext cx="360381" cy="268941"/>
+          </a:xfrm>
+          <a:prstGeom prst="wedgeRoundRectCallout">
+            <a:avLst/>
+          </a:prstGeom>
+          <a:solidFill>
+            <a:schemeClr val="bg1"/>
+          </a:solidFill>
+        </p:spPr>
+        <p:style>
+          <a:lnRef idx="2">
+            <a:schemeClr val="accent1">
+              <a:shade val="50000"/>
+            </a:schemeClr>
+          </a:lnRef>
+          <a:fillRef idx="1">
+            <a:schemeClr val="accent1"/>
+          </a:fillRef>
+          <a:effectRef idx="0">
+            <a:schemeClr val="accent1"/>
+          </a:effectRef>
+          <a:fontRef idx="minor">
+            <a:schemeClr val="lt1"/>
+          </a:fontRef>
+        </p:style>
+        <p:txBody>
+          <a:bodyPr rtlCol="0" anchor="ctr"/>
+          <a:lstStyle/>
+          <a:p>
+            <a:pPr algn="ctr"/>
+            <a:endParaRPr lang="en-US">
+              <a:solidFill>
+                <a:schemeClr val="bg1"/>
+              </a:solidFill>
+            </a:endParaRPr>
+          </a:p>
+        </p:txBody>
+      </p:sp>
+      <p:sp>
+        <p:nvSpPr>
+          <p:cNvPr id="9" name="Rounded Rectangular Callout 8"/>
+          <p:cNvSpPr/>
+          <p:nvPr/>
+        </p:nvSpPr>
+        <p:spPr>
+          <a:xfrm>
+            <a:off x="453608" y="3351310"/>
+            <a:ext cx="360381" cy="268941"/>
+          </a:xfrm>
+          <a:prstGeom prst="wedgeRoundRectCallout">
+            <a:avLst/>
+          </a:prstGeom>
+          <a:solidFill>
+            <a:schemeClr val="bg1"/>
+          </a:solidFill>
+        </p:spPr>
+        <p:style>
+          <a:lnRef idx="2">
+            <a:schemeClr val="accent1">
+              <a:shade val="50000"/>
+            </a:schemeClr>
+          </a:lnRef>
+          <a:fillRef idx="1">
+            <a:schemeClr val="accent1"/>
+          </a:fillRef>
+          <a:effectRef idx="0">
+            <a:schemeClr val="accent1"/>
+          </a:effectRef>
+          <a:fontRef idx="minor">
+            <a:schemeClr val="lt1"/>
+          </a:fontRef>
+        </p:style>
+        <p:txBody>
+          <a:bodyPr rtlCol="0" anchor="ctr"/>
+          <a:lstStyle/>
+          <a:p>
+            <a:pPr algn="ctr"/>
+            <a:endParaRPr lang="en-US">
+              <a:solidFill>
+                <a:schemeClr val="bg1"/>
+              </a:solidFill>
+            </a:endParaRPr>
+          </a:p>
+        </p:txBody>
+      </p:sp>
+      <p:sp>
+        <p:nvSpPr>
+          <p:cNvPr id="12" name="Rounded Rectangular Callout 11"/>
+          <p:cNvSpPr/>
+          <p:nvPr/>
+        </p:nvSpPr>
+        <p:spPr>
+          <a:xfrm>
+            <a:off x="453607" y="4937760"/>
+            <a:ext cx="360381" cy="268941"/>
+          </a:xfrm>
+          <a:prstGeom prst="wedgeRoundRectCallout">
+            <a:avLst/>
+          </a:prstGeom>
+          <a:solidFill>
+            <a:schemeClr val="bg1"/>
+          </a:solidFill>
+        </p:spPr>
+        <p:style>
+          <a:lnRef idx="2">
+            <a:schemeClr val="accent1">
+              <a:shade val="50000"/>
+            </a:schemeClr>
+          </a:lnRef>
+          <a:fillRef idx="1">
+            <a:schemeClr val="accent1"/>
+          </a:fillRef>
+          <a:effectRef idx="0">
+            <a:schemeClr val="accent1"/>
+          </a:effectRef>
+          <a:fontRef idx="minor">
+            <a:schemeClr val="lt1"/>
+          </a:fontRef>
+        </p:style>
+        <p:txBody>
+          <a:bodyPr rtlCol="0" anchor="ctr"/>
+          <a:lstStyle/>
+          <a:p>
+            <a:pPr algn="ctr"/>
+            <a:endParaRPr lang="en-US">
+              <a:solidFill>
+                <a:schemeClr val="bg1"/>
+              </a:solidFill>
+            </a:endParaRPr>
+          </a:p>
+        </p:txBody>
+      </p:sp>
+    </p:spTree>
+    <p:extLst>
+      <p:ext uri="{BB962C8B-B14F-4D97-AF65-F5344CB8AC3E}">
+        <p14:creationId xmlns:p14="http://schemas.microsoft.com/office/powerpoint/2010/main" val="4065111634"/>
+      </p:ext>
+    </p:extLst>
+  </p:cSld>
+  <p:clrMapOvr>
+    <a:masterClrMapping/>
+  </p:clrMapOvr>
+</p:sld>
+</file>
+
+<file path=ppt/slides/slide19.xml><?xml version="1.0" encoding="utf-8"?>
+<p:sld xmlns:a="http://schemas.openxmlformats.org/drawingml/2006/main" xmlns:r="http://schemas.openxmlformats.org/officeDocument/2006/relationships" xmlns:p="http://schemas.openxmlformats.org/presentationml/2006/main">
+  <p:cSld>
+    <p:spTree>
+      <p:nvGrpSpPr>
+        <p:cNvPr id="1" name=""/>
+        <p:cNvGrpSpPr/>
+        <p:nvPr/>
+      </p:nvGrpSpPr>
+      <p:grpSpPr>
+        <a:xfrm>
+          <a:off x="0" y="0"/>
+          <a:ext cx="0" cy="0"/>
+          <a:chOff x="0" y="0"/>
+          <a:chExt cx="0" cy="0"/>
+        </a:xfrm>
+      </p:grpSpPr>
+      <p:pic>
+        <p:nvPicPr>
+          <p:cNvPr id="4" name="Content Placeholder 3"/>
+          <p:cNvPicPr>
+            <a:picLocks noGrp="1" noChangeAspect="1"/>
+          </p:cNvPicPr>
+          <p:nvPr>
+            <p:ph idx="1"/>
+          </p:nvPr>
+        </p:nvPicPr>
+        <p:blipFill>
+          <a:blip r:embed="rId2">
+            <a:extLst>
+              <a:ext uri="{28A0092B-C50C-407E-A947-70E740481C1C}">
+                <a14:useLocalDpi xmlns:a14="http://schemas.microsoft.com/office/drawing/2010/main" val="0"/>
+              </a:ext>
+            </a:extLst>
+          </a:blip>
+          <a:stretch>
+            <a:fillRect/>
+          </a:stretch>
+        </p:blipFill>
+        <p:spPr>
+          <a:xfrm>
+            <a:off x="0" y="0"/>
+            <a:ext cx="1344706" cy="6858000"/>
+          </a:xfrm>
+        </p:spPr>
+      </p:pic>
+      <p:sp>
+        <p:nvSpPr>
+          <p:cNvPr id="2" name="Title 1"/>
+          <p:cNvSpPr>
+            <a:spLocks noGrp="1"/>
+          </p:cNvSpPr>
+          <p:nvPr>
+            <p:ph type="title"/>
+          </p:nvPr>
+        </p:nvSpPr>
+        <p:spPr/>
+        <p:txBody>
+          <a:bodyPr/>
+          <a:lstStyle/>
+          <a:p>
+            <a:pPr algn="ctr"/>
+            <a:r>
+              <a:rPr lang="en-US" dirty="0">
                 <a:latin typeface="Arial Rounded MT Bold" panose="020F0704030504030204" pitchFamily="34" charset="0"/>
               </a:rPr>
               <a:t>Thank You</a:t>
             </a:r>
-            <a:endParaRPr lang="en-US" dirty="0">
-              <a:latin typeface="Arial Rounded MT Bold" panose="020F0704030504030204" pitchFamily="34" charset="0"/>
-            </a:endParaRPr>
           </a:p>
         </p:txBody>
       </p:sp>
@@ -13637,13 +13889,6 @@
   <p:clrMapOvr>
     <a:masterClrMapping/>
   </p:clrMapOvr>
-  <p:timing>
-    <p:tnLst>
-      <p:par>
-        <p:cTn id="1" dur="indefinite" restart="never" nodeType="tmRoot"/>
-      </p:par>
-    </p:tnLst>
-  </p:timing>
 </p:sld>
 </file>
 
@@ -13710,14 +13955,378 @@
           <a:p>
             <a:pPr algn="ctr"/>
             <a:r>
-              <a:rPr lang="en-US" dirty="0" smtClean="0">
+              <a:rPr lang="en-US" dirty="0">
+                <a:latin typeface="Arial Rounded MT Bold" panose="020F0704030504030204" pitchFamily="34" charset="0"/>
+              </a:rPr>
+              <a:t>AGENDA</a:t>
+            </a:r>
+          </a:p>
+        </p:txBody>
+      </p:sp>
+      <p:sp>
+        <p:nvSpPr>
+          <p:cNvPr id="7" name="Rounded Rectangular Callout 6"/>
+          <p:cNvSpPr/>
+          <p:nvPr/>
+        </p:nvSpPr>
+        <p:spPr>
+          <a:xfrm>
+            <a:off x="557378" y="1837664"/>
+            <a:ext cx="360381" cy="268941"/>
+          </a:xfrm>
+          <a:prstGeom prst="wedgeRoundRectCallout">
+            <a:avLst/>
+          </a:prstGeom>
+          <a:solidFill>
+            <a:schemeClr val="bg1"/>
+          </a:solidFill>
+        </p:spPr>
+        <p:style>
+          <a:lnRef idx="2">
+            <a:schemeClr val="accent1">
+              <a:shade val="50000"/>
+            </a:schemeClr>
+          </a:lnRef>
+          <a:fillRef idx="1">
+            <a:schemeClr val="accent1"/>
+          </a:fillRef>
+          <a:effectRef idx="0">
+            <a:schemeClr val="accent1"/>
+          </a:effectRef>
+          <a:fontRef idx="minor">
+            <a:schemeClr val="lt1"/>
+          </a:fontRef>
+        </p:style>
+        <p:txBody>
+          <a:bodyPr rtlCol="0" anchor="ctr"/>
+          <a:lstStyle/>
+          <a:p>
+            <a:pPr algn="ctr"/>
+            <a:endParaRPr lang="en-US"/>
+          </a:p>
+        </p:txBody>
+      </p:sp>
+      <p:sp>
+        <p:nvSpPr>
+          <p:cNvPr id="8" name="Rounded Rectangular Callout 7"/>
+          <p:cNvSpPr/>
+          <p:nvPr/>
+        </p:nvSpPr>
+        <p:spPr>
+          <a:xfrm>
+            <a:off x="453609" y="1768042"/>
+            <a:ext cx="360381" cy="268941"/>
+          </a:xfrm>
+          <a:prstGeom prst="wedgeRoundRectCallout">
+            <a:avLst/>
+          </a:prstGeom>
+          <a:solidFill>
+            <a:schemeClr val="bg1"/>
+          </a:solidFill>
+        </p:spPr>
+        <p:style>
+          <a:lnRef idx="2">
+            <a:schemeClr val="accent1">
+              <a:shade val="50000"/>
+            </a:schemeClr>
+          </a:lnRef>
+          <a:fillRef idx="1">
+            <a:schemeClr val="accent1"/>
+          </a:fillRef>
+          <a:effectRef idx="0">
+            <a:schemeClr val="accent1"/>
+          </a:effectRef>
+          <a:fontRef idx="minor">
+            <a:schemeClr val="lt1"/>
+          </a:fontRef>
+        </p:style>
+        <p:txBody>
+          <a:bodyPr rtlCol="0" anchor="ctr"/>
+          <a:lstStyle/>
+          <a:p>
+            <a:pPr algn="ctr"/>
+            <a:endParaRPr lang="en-US">
+              <a:solidFill>
+                <a:schemeClr val="bg1"/>
+              </a:solidFill>
+            </a:endParaRPr>
+          </a:p>
+        </p:txBody>
+      </p:sp>
+      <p:sp>
+        <p:nvSpPr>
+          <p:cNvPr id="10" name="Rounded Rectangular Callout 9"/>
+          <p:cNvSpPr/>
+          <p:nvPr/>
+        </p:nvSpPr>
+        <p:spPr>
+          <a:xfrm>
+            <a:off x="552667" y="5002609"/>
+            <a:ext cx="360381" cy="268941"/>
+          </a:xfrm>
+          <a:prstGeom prst="wedgeRoundRectCallout">
+            <a:avLst/>
+          </a:prstGeom>
+          <a:solidFill>
+            <a:schemeClr val="bg1"/>
+          </a:solidFill>
+        </p:spPr>
+        <p:style>
+          <a:lnRef idx="2">
+            <a:schemeClr val="accent1">
+              <a:shade val="50000"/>
+            </a:schemeClr>
+          </a:lnRef>
+          <a:fillRef idx="1">
+            <a:schemeClr val="accent1"/>
+          </a:fillRef>
+          <a:effectRef idx="0">
+            <a:schemeClr val="accent1"/>
+          </a:effectRef>
+          <a:fontRef idx="minor">
+            <a:schemeClr val="lt1"/>
+          </a:fontRef>
+        </p:style>
+        <p:txBody>
+          <a:bodyPr rtlCol="0" anchor="ctr"/>
+          <a:lstStyle/>
+          <a:p>
+            <a:pPr algn="ctr"/>
+            <a:endParaRPr lang="en-US">
+              <a:solidFill>
+                <a:schemeClr val="bg1"/>
+              </a:solidFill>
+            </a:endParaRPr>
+          </a:p>
+        </p:txBody>
+      </p:sp>
+      <p:sp>
+        <p:nvSpPr>
+          <p:cNvPr id="11" name="Rounded Rectangular Callout 10"/>
+          <p:cNvSpPr/>
+          <p:nvPr/>
+        </p:nvSpPr>
+        <p:spPr>
+          <a:xfrm>
+            <a:off x="552668" y="3416159"/>
+            <a:ext cx="360381" cy="268941"/>
+          </a:xfrm>
+          <a:prstGeom prst="wedgeRoundRectCallout">
+            <a:avLst/>
+          </a:prstGeom>
+          <a:solidFill>
+            <a:schemeClr val="bg1"/>
+          </a:solidFill>
+        </p:spPr>
+        <p:style>
+          <a:lnRef idx="2">
+            <a:schemeClr val="accent1">
+              <a:shade val="50000"/>
+            </a:schemeClr>
+          </a:lnRef>
+          <a:fillRef idx="1">
+            <a:schemeClr val="accent1"/>
+          </a:fillRef>
+          <a:effectRef idx="0">
+            <a:schemeClr val="accent1"/>
+          </a:effectRef>
+          <a:fontRef idx="minor">
+            <a:schemeClr val="lt1"/>
+          </a:fontRef>
+        </p:style>
+        <p:txBody>
+          <a:bodyPr rtlCol="0" anchor="ctr"/>
+          <a:lstStyle/>
+          <a:p>
+            <a:pPr algn="ctr"/>
+            <a:endParaRPr lang="en-US">
+              <a:solidFill>
+                <a:schemeClr val="bg1"/>
+              </a:solidFill>
+            </a:endParaRPr>
+          </a:p>
+        </p:txBody>
+      </p:sp>
+      <p:sp>
+        <p:nvSpPr>
+          <p:cNvPr id="9" name="Rounded Rectangular Callout 8"/>
+          <p:cNvSpPr/>
+          <p:nvPr/>
+        </p:nvSpPr>
+        <p:spPr>
+          <a:xfrm>
+            <a:off x="453608" y="3351310"/>
+            <a:ext cx="360381" cy="268941"/>
+          </a:xfrm>
+          <a:prstGeom prst="wedgeRoundRectCallout">
+            <a:avLst/>
+          </a:prstGeom>
+          <a:solidFill>
+            <a:schemeClr val="bg1"/>
+          </a:solidFill>
+        </p:spPr>
+        <p:style>
+          <a:lnRef idx="2">
+            <a:schemeClr val="accent1">
+              <a:shade val="50000"/>
+            </a:schemeClr>
+          </a:lnRef>
+          <a:fillRef idx="1">
+            <a:schemeClr val="accent1"/>
+          </a:fillRef>
+          <a:effectRef idx="0">
+            <a:schemeClr val="accent1"/>
+          </a:effectRef>
+          <a:fontRef idx="minor">
+            <a:schemeClr val="lt1"/>
+          </a:fontRef>
+        </p:style>
+        <p:txBody>
+          <a:bodyPr rtlCol="0" anchor="ctr"/>
+          <a:lstStyle/>
+          <a:p>
+            <a:pPr algn="ctr"/>
+            <a:endParaRPr lang="en-US">
+              <a:solidFill>
+                <a:schemeClr val="bg1"/>
+              </a:solidFill>
+            </a:endParaRPr>
+          </a:p>
+        </p:txBody>
+      </p:sp>
+      <p:sp>
+        <p:nvSpPr>
+          <p:cNvPr id="12" name="Rounded Rectangular Callout 11"/>
+          <p:cNvSpPr/>
+          <p:nvPr/>
+        </p:nvSpPr>
+        <p:spPr>
+          <a:xfrm>
+            <a:off x="453607" y="4937760"/>
+            <a:ext cx="360381" cy="268941"/>
+          </a:xfrm>
+          <a:prstGeom prst="wedgeRoundRectCallout">
+            <a:avLst/>
+          </a:prstGeom>
+          <a:solidFill>
+            <a:schemeClr val="bg1"/>
+          </a:solidFill>
+        </p:spPr>
+        <p:style>
+          <a:lnRef idx="2">
+            <a:schemeClr val="accent1">
+              <a:shade val="50000"/>
+            </a:schemeClr>
+          </a:lnRef>
+          <a:fillRef idx="1">
+            <a:schemeClr val="accent1"/>
+          </a:fillRef>
+          <a:effectRef idx="0">
+            <a:schemeClr val="accent1"/>
+          </a:effectRef>
+          <a:fontRef idx="minor">
+            <a:schemeClr val="lt1"/>
+          </a:fontRef>
+        </p:style>
+        <p:txBody>
+          <a:bodyPr rtlCol="0" anchor="ctr"/>
+          <a:lstStyle/>
+          <a:p>
+            <a:pPr algn="ctr"/>
+            <a:endParaRPr lang="en-US">
+              <a:solidFill>
+                <a:schemeClr val="bg1"/>
+              </a:solidFill>
+            </a:endParaRPr>
+          </a:p>
+        </p:txBody>
+      </p:sp>
+    </p:spTree>
+    <p:extLst>
+      <p:ext uri="{BB962C8B-B14F-4D97-AF65-F5344CB8AC3E}">
+        <p14:creationId xmlns:p14="http://schemas.microsoft.com/office/powerpoint/2010/main" val="2042741248"/>
+      </p:ext>
+    </p:extLst>
+  </p:cSld>
+  <p:clrMapOvr>
+    <a:masterClrMapping/>
+  </p:clrMapOvr>
+</p:sld>
+</file>
+
+<file path=ppt/slides/slide3.xml><?xml version="1.0" encoding="utf-8"?>
+<p:sld xmlns:a="http://schemas.openxmlformats.org/drawingml/2006/main" xmlns:r="http://schemas.openxmlformats.org/officeDocument/2006/relationships" xmlns:p="http://schemas.openxmlformats.org/presentationml/2006/main">
+  <p:cSld>
+    <p:spTree>
+      <p:nvGrpSpPr>
+        <p:cNvPr id="1" name=""/>
+        <p:cNvGrpSpPr/>
+        <p:nvPr/>
+      </p:nvGrpSpPr>
+      <p:grpSpPr>
+        <a:xfrm>
+          <a:off x="0" y="0"/>
+          <a:ext cx="0" cy="0"/>
+          <a:chOff x="0" y="0"/>
+          <a:chExt cx="0" cy="0"/>
+        </a:xfrm>
+      </p:grpSpPr>
+      <p:pic>
+        <p:nvPicPr>
+          <p:cNvPr id="4" name="Content Placeholder 3"/>
+          <p:cNvPicPr>
+            <a:picLocks noGrp="1" noChangeAspect="1"/>
+          </p:cNvPicPr>
+          <p:nvPr>
+            <p:ph idx="1"/>
+          </p:nvPr>
+        </p:nvPicPr>
+        <p:blipFill>
+          <a:blip r:embed="rId2">
+            <a:extLst>
+              <a:ext uri="{28A0092B-C50C-407E-A947-70E740481C1C}">
+                <a14:useLocalDpi xmlns:a14="http://schemas.microsoft.com/office/drawing/2010/main" val="0"/>
+              </a:ext>
+            </a:extLst>
+          </a:blip>
+          <a:stretch>
+            <a:fillRect/>
+          </a:stretch>
+        </p:blipFill>
+        <p:spPr>
+          <a:xfrm>
+            <a:off x="0" y="0"/>
+            <a:ext cx="1344706" cy="6858000"/>
+          </a:xfrm>
+        </p:spPr>
+      </p:pic>
+      <p:sp>
+        <p:nvSpPr>
+          <p:cNvPr id="2" name="Title 1"/>
+          <p:cNvSpPr>
+            <a:spLocks noGrp="1"/>
+          </p:cNvSpPr>
+          <p:nvPr>
+            <p:ph type="title"/>
+          </p:nvPr>
+        </p:nvSpPr>
+        <p:spPr>
+          <a:xfrm>
+            <a:off x="913048" y="0"/>
+            <a:ext cx="10515600" cy="1325563"/>
+          </a:xfrm>
+        </p:spPr>
+        <p:txBody>
+          <a:bodyPr/>
+          <a:lstStyle/>
+          <a:p>
+            <a:pPr algn="ctr"/>
+            <a:r>
+              <a:rPr lang="en-US" dirty="0">
                 <a:latin typeface="Arial Rounded MT Bold" panose="020F0704030504030204" pitchFamily="34" charset="0"/>
               </a:rPr>
               <a:t>Gathering Requirements</a:t>
             </a:r>
-            <a:endParaRPr lang="en-US" dirty="0">
-              <a:latin typeface="Arial Rounded MT Bold" panose="020F0704030504030204" pitchFamily="34" charset="0"/>
-            </a:endParaRPr>
           </a:p>
         </p:txBody>
       </p:sp>
@@ -13736,7 +14345,7 @@
         </p:blipFill>
         <p:spPr>
           <a:xfrm>
-            <a:off x="6794798" y="1690688"/>
+            <a:off x="6942282" y="1340311"/>
             <a:ext cx="4800600" cy="5143500"/>
           </a:xfrm>
           <a:prstGeom prst="rect">
@@ -13775,55 +14384,24 @@
               <a:buChar char="•"/>
             </a:pPr>
             <a:r>
-              <a:rPr lang="en-US" sz="2400" dirty="0" err="1" smtClean="0">
+              <a:rPr lang="en-US" sz="2400" dirty="0" err="1">
                 <a:solidFill>
                   <a:schemeClr val="bg1">
                     <a:lumMod val="50000"/>
                   </a:schemeClr>
                 </a:solidFill>
-                <a:latin typeface="Arial Rounded MT Bold" panose="020F0704030504030204" pitchFamily="34" charset="0"/>
+                <a:latin typeface="Century Gothic" panose="020B0502020202020204" pitchFamily="34" charset="0"/>
               </a:rPr>
               <a:t>Blueskying</a:t>
             </a:r>
-            <a:endParaRPr lang="en-US" sz="2400" dirty="0" smtClean="0">
+            <a:endParaRPr lang="en-US" sz="2400" dirty="0">
               <a:solidFill>
                 <a:schemeClr val="bg1">
                   <a:lumMod val="50000"/>
                 </a:schemeClr>
               </a:solidFill>
-              <a:latin typeface="Arial Rounded MT Bold" panose="020F0704030504030204" pitchFamily="34" charset="0"/>
+              <a:latin typeface="Century Gothic" panose="020B0502020202020204" pitchFamily="34" charset="0"/>
             </a:endParaRPr>
-          </a:p>
-          <a:p>
-            <a:pPr marL="342900" indent="-342900">
-              <a:buFont typeface="Arial" panose="020B0604020202020204" pitchFamily="34" charset="0"/>
-              <a:buChar char="•"/>
-            </a:pPr>
-            <a:endParaRPr lang="en-US" sz="2400" dirty="0" smtClean="0">
-              <a:solidFill>
-                <a:schemeClr val="bg1">
-                  <a:lumMod val="50000"/>
-                </a:schemeClr>
-              </a:solidFill>
-              <a:latin typeface="Arial Rounded MT Bold" panose="020F0704030504030204" pitchFamily="34" charset="0"/>
-            </a:endParaRPr>
-          </a:p>
-          <a:p>
-            <a:pPr marL="342900" indent="-342900">
-              <a:buFont typeface="Arial" panose="020B0604020202020204" pitchFamily="34" charset="0"/>
-              <a:buChar char="•"/>
-            </a:pPr>
-            <a:r>
-              <a:rPr lang="en-US" sz="2400" dirty="0" smtClean="0">
-                <a:solidFill>
-                  <a:schemeClr val="bg1">
-                    <a:lumMod val="50000"/>
-                  </a:schemeClr>
-                </a:solidFill>
-                <a:latin typeface="Arial Rounded MT Bold" panose="020F0704030504030204" pitchFamily="34" charset="0"/>
-              </a:rPr>
-              <a:t>Brainstorming</a:t>
-            </a:r>
           </a:p>
           <a:p>
             <a:pPr marL="342900" indent="-342900">
@@ -13836,7 +14414,7 @@
                   <a:lumMod val="50000"/>
                 </a:schemeClr>
               </a:solidFill>
-              <a:latin typeface="Arial Rounded MT Bold" panose="020F0704030504030204" pitchFamily="34" charset="0"/>
+              <a:latin typeface="Century Gothic" panose="020B0502020202020204" pitchFamily="34" charset="0"/>
             </a:endParaRPr>
           </a:p>
           <a:p>
@@ -13845,13 +14423,44 @@
               <a:buChar char="•"/>
             </a:pPr>
             <a:r>
-              <a:rPr lang="en-US" sz="2400" dirty="0" smtClean="0">
+              <a:rPr lang="en-US" sz="2400" dirty="0">
                 <a:solidFill>
                   <a:schemeClr val="bg1">
                     <a:lumMod val="50000"/>
                   </a:schemeClr>
                 </a:solidFill>
-                <a:latin typeface="Arial Rounded MT Bold" panose="020F0704030504030204" pitchFamily="34" charset="0"/>
+                <a:latin typeface="Century Gothic" panose="020B0502020202020204" pitchFamily="34" charset="0"/>
+              </a:rPr>
+              <a:t>Brainstorming</a:t>
+            </a:r>
+          </a:p>
+          <a:p>
+            <a:pPr marL="342900" indent="-342900">
+              <a:buFont typeface="Arial" panose="020B0604020202020204" pitchFamily="34" charset="0"/>
+              <a:buChar char="•"/>
+            </a:pPr>
+            <a:endParaRPr lang="en-US" sz="2400" dirty="0">
+              <a:solidFill>
+                <a:schemeClr val="bg1">
+                  <a:lumMod val="50000"/>
+                </a:schemeClr>
+              </a:solidFill>
+              <a:latin typeface="Century Gothic" panose="020B0502020202020204" pitchFamily="34" charset="0"/>
+            </a:endParaRPr>
+          </a:p>
+          <a:p>
+            <a:pPr marL="342900" indent="-342900">
+              <a:buFont typeface="Arial" panose="020B0604020202020204" pitchFamily="34" charset="0"/>
+              <a:buChar char="•"/>
+            </a:pPr>
+            <a:r>
+              <a:rPr lang="en-US" sz="2400" dirty="0">
+                <a:solidFill>
+                  <a:schemeClr val="bg1">
+                    <a:lumMod val="50000"/>
+                  </a:schemeClr>
+                </a:solidFill>
+                <a:latin typeface="Century Gothic" panose="020B0502020202020204" pitchFamily="34" charset="0"/>
               </a:rPr>
               <a:t>Role playing</a:t>
             </a:r>
@@ -14784,423 +15393,6 @@
 </p:sld>
 </file>
 
-<file path=ppt/slides/slide3.xml><?xml version="1.0" encoding="utf-8"?>
-<p:sld xmlns:a="http://schemas.openxmlformats.org/drawingml/2006/main" xmlns:r="http://schemas.openxmlformats.org/officeDocument/2006/relationships" xmlns:p="http://schemas.openxmlformats.org/presentationml/2006/main">
-  <p:cSld>
-    <p:spTree>
-      <p:nvGrpSpPr>
-        <p:cNvPr id="1" name=""/>
-        <p:cNvGrpSpPr/>
-        <p:nvPr/>
-      </p:nvGrpSpPr>
-      <p:grpSpPr>
-        <a:xfrm>
-          <a:off x="0" y="0"/>
-          <a:ext cx="0" cy="0"/>
-          <a:chOff x="0" y="0"/>
-          <a:chExt cx="0" cy="0"/>
-        </a:xfrm>
-      </p:grpSpPr>
-      <p:pic>
-        <p:nvPicPr>
-          <p:cNvPr id="4" name="Content Placeholder 3"/>
-          <p:cNvPicPr>
-            <a:picLocks noGrp="1" noChangeAspect="1"/>
-          </p:cNvPicPr>
-          <p:nvPr>
-            <p:ph idx="1"/>
-          </p:nvPr>
-        </p:nvPicPr>
-        <p:blipFill>
-          <a:blip r:embed="rId2">
-            <a:extLst>
-              <a:ext uri="{28A0092B-C50C-407E-A947-70E740481C1C}">
-                <a14:useLocalDpi xmlns:a14="http://schemas.microsoft.com/office/drawing/2010/main" val="0"/>
-              </a:ext>
-            </a:extLst>
-          </a:blip>
-          <a:stretch>
-            <a:fillRect/>
-          </a:stretch>
-        </p:blipFill>
-        <p:spPr>
-          <a:xfrm>
-            <a:off x="0" y="0"/>
-            <a:ext cx="1344706" cy="6858000"/>
-          </a:xfrm>
-        </p:spPr>
-      </p:pic>
-      <p:sp>
-        <p:nvSpPr>
-          <p:cNvPr id="2" name="Title 1"/>
-          <p:cNvSpPr>
-            <a:spLocks noGrp="1"/>
-          </p:cNvSpPr>
-          <p:nvPr>
-            <p:ph type="title"/>
-          </p:nvPr>
-        </p:nvSpPr>
-        <p:spPr/>
-        <p:txBody>
-          <a:bodyPr/>
-          <a:lstStyle/>
-          <a:p>
-            <a:pPr algn="ctr"/>
-            <a:r>
-              <a:rPr lang="en-US" dirty="0" smtClean="0">
-                <a:latin typeface="Arial Rounded MT Bold" panose="020F0704030504030204" pitchFamily="34" charset="0"/>
-              </a:rPr>
-              <a:t>Technologies</a:t>
-            </a:r>
-            <a:endParaRPr lang="en-US" dirty="0">
-              <a:latin typeface="Arial Rounded MT Bold" panose="020F0704030504030204" pitchFamily="34" charset="0"/>
-            </a:endParaRPr>
-          </a:p>
-        </p:txBody>
-      </p:sp>
-      <p:sp>
-        <p:nvSpPr>
-          <p:cNvPr id="6" name="TextBox 5"/>
-          <p:cNvSpPr txBox="1"/>
-          <p:nvPr/>
-        </p:nvSpPr>
-        <p:spPr>
-          <a:xfrm>
-            <a:off x="2280621" y="1904104"/>
-            <a:ext cx="3980330" cy="461665"/>
-          </a:xfrm>
-          <a:prstGeom prst="rect">
-            <a:avLst/>
-          </a:prstGeom>
-          <a:noFill/>
-        </p:spPr>
-        <p:txBody>
-          <a:bodyPr wrap="square" rtlCol="0">
-            <a:spAutoFit/>
-          </a:bodyPr>
-          <a:lstStyle/>
-          <a:p>
-            <a:pPr algn="ctr"/>
-            <a:r>
-              <a:rPr lang="en-US" sz="2400" dirty="0" err="1" smtClean="0">
-                <a:solidFill>
-                  <a:schemeClr val="bg1">
-                    <a:lumMod val="50000"/>
-                  </a:schemeClr>
-                </a:solidFill>
-                <a:latin typeface="Arial Rounded MT Bold" panose="020F0704030504030204" pitchFamily="34" charset="0"/>
-              </a:rPr>
-              <a:t>Blueskying</a:t>
-            </a:r>
-            <a:endParaRPr lang="en-US" sz="2400" dirty="0">
-              <a:solidFill>
-                <a:schemeClr val="bg1">
-                  <a:lumMod val="50000"/>
-                </a:schemeClr>
-              </a:solidFill>
-              <a:latin typeface="Arial Rounded MT Bold" panose="020F0704030504030204" pitchFamily="34" charset="0"/>
-            </a:endParaRPr>
-          </a:p>
-        </p:txBody>
-      </p:sp>
-      <p:sp>
-        <p:nvSpPr>
-          <p:cNvPr id="7" name="Rounded Rectangular Callout 6"/>
-          <p:cNvSpPr/>
-          <p:nvPr/>
-        </p:nvSpPr>
-        <p:spPr>
-          <a:xfrm>
-            <a:off x="557378" y="1837664"/>
-            <a:ext cx="360381" cy="268941"/>
-          </a:xfrm>
-          <a:prstGeom prst="wedgeRoundRectCallout">
-            <a:avLst/>
-          </a:prstGeom>
-          <a:solidFill>
-            <a:schemeClr val="bg1"/>
-          </a:solidFill>
-        </p:spPr>
-        <p:style>
-          <a:lnRef idx="2">
-            <a:schemeClr val="accent1">
-              <a:shade val="50000"/>
-            </a:schemeClr>
-          </a:lnRef>
-          <a:fillRef idx="1">
-            <a:schemeClr val="accent1"/>
-          </a:fillRef>
-          <a:effectRef idx="0">
-            <a:schemeClr val="accent1"/>
-          </a:effectRef>
-          <a:fontRef idx="minor">
-            <a:schemeClr val="lt1"/>
-          </a:fontRef>
-        </p:style>
-        <p:txBody>
-          <a:bodyPr rtlCol="0" anchor="ctr"/>
-          <a:lstStyle/>
-          <a:p>
-            <a:pPr algn="ctr"/>
-            <a:endParaRPr lang="en-US"/>
-          </a:p>
-        </p:txBody>
-      </p:sp>
-      <p:sp>
-        <p:nvSpPr>
-          <p:cNvPr id="8" name="Rounded Rectangular Callout 7"/>
-          <p:cNvSpPr/>
-          <p:nvPr/>
-        </p:nvSpPr>
-        <p:spPr>
-          <a:xfrm>
-            <a:off x="453609" y="1768042"/>
-            <a:ext cx="360381" cy="268941"/>
-          </a:xfrm>
-          <a:prstGeom prst="wedgeRoundRectCallout">
-            <a:avLst/>
-          </a:prstGeom>
-          <a:solidFill>
-            <a:schemeClr val="bg1"/>
-          </a:solidFill>
-        </p:spPr>
-        <p:style>
-          <a:lnRef idx="2">
-            <a:schemeClr val="accent1">
-              <a:shade val="50000"/>
-            </a:schemeClr>
-          </a:lnRef>
-          <a:fillRef idx="1">
-            <a:schemeClr val="accent1"/>
-          </a:fillRef>
-          <a:effectRef idx="0">
-            <a:schemeClr val="accent1"/>
-          </a:effectRef>
-          <a:fontRef idx="minor">
-            <a:schemeClr val="lt1"/>
-          </a:fontRef>
-        </p:style>
-        <p:txBody>
-          <a:bodyPr rtlCol="0" anchor="ctr"/>
-          <a:lstStyle/>
-          <a:p>
-            <a:pPr algn="ctr"/>
-            <a:endParaRPr lang="en-US">
-              <a:solidFill>
-                <a:schemeClr val="bg1"/>
-              </a:solidFill>
-            </a:endParaRPr>
-          </a:p>
-        </p:txBody>
-      </p:sp>
-      <p:sp>
-        <p:nvSpPr>
-          <p:cNvPr id="10" name="Rounded Rectangular Callout 9"/>
-          <p:cNvSpPr/>
-          <p:nvPr/>
-        </p:nvSpPr>
-        <p:spPr>
-          <a:xfrm>
-            <a:off x="552667" y="5002609"/>
-            <a:ext cx="360381" cy="268941"/>
-          </a:xfrm>
-          <a:prstGeom prst="wedgeRoundRectCallout">
-            <a:avLst/>
-          </a:prstGeom>
-          <a:solidFill>
-            <a:schemeClr val="bg1"/>
-          </a:solidFill>
-        </p:spPr>
-        <p:style>
-          <a:lnRef idx="2">
-            <a:schemeClr val="accent1">
-              <a:shade val="50000"/>
-            </a:schemeClr>
-          </a:lnRef>
-          <a:fillRef idx="1">
-            <a:schemeClr val="accent1"/>
-          </a:fillRef>
-          <a:effectRef idx="0">
-            <a:schemeClr val="accent1"/>
-          </a:effectRef>
-          <a:fontRef idx="minor">
-            <a:schemeClr val="lt1"/>
-          </a:fontRef>
-        </p:style>
-        <p:txBody>
-          <a:bodyPr rtlCol="0" anchor="ctr"/>
-          <a:lstStyle/>
-          <a:p>
-            <a:pPr algn="ctr"/>
-            <a:endParaRPr lang="en-US">
-              <a:solidFill>
-                <a:schemeClr val="bg1"/>
-              </a:solidFill>
-            </a:endParaRPr>
-          </a:p>
-        </p:txBody>
-      </p:sp>
-      <p:sp>
-        <p:nvSpPr>
-          <p:cNvPr id="11" name="Rounded Rectangular Callout 10"/>
-          <p:cNvSpPr/>
-          <p:nvPr/>
-        </p:nvSpPr>
-        <p:spPr>
-          <a:xfrm>
-            <a:off x="552668" y="3416159"/>
-            <a:ext cx="360381" cy="268941"/>
-          </a:xfrm>
-          <a:prstGeom prst="wedgeRoundRectCallout">
-            <a:avLst/>
-          </a:prstGeom>
-          <a:solidFill>
-            <a:schemeClr val="bg1"/>
-          </a:solidFill>
-        </p:spPr>
-        <p:style>
-          <a:lnRef idx="2">
-            <a:schemeClr val="accent1">
-              <a:shade val="50000"/>
-            </a:schemeClr>
-          </a:lnRef>
-          <a:fillRef idx="1">
-            <a:schemeClr val="accent1"/>
-          </a:fillRef>
-          <a:effectRef idx="0">
-            <a:schemeClr val="accent1"/>
-          </a:effectRef>
-          <a:fontRef idx="minor">
-            <a:schemeClr val="lt1"/>
-          </a:fontRef>
-        </p:style>
-        <p:txBody>
-          <a:bodyPr rtlCol="0" anchor="ctr"/>
-          <a:lstStyle/>
-          <a:p>
-            <a:pPr algn="ctr"/>
-            <a:endParaRPr lang="en-US">
-              <a:solidFill>
-                <a:schemeClr val="bg1"/>
-              </a:solidFill>
-            </a:endParaRPr>
-          </a:p>
-        </p:txBody>
-      </p:sp>
-      <p:sp>
-        <p:nvSpPr>
-          <p:cNvPr id="9" name="Rounded Rectangular Callout 8"/>
-          <p:cNvSpPr/>
-          <p:nvPr/>
-        </p:nvSpPr>
-        <p:spPr>
-          <a:xfrm>
-            <a:off x="453608" y="3351310"/>
-            <a:ext cx="360381" cy="268941"/>
-          </a:xfrm>
-          <a:prstGeom prst="wedgeRoundRectCallout">
-            <a:avLst/>
-          </a:prstGeom>
-          <a:solidFill>
-            <a:schemeClr val="bg1"/>
-          </a:solidFill>
-        </p:spPr>
-        <p:style>
-          <a:lnRef idx="2">
-            <a:schemeClr val="accent1">
-              <a:shade val="50000"/>
-            </a:schemeClr>
-          </a:lnRef>
-          <a:fillRef idx="1">
-            <a:schemeClr val="accent1"/>
-          </a:fillRef>
-          <a:effectRef idx="0">
-            <a:schemeClr val="accent1"/>
-          </a:effectRef>
-          <a:fontRef idx="minor">
-            <a:schemeClr val="lt1"/>
-          </a:fontRef>
-        </p:style>
-        <p:txBody>
-          <a:bodyPr rtlCol="0" anchor="ctr"/>
-          <a:lstStyle/>
-          <a:p>
-            <a:pPr algn="ctr"/>
-            <a:endParaRPr lang="en-US">
-              <a:solidFill>
-                <a:schemeClr val="bg1"/>
-              </a:solidFill>
-            </a:endParaRPr>
-          </a:p>
-        </p:txBody>
-      </p:sp>
-      <p:sp>
-        <p:nvSpPr>
-          <p:cNvPr id="12" name="Rounded Rectangular Callout 11"/>
-          <p:cNvSpPr/>
-          <p:nvPr/>
-        </p:nvSpPr>
-        <p:spPr>
-          <a:xfrm>
-            <a:off x="453607" y="4937760"/>
-            <a:ext cx="360381" cy="268941"/>
-          </a:xfrm>
-          <a:prstGeom prst="wedgeRoundRectCallout">
-            <a:avLst/>
-          </a:prstGeom>
-          <a:solidFill>
-            <a:schemeClr val="bg1"/>
-          </a:solidFill>
-        </p:spPr>
-        <p:style>
-          <a:lnRef idx="2">
-            <a:schemeClr val="accent1">
-              <a:shade val="50000"/>
-            </a:schemeClr>
-          </a:lnRef>
-          <a:fillRef idx="1">
-            <a:schemeClr val="accent1"/>
-          </a:fillRef>
-          <a:effectRef idx="0">
-            <a:schemeClr val="accent1"/>
-          </a:effectRef>
-          <a:fontRef idx="minor">
-            <a:schemeClr val="lt1"/>
-          </a:fontRef>
-        </p:style>
-        <p:txBody>
-          <a:bodyPr rtlCol="0" anchor="ctr"/>
-          <a:lstStyle/>
-          <a:p>
-            <a:pPr algn="ctr"/>
-            <a:endParaRPr lang="en-US">
-              <a:solidFill>
-                <a:schemeClr val="bg1"/>
-              </a:solidFill>
-            </a:endParaRPr>
-          </a:p>
-        </p:txBody>
-      </p:sp>
-    </p:spTree>
-    <p:extLst>
-      <p:ext uri="{BB962C8B-B14F-4D97-AF65-F5344CB8AC3E}">
-        <p14:creationId xmlns:p14="http://schemas.microsoft.com/office/powerpoint/2010/main" val="2502112111"/>
-      </p:ext>
-    </p:extLst>
-  </p:cSld>
-  <p:clrMapOvr>
-    <a:masterClrMapping/>
-  </p:clrMapOvr>
-  <p:timing>
-    <p:tnLst>
-      <p:par>
-        <p:cTn id="1" dur="indefinite" restart="never" nodeType="tmRoot"/>
-      </p:par>
-    </p:tnLst>
-  </p:timing>
-</p:sld>
-</file>
-
 <file path=ppt/slides/slide4.xml><?xml version="1.0" encoding="utf-8"?>
 <p:sld xmlns:a="http://schemas.openxmlformats.org/drawingml/2006/main" xmlns:r="http://schemas.openxmlformats.org/officeDocument/2006/relationships" xmlns:p="http://schemas.openxmlformats.org/presentationml/2006/main">
   <p:cSld>
@@ -15264,14 +15456,418 @@
           <a:p>
             <a:pPr algn="ctr"/>
             <a:r>
-              <a:rPr lang="en-US" dirty="0" smtClean="0">
+              <a:rPr lang="en-US" dirty="0">
+                <a:latin typeface="Arial Rounded MT Bold" panose="020F0704030504030204" pitchFamily="34" charset="0"/>
+              </a:rPr>
+              <a:t>Technologies</a:t>
+            </a:r>
+          </a:p>
+        </p:txBody>
+      </p:sp>
+      <p:sp>
+        <p:nvSpPr>
+          <p:cNvPr id="6" name="TextBox 5"/>
+          <p:cNvSpPr txBox="1"/>
+          <p:nvPr/>
+        </p:nvSpPr>
+        <p:spPr>
+          <a:xfrm>
+            <a:off x="2280621" y="1904104"/>
+            <a:ext cx="3980330" cy="461665"/>
+          </a:xfrm>
+          <a:prstGeom prst="rect">
+            <a:avLst/>
+          </a:prstGeom>
+          <a:noFill/>
+        </p:spPr>
+        <p:txBody>
+          <a:bodyPr wrap="square" rtlCol="0">
+            <a:spAutoFit/>
+          </a:bodyPr>
+          <a:lstStyle/>
+          <a:p>
+            <a:pPr algn="ctr"/>
+            <a:r>
+              <a:rPr lang="en-US" sz="2400" dirty="0" err="1">
+                <a:solidFill>
+                  <a:schemeClr val="bg1">
+                    <a:lumMod val="50000"/>
+                  </a:schemeClr>
+                </a:solidFill>
+                <a:latin typeface="Arial Rounded MT Bold" panose="020F0704030504030204" pitchFamily="34" charset="0"/>
+              </a:rPr>
+              <a:t>Blueskying</a:t>
+            </a:r>
+            <a:endParaRPr lang="en-US" sz="2400" dirty="0">
+              <a:solidFill>
+                <a:schemeClr val="bg1">
+                  <a:lumMod val="50000"/>
+                </a:schemeClr>
+              </a:solidFill>
+              <a:latin typeface="Arial Rounded MT Bold" panose="020F0704030504030204" pitchFamily="34" charset="0"/>
+            </a:endParaRPr>
+          </a:p>
+        </p:txBody>
+      </p:sp>
+      <p:sp>
+        <p:nvSpPr>
+          <p:cNvPr id="7" name="Rounded Rectangular Callout 6"/>
+          <p:cNvSpPr/>
+          <p:nvPr/>
+        </p:nvSpPr>
+        <p:spPr>
+          <a:xfrm>
+            <a:off x="557378" y="1837664"/>
+            <a:ext cx="360381" cy="268941"/>
+          </a:xfrm>
+          <a:prstGeom prst="wedgeRoundRectCallout">
+            <a:avLst/>
+          </a:prstGeom>
+          <a:solidFill>
+            <a:schemeClr val="bg1"/>
+          </a:solidFill>
+        </p:spPr>
+        <p:style>
+          <a:lnRef idx="2">
+            <a:schemeClr val="accent1">
+              <a:shade val="50000"/>
+            </a:schemeClr>
+          </a:lnRef>
+          <a:fillRef idx="1">
+            <a:schemeClr val="accent1"/>
+          </a:fillRef>
+          <a:effectRef idx="0">
+            <a:schemeClr val="accent1"/>
+          </a:effectRef>
+          <a:fontRef idx="minor">
+            <a:schemeClr val="lt1"/>
+          </a:fontRef>
+        </p:style>
+        <p:txBody>
+          <a:bodyPr rtlCol="0" anchor="ctr"/>
+          <a:lstStyle/>
+          <a:p>
+            <a:pPr algn="ctr"/>
+            <a:endParaRPr lang="en-US"/>
+          </a:p>
+        </p:txBody>
+      </p:sp>
+      <p:sp>
+        <p:nvSpPr>
+          <p:cNvPr id="8" name="Rounded Rectangular Callout 7"/>
+          <p:cNvSpPr/>
+          <p:nvPr/>
+        </p:nvSpPr>
+        <p:spPr>
+          <a:xfrm>
+            <a:off x="453609" y="1768042"/>
+            <a:ext cx="360381" cy="268941"/>
+          </a:xfrm>
+          <a:prstGeom prst="wedgeRoundRectCallout">
+            <a:avLst/>
+          </a:prstGeom>
+          <a:solidFill>
+            <a:schemeClr val="bg1"/>
+          </a:solidFill>
+        </p:spPr>
+        <p:style>
+          <a:lnRef idx="2">
+            <a:schemeClr val="accent1">
+              <a:shade val="50000"/>
+            </a:schemeClr>
+          </a:lnRef>
+          <a:fillRef idx="1">
+            <a:schemeClr val="accent1"/>
+          </a:fillRef>
+          <a:effectRef idx="0">
+            <a:schemeClr val="accent1"/>
+          </a:effectRef>
+          <a:fontRef idx="minor">
+            <a:schemeClr val="lt1"/>
+          </a:fontRef>
+        </p:style>
+        <p:txBody>
+          <a:bodyPr rtlCol="0" anchor="ctr"/>
+          <a:lstStyle/>
+          <a:p>
+            <a:pPr algn="ctr"/>
+            <a:endParaRPr lang="en-US">
+              <a:solidFill>
+                <a:schemeClr val="bg1"/>
+              </a:solidFill>
+            </a:endParaRPr>
+          </a:p>
+        </p:txBody>
+      </p:sp>
+      <p:sp>
+        <p:nvSpPr>
+          <p:cNvPr id="10" name="Rounded Rectangular Callout 9"/>
+          <p:cNvSpPr/>
+          <p:nvPr/>
+        </p:nvSpPr>
+        <p:spPr>
+          <a:xfrm>
+            <a:off x="552667" y="5002609"/>
+            <a:ext cx="360381" cy="268941"/>
+          </a:xfrm>
+          <a:prstGeom prst="wedgeRoundRectCallout">
+            <a:avLst/>
+          </a:prstGeom>
+          <a:solidFill>
+            <a:schemeClr val="bg1"/>
+          </a:solidFill>
+        </p:spPr>
+        <p:style>
+          <a:lnRef idx="2">
+            <a:schemeClr val="accent1">
+              <a:shade val="50000"/>
+            </a:schemeClr>
+          </a:lnRef>
+          <a:fillRef idx="1">
+            <a:schemeClr val="accent1"/>
+          </a:fillRef>
+          <a:effectRef idx="0">
+            <a:schemeClr val="accent1"/>
+          </a:effectRef>
+          <a:fontRef idx="minor">
+            <a:schemeClr val="lt1"/>
+          </a:fontRef>
+        </p:style>
+        <p:txBody>
+          <a:bodyPr rtlCol="0" anchor="ctr"/>
+          <a:lstStyle/>
+          <a:p>
+            <a:pPr algn="ctr"/>
+            <a:endParaRPr lang="en-US">
+              <a:solidFill>
+                <a:schemeClr val="bg1"/>
+              </a:solidFill>
+            </a:endParaRPr>
+          </a:p>
+        </p:txBody>
+      </p:sp>
+      <p:sp>
+        <p:nvSpPr>
+          <p:cNvPr id="11" name="Rounded Rectangular Callout 10"/>
+          <p:cNvSpPr/>
+          <p:nvPr/>
+        </p:nvSpPr>
+        <p:spPr>
+          <a:xfrm>
+            <a:off x="552668" y="3416159"/>
+            <a:ext cx="360381" cy="268941"/>
+          </a:xfrm>
+          <a:prstGeom prst="wedgeRoundRectCallout">
+            <a:avLst/>
+          </a:prstGeom>
+          <a:solidFill>
+            <a:schemeClr val="bg1"/>
+          </a:solidFill>
+        </p:spPr>
+        <p:style>
+          <a:lnRef idx="2">
+            <a:schemeClr val="accent1">
+              <a:shade val="50000"/>
+            </a:schemeClr>
+          </a:lnRef>
+          <a:fillRef idx="1">
+            <a:schemeClr val="accent1"/>
+          </a:fillRef>
+          <a:effectRef idx="0">
+            <a:schemeClr val="accent1"/>
+          </a:effectRef>
+          <a:fontRef idx="minor">
+            <a:schemeClr val="lt1"/>
+          </a:fontRef>
+        </p:style>
+        <p:txBody>
+          <a:bodyPr rtlCol="0" anchor="ctr"/>
+          <a:lstStyle/>
+          <a:p>
+            <a:pPr algn="ctr"/>
+            <a:endParaRPr lang="en-US">
+              <a:solidFill>
+                <a:schemeClr val="bg1"/>
+              </a:solidFill>
+            </a:endParaRPr>
+          </a:p>
+        </p:txBody>
+      </p:sp>
+      <p:sp>
+        <p:nvSpPr>
+          <p:cNvPr id="9" name="Rounded Rectangular Callout 8"/>
+          <p:cNvSpPr/>
+          <p:nvPr/>
+        </p:nvSpPr>
+        <p:spPr>
+          <a:xfrm>
+            <a:off x="453608" y="3351310"/>
+            <a:ext cx="360381" cy="268941"/>
+          </a:xfrm>
+          <a:prstGeom prst="wedgeRoundRectCallout">
+            <a:avLst/>
+          </a:prstGeom>
+          <a:solidFill>
+            <a:schemeClr val="bg1"/>
+          </a:solidFill>
+        </p:spPr>
+        <p:style>
+          <a:lnRef idx="2">
+            <a:schemeClr val="accent1">
+              <a:shade val="50000"/>
+            </a:schemeClr>
+          </a:lnRef>
+          <a:fillRef idx="1">
+            <a:schemeClr val="accent1"/>
+          </a:fillRef>
+          <a:effectRef idx="0">
+            <a:schemeClr val="accent1"/>
+          </a:effectRef>
+          <a:fontRef idx="minor">
+            <a:schemeClr val="lt1"/>
+          </a:fontRef>
+        </p:style>
+        <p:txBody>
+          <a:bodyPr rtlCol="0" anchor="ctr"/>
+          <a:lstStyle/>
+          <a:p>
+            <a:pPr algn="ctr"/>
+            <a:endParaRPr lang="en-US">
+              <a:solidFill>
+                <a:schemeClr val="bg1"/>
+              </a:solidFill>
+            </a:endParaRPr>
+          </a:p>
+        </p:txBody>
+      </p:sp>
+      <p:sp>
+        <p:nvSpPr>
+          <p:cNvPr id="12" name="Rounded Rectangular Callout 11"/>
+          <p:cNvSpPr/>
+          <p:nvPr/>
+        </p:nvSpPr>
+        <p:spPr>
+          <a:xfrm>
+            <a:off x="453607" y="4937760"/>
+            <a:ext cx="360381" cy="268941"/>
+          </a:xfrm>
+          <a:prstGeom prst="wedgeRoundRectCallout">
+            <a:avLst/>
+          </a:prstGeom>
+          <a:solidFill>
+            <a:schemeClr val="bg1"/>
+          </a:solidFill>
+        </p:spPr>
+        <p:style>
+          <a:lnRef idx="2">
+            <a:schemeClr val="accent1">
+              <a:shade val="50000"/>
+            </a:schemeClr>
+          </a:lnRef>
+          <a:fillRef idx="1">
+            <a:schemeClr val="accent1"/>
+          </a:fillRef>
+          <a:effectRef idx="0">
+            <a:schemeClr val="accent1"/>
+          </a:effectRef>
+          <a:fontRef idx="minor">
+            <a:schemeClr val="lt1"/>
+          </a:fontRef>
+        </p:style>
+        <p:txBody>
+          <a:bodyPr rtlCol="0" anchor="ctr"/>
+          <a:lstStyle/>
+          <a:p>
+            <a:pPr algn="ctr"/>
+            <a:endParaRPr lang="en-US">
+              <a:solidFill>
+                <a:schemeClr val="bg1"/>
+              </a:solidFill>
+            </a:endParaRPr>
+          </a:p>
+        </p:txBody>
+      </p:sp>
+    </p:spTree>
+    <p:extLst>
+      <p:ext uri="{BB962C8B-B14F-4D97-AF65-F5344CB8AC3E}">
+        <p14:creationId xmlns:p14="http://schemas.microsoft.com/office/powerpoint/2010/main" val="2502112111"/>
+      </p:ext>
+    </p:extLst>
+  </p:cSld>
+  <p:clrMapOvr>
+    <a:masterClrMapping/>
+  </p:clrMapOvr>
+</p:sld>
+</file>
+
+<file path=ppt/slides/slide5.xml><?xml version="1.0" encoding="utf-8"?>
+<p:sld xmlns:a="http://schemas.openxmlformats.org/drawingml/2006/main" xmlns:r="http://schemas.openxmlformats.org/officeDocument/2006/relationships" xmlns:p="http://schemas.openxmlformats.org/presentationml/2006/main">
+  <p:cSld>
+    <p:spTree>
+      <p:nvGrpSpPr>
+        <p:cNvPr id="1" name=""/>
+        <p:cNvGrpSpPr/>
+        <p:nvPr/>
+      </p:nvGrpSpPr>
+      <p:grpSpPr>
+        <a:xfrm>
+          <a:off x="0" y="0"/>
+          <a:ext cx="0" cy="0"/>
+          <a:chOff x="0" y="0"/>
+          <a:chExt cx="0" cy="0"/>
+        </a:xfrm>
+      </p:grpSpPr>
+      <p:pic>
+        <p:nvPicPr>
+          <p:cNvPr id="4" name="Content Placeholder 3"/>
+          <p:cNvPicPr>
+            <a:picLocks noGrp="1" noChangeAspect="1"/>
+          </p:cNvPicPr>
+          <p:nvPr>
+            <p:ph idx="1"/>
+          </p:nvPr>
+        </p:nvPicPr>
+        <p:blipFill>
+          <a:blip r:embed="rId2">
+            <a:extLst>
+              <a:ext uri="{28A0092B-C50C-407E-A947-70E740481C1C}">
+                <a14:useLocalDpi xmlns:a14="http://schemas.microsoft.com/office/drawing/2010/main" val="0"/>
+              </a:ext>
+            </a:extLst>
+          </a:blip>
+          <a:stretch>
+            <a:fillRect/>
+          </a:stretch>
+        </p:blipFill>
+        <p:spPr>
+          <a:xfrm>
+            <a:off x="0" y="0"/>
+            <a:ext cx="1344706" cy="6858000"/>
+          </a:xfrm>
+        </p:spPr>
+      </p:pic>
+      <p:sp>
+        <p:nvSpPr>
+          <p:cNvPr id="2" name="Title 1"/>
+          <p:cNvSpPr>
+            <a:spLocks noGrp="1"/>
+          </p:cNvSpPr>
+          <p:nvPr>
+            <p:ph type="title"/>
+          </p:nvPr>
+        </p:nvSpPr>
+        <p:spPr/>
+        <p:txBody>
+          <a:bodyPr/>
+          <a:lstStyle/>
+          <a:p>
+            <a:pPr algn="ctr"/>
+            <a:r>
+              <a:rPr lang="en-US" dirty="0">
                 <a:latin typeface="Arial Rounded MT Bold" panose="020F0704030504030204" pitchFamily="34" charset="0"/>
               </a:rPr>
               <a:t>User Stories</a:t>
             </a:r>
-            <a:endParaRPr lang="en-US" dirty="0">
-              <a:latin typeface="Arial Rounded MT Bold" panose="020F0704030504030204" pitchFamily="34" charset="0"/>
-            </a:endParaRPr>
           </a:p>
         </p:txBody>
       </p:sp>
@@ -15676,7 +16272,7 @@
 </p:sld>
 </file>
 
-<file path=ppt/slides/slide5.xml><?xml version="1.0" encoding="utf-8"?>
+<file path=ppt/slides/slide6.xml><?xml version="1.0" encoding="utf-8"?>
 <p:sld xmlns:a="http://schemas.openxmlformats.org/drawingml/2006/main" xmlns:r="http://schemas.openxmlformats.org/officeDocument/2006/relationships" xmlns:p="http://schemas.openxmlformats.org/presentationml/2006/main">
   <p:cSld>
     <p:spTree>
@@ -15739,14 +16335,11 @@
           <a:p>
             <a:pPr algn="ctr"/>
             <a:r>
-              <a:rPr lang="en-US" dirty="0" smtClean="0">
+              <a:rPr lang="en-US" dirty="0">
                 <a:latin typeface="Arial Rounded MT Bold" panose="020F0704030504030204" pitchFamily="34" charset="0"/>
               </a:rPr>
               <a:t>User Stories(Cont.)</a:t>
             </a:r>
-            <a:endParaRPr lang="en-US" dirty="0">
-              <a:latin typeface="Arial Rounded MT Bold" panose="020F0704030504030204" pitchFamily="34" charset="0"/>
-            </a:endParaRPr>
           </a:p>
         </p:txBody>
       </p:sp>
@@ -16151,7 +16744,7 @@
 </p:sld>
 </file>
 
-<file path=ppt/slides/slide6.xml><?xml version="1.0" encoding="utf-8"?>
+<file path=ppt/slides/slide7.xml><?xml version="1.0" encoding="utf-8"?>
 <p:sld xmlns:a="http://schemas.openxmlformats.org/drawingml/2006/main" xmlns:r="http://schemas.openxmlformats.org/officeDocument/2006/relationships" xmlns:p="http://schemas.openxmlformats.org/presentationml/2006/main">
   <p:cSld>
     <p:spTree>
@@ -16219,14 +16812,11 @@
           <a:p>
             <a:pPr algn="ctr"/>
             <a:r>
-              <a:rPr lang="en-US" dirty="0" smtClean="0">
+              <a:rPr lang="en-US" dirty="0">
                 <a:latin typeface="Arial Rounded MT Bold" panose="020F0704030504030204" pitchFamily="34" charset="0"/>
               </a:rPr>
               <a:t>Planning Poker</a:t>
             </a:r>
-            <a:endParaRPr lang="en-US" dirty="0">
-              <a:latin typeface="Arial Rounded MT Bold" panose="020F0704030504030204" pitchFamily="34" charset="0"/>
-            </a:endParaRPr>
           </a:p>
         </p:txBody>
       </p:sp>
@@ -16262,19 +16852,25 @@
                 </a:solidFill>
                 <a:latin typeface="Arial Rounded MT Bold" panose="020F0704030504030204" pitchFamily="34" charset="0"/>
               </a:rPr>
-              <a:t>Start Date – 09/19/2016                                       </a:t>
+              <a:t>Start Date – 09/19/2016                                       End Date – 10/19/2016</a:t>
             </a:r>
-            <a:r>
-              <a:rPr lang="en-US" sz="2400" dirty="0" smtClean="0">
-                <a:solidFill>
-                  <a:schemeClr val="bg1">
-                    <a:lumMod val="50000"/>
-                  </a:schemeClr>
-                </a:solidFill>
-                <a:latin typeface="Arial Rounded MT Bold" panose="020F0704030504030204" pitchFamily="34" charset="0"/>
-              </a:rPr>
-              <a:t>End </a:t>
-            </a:r>
+          </a:p>
+          <a:p>
+            <a:pPr lvl="0"/>
+            <a:endParaRPr lang="en-US" sz="2400" dirty="0">
+              <a:solidFill>
+                <a:schemeClr val="bg1">
+                  <a:lumMod val="50000"/>
+                </a:schemeClr>
+              </a:solidFill>
+              <a:latin typeface="Arial Rounded MT Bold" panose="020F0704030504030204" pitchFamily="34" charset="0"/>
+            </a:endParaRPr>
+          </a:p>
+          <a:p>
+            <a:pPr marL="342900" lvl="0" indent="-342900">
+              <a:buFont typeface="Arial" panose="020B0604020202020204" pitchFamily="34" charset="0"/>
+              <a:buChar char="•"/>
+            </a:pPr>
             <a:r>
               <a:rPr lang="en-US" sz="2400" dirty="0">
                 <a:solidFill>
@@ -16284,57 +16880,7 @@
                 </a:solidFill>
                 <a:latin typeface="Arial Rounded MT Bold" panose="020F0704030504030204" pitchFamily="34" charset="0"/>
               </a:rPr>
-              <a:t>Date – </a:t>
-            </a:r>
-            <a:r>
-              <a:rPr lang="en-US" sz="2400" dirty="0" smtClean="0">
-                <a:solidFill>
-                  <a:schemeClr val="bg1">
-                    <a:lumMod val="50000"/>
-                  </a:schemeClr>
-                </a:solidFill>
-                <a:latin typeface="Arial Rounded MT Bold" panose="020F0704030504030204" pitchFamily="34" charset="0"/>
-              </a:rPr>
-              <a:t>10/19/2016</a:t>
-            </a:r>
-          </a:p>
-          <a:p>
-            <a:pPr lvl="0"/>
-            <a:endParaRPr lang="en-US" sz="2400" dirty="0">
-              <a:solidFill>
-                <a:schemeClr val="bg1">
-                  <a:lumMod val="50000"/>
-                </a:schemeClr>
-              </a:solidFill>
-              <a:latin typeface="Arial Rounded MT Bold" panose="020F0704030504030204" pitchFamily="34" charset="0"/>
-            </a:endParaRPr>
-          </a:p>
-          <a:p>
-            <a:pPr marL="342900" lvl="0" indent="-342900">
-              <a:buFont typeface="Arial" panose="020B0604020202020204" pitchFamily="34" charset="0"/>
-              <a:buChar char="•"/>
-            </a:pPr>
-            <a:r>
-              <a:rPr lang="en-US" sz="2400" dirty="0" smtClean="0">
-                <a:solidFill>
-                  <a:schemeClr val="bg1">
-                    <a:lumMod val="50000"/>
-                  </a:schemeClr>
-                </a:solidFill>
-                <a:latin typeface="Arial Rounded MT Bold" panose="020F0704030504030204" pitchFamily="34" charset="0"/>
-              </a:rPr>
-              <a:t>Number </a:t>
-            </a:r>
-            <a:r>
-              <a:rPr lang="en-US" sz="2400" dirty="0">
-                <a:solidFill>
-                  <a:schemeClr val="bg1">
-                    <a:lumMod val="50000"/>
-                  </a:schemeClr>
-                </a:solidFill>
-                <a:latin typeface="Arial Rounded MT Bold" panose="020F0704030504030204" pitchFamily="34" charset="0"/>
-              </a:rPr>
-              <a:t>of Iterations :3 </a:t>
+              <a:t>Number of Iterations :3 </a:t>
             </a:r>
           </a:p>
           <a:p>
@@ -16411,17 +16957,6 @@
               <a:buChar char="•"/>
             </a:pPr>
             <a:r>
-              <a:rPr lang="en-US" sz="2400" dirty="0" smtClean="0">
-                <a:solidFill>
-                  <a:schemeClr val="bg1">
-                    <a:lumMod val="50000"/>
-                  </a:schemeClr>
-                </a:solidFill>
-                <a:latin typeface="Arial Rounded MT Bold" panose="020F0704030504030204" pitchFamily="34" charset="0"/>
-              </a:rPr>
-              <a:t>Number </a:t>
-            </a:r>
-            <a:r>
               <a:rPr lang="en-US" sz="2400" dirty="0">
                 <a:solidFill>
                   <a:schemeClr val="bg1">
@@ -16430,7 +16965,7 @@
                 </a:solidFill>
                 <a:latin typeface="Arial Rounded MT Bold" panose="020F0704030504030204" pitchFamily="34" charset="0"/>
               </a:rPr>
-              <a:t>of holidays by the developers: 2.50 Days</a:t>
+              <a:t>Number of holidays by the developers: 2.50 Days</a:t>
             </a:r>
           </a:p>
           <a:p>
@@ -16456,7 +16991,7 @@
               <a:buChar char="•"/>
             </a:pPr>
             <a:r>
-              <a:rPr lang="en-US" sz="2400" dirty="0" smtClean="0">
+              <a:rPr lang="en-US" sz="2400" dirty="0">
                 <a:solidFill>
                   <a:schemeClr val="bg1">
                     <a:lumMod val="50000"/>
@@ -16464,8 +16999,14 @@
                 </a:solidFill>
                 <a:latin typeface="Arial Rounded MT Bold" panose="020F0704030504030204" pitchFamily="34" charset="0"/>
               </a:rPr>
-              <a:t>Amount </a:t>
+              <a:t>Amount of work to be complete before due date= ( 19.5 * 0.40 * 4) = 31 Days</a:t>
             </a:r>
+          </a:p>
+          <a:p>
+            <a:pPr marL="342900" lvl="0" indent="-342900">
+              <a:buFont typeface="Arial" panose="020B0604020202020204" pitchFamily="34" charset="0"/>
+              <a:buChar char="•"/>
+            </a:pPr>
             <a:r>
               <a:rPr lang="en-US" sz="2400" dirty="0">
                 <a:solidFill>
@@ -16475,46 +17016,7 @@
                 </a:solidFill>
                 <a:latin typeface="Arial Rounded MT Bold" panose="020F0704030504030204" pitchFamily="34" charset="0"/>
               </a:rPr>
-              <a:t>of work to be complete before due date= ( 19.5 * 0.40 * 4) = 31 Days</a:t>
-            </a:r>
-          </a:p>
-          <a:p>
-            <a:pPr marL="342900" lvl="0" indent="-342900">
-              <a:buFont typeface="Arial" panose="020B0604020202020204" pitchFamily="34" charset="0"/>
-              <a:buChar char="•"/>
-            </a:pPr>
-            <a:r>
-              <a:rPr lang="en-US" sz="2400" dirty="0" smtClean="0">
-                <a:solidFill>
-                  <a:schemeClr val="bg1">
-                    <a:lumMod val="50000"/>
-                  </a:schemeClr>
-                </a:solidFill>
-                <a:latin typeface="Arial Rounded MT Bold" panose="020F0704030504030204" pitchFamily="34" charset="0"/>
-              </a:rPr>
-              <a:t>Days </a:t>
-            </a:r>
-            <a:r>
-              <a:rPr lang="en-US" sz="2400" dirty="0">
-                <a:solidFill>
-                  <a:schemeClr val="bg1">
-                    <a:lumMod val="50000"/>
-                  </a:schemeClr>
-                </a:solidFill>
-                <a:latin typeface="Arial Rounded MT Bold" panose="020F0704030504030204" pitchFamily="34" charset="0"/>
-              </a:rPr>
-              <a:t>that could be deferred : 64 – 31 = 33 </a:t>
-            </a:r>
-            <a:r>
-              <a:rPr lang="en-US" sz="2400" dirty="0" smtClean="0">
-                <a:solidFill>
-                  <a:schemeClr val="bg1">
-                    <a:lumMod val="50000"/>
-                  </a:schemeClr>
-                </a:solidFill>
-                <a:latin typeface="Arial Rounded MT Bold" panose="020F0704030504030204" pitchFamily="34" charset="0"/>
-              </a:rPr>
-              <a:t>Days </a:t>
+              <a:t>Days that could be deferred : 64 – 31 = 33 Days </a:t>
             </a:r>
           </a:p>
         </p:txBody>
@@ -17846,7 +18348,7 @@
 </p:sld>
 </file>
 
-<file path=ppt/slides/slide7.xml><?xml version="1.0" encoding="utf-8"?>
+<file path=ppt/slides/slide8.xml><?xml version="1.0" encoding="utf-8"?>
 <p:sld xmlns:a="http://schemas.openxmlformats.org/drawingml/2006/main" xmlns:r="http://schemas.openxmlformats.org/officeDocument/2006/relationships" xmlns:p="http://schemas.openxmlformats.org/presentationml/2006/main">
   <p:cSld>
     <p:spTree>
@@ -17909,13 +18411,13 @@
           <a:p>
             <a:pPr algn="ctr"/>
             <a:r>
-              <a:rPr lang="en-US" dirty="0" smtClean="0">
+              <a:rPr lang="en-US" dirty="0">
                 <a:latin typeface="Arial Rounded MT Bold" panose="020F0704030504030204" pitchFamily="34" charset="0"/>
               </a:rPr>
               <a:t>Tasks/</a:t>
             </a:r>
             <a:r>
-              <a:rPr lang="en-US" dirty="0" err="1" smtClean="0">
+              <a:rPr lang="en-US" dirty="0" err="1">
                 <a:latin typeface="Arial Rounded MT Bold" panose="020F0704030504030204" pitchFamily="34" charset="0"/>
               </a:rPr>
               <a:t>BigBoard</a:t>
@@ -18213,14 +18715,14 @@
           <p:nvPr>
             <p:extLst>
               <p:ext uri="{D42A27DB-BD31-4B8C-83A1-F6EECF244321}">
-                <p14:modId xmlns:p14="http://schemas.microsoft.com/office/powerpoint/2010/main" val="2812593413"/>
+                <p14:modId xmlns:p14="http://schemas.microsoft.com/office/powerpoint/2010/main" val="3523846152"/>
               </p:ext>
             </p:extLst>
           </p:nvPr>
         </p:nvGraphicFramePr>
         <p:xfrm>
           <a:off x="1709146" y="1501418"/>
-          <a:ext cx="4735198" cy="5228130"/>
+          <a:ext cx="5030867" cy="4863986"/>
         </p:xfrm>
         <a:graphic>
           <a:graphicData uri="http://schemas.openxmlformats.org/drawingml/2006/table">
@@ -18229,11 +18731,29 @@
                 <a:tableStyleId>{073A0DAA-6AF3-43AB-8588-CEC1D06C72B9}</a:tableStyleId>
               </a:tblPr>
               <a:tblGrid>
-                <a:gridCol w="2641704"/>
-                <a:gridCol w="1230848"/>
-                <a:gridCol w="862646"/>
+                <a:gridCol w="2641704">
+                  <a:extLst>
+                    <a:ext uri="{9D8B030D-6E8A-4147-A177-3AD203B41FA5}">
+                      <a16:colId xmlns:a16="http://schemas.microsoft.com/office/drawing/2014/main" val="20000"/>
+                    </a:ext>
+                  </a:extLst>
+                </a:gridCol>
+                <a:gridCol w="1230848">
+                  <a:extLst>
+                    <a:ext uri="{9D8B030D-6E8A-4147-A177-3AD203B41FA5}">
+                      <a16:colId xmlns:a16="http://schemas.microsoft.com/office/drawing/2014/main" val="20001"/>
+                    </a:ext>
+                  </a:extLst>
+                </a:gridCol>
+                <a:gridCol w="1158315">
+                  <a:extLst>
+                    <a:ext uri="{9D8B030D-6E8A-4147-A177-3AD203B41FA5}">
+                      <a16:colId xmlns:a16="http://schemas.microsoft.com/office/drawing/2014/main" val="20002"/>
+                    </a:ext>
+                  </a:extLst>
+                </a:gridCol>
               </a:tblGrid>
-              <a:tr h="839010">
+              <a:tr h="474866">
                 <a:tc gridSpan="3">
                   <a:txBody>
                     <a:bodyPr/>
@@ -18241,13 +18761,13 @@
                     <a:p>
                       <a:pPr algn="ctr"/>
                       <a:r>
-                        <a:rPr lang="en-US" sz="2400" dirty="0" smtClean="0">
+                        <a:rPr lang="en-US" sz="2400" dirty="0">
                           <a:latin typeface="Arial Rounded MT Bold" panose="020F0704030504030204" pitchFamily="34" charset="0"/>
                         </a:rPr>
                         <a:t>User Story</a:t>
                       </a:r>
                       <a:r>
-                        <a:rPr lang="en-US" sz="2400" baseline="0" dirty="0" smtClean="0">
+                        <a:rPr lang="en-US" sz="2400" baseline="0" dirty="0">
                           <a:latin typeface="Arial Rounded MT Bold" panose="020F0704030504030204" pitchFamily="34" charset="0"/>
                         </a:rPr>
                         <a:t> 1: Choosing the date</a:t>
@@ -18279,6 +18799,11 @@
                   </a:txBody>
                   <a:tcPr/>
                 </a:tc>
+                <a:extLst>
+                  <a:ext uri="{0D108BD9-81ED-4DB2-BD59-A6C34878D82A}">
+                    <a16:rowId xmlns:a16="http://schemas.microsoft.com/office/drawing/2014/main" val="10000"/>
+                  </a:ext>
+                </a:extLst>
               </a:tr>
               <a:tr h="361600">
                 <a:tc>
@@ -18288,10 +18813,9 @@
                     <a:p>
                       <a:pPr algn="ctr"/>
                       <a:r>
-                        <a:rPr lang="en-US" dirty="0" smtClean="0"/>
+                        <a:rPr lang="en-US" dirty="0"/>
                         <a:t>Task</a:t>
                       </a:r>
-                      <a:endParaRPr lang="en-US" dirty="0"/>
                     </a:p>
                   </a:txBody>
                   <a:tcPr/>
@@ -18316,6 +18840,11 @@
                   </a:txBody>
                   <a:tcPr/>
                 </a:tc>
+                <a:extLst>
+                  <a:ext uri="{0D108BD9-81ED-4DB2-BD59-A6C34878D82A}">
+                    <a16:rowId xmlns:a16="http://schemas.microsoft.com/office/drawing/2014/main" val="10001"/>
+                  </a:ext>
+                </a:extLst>
               </a:tr>
               <a:tr h="833784">
                 <a:tc>
@@ -18325,11 +18854,11 @@
                     <a:p>
                       <a:pPr lvl="0"/>
                       <a:r>
-                        <a:rPr lang="en-US" dirty="0" smtClean="0"/>
+                        <a:rPr lang="en-US" dirty="0"/>
                         <a:t>1. </a:t>
                       </a:r>
                       <a:r>
-                        <a:rPr lang="en-IN" sz="1800" kern="1200" dirty="0" smtClean="0">
+                        <a:rPr lang="en-IN" sz="1800" kern="1200" dirty="0">
                           <a:solidFill>
                             <a:schemeClr val="dk1"/>
                           </a:solidFill>
@@ -18340,7 +18869,7 @@
                         </a:rPr>
                         <a:t>Making the date class (Entity)</a:t>
                       </a:r>
-                      <a:endParaRPr lang="en-US" sz="1800" kern="1200" dirty="0" smtClean="0">
+                      <a:endParaRPr lang="en-US" sz="1800" kern="1200" dirty="0">
                         <a:solidFill>
                           <a:schemeClr val="dk1"/>
                         </a:solidFill>
@@ -18352,7 +18881,7 @@
                     </a:p>
                     <a:p>
                       <a:r>
-                        <a:rPr lang="en-IN" sz="1800" kern="1200" dirty="0" smtClean="0">
+                        <a:rPr lang="en-IN" sz="1800" kern="1200" dirty="0">
                           <a:solidFill>
                             <a:schemeClr val="dk1"/>
                           </a:solidFill>
@@ -18374,7 +18903,7 @@
                     <a:lstStyle/>
                     <a:p>
                       <a:r>
-                        <a:rPr lang="en-US" dirty="0" err="1" smtClean="0"/>
+                        <a:rPr lang="en-US" dirty="0" err="1"/>
                         <a:t>Soheil</a:t>
                       </a:r>
                       <a:endParaRPr lang="en-US" dirty="0"/>
@@ -18388,11 +18917,11 @@
                     <a:lstStyle/>
                     <a:p>
                       <a:r>
-                        <a:rPr lang="en-US" dirty="0" smtClean="0"/>
+                        <a:rPr lang="en-US" dirty="0"/>
                         <a:t>1 </a:t>
                       </a:r>
                       <a:r>
-                        <a:rPr lang="en-US" dirty="0" err="1" smtClean="0"/>
+                        <a:rPr lang="en-US" dirty="0" err="1"/>
                         <a:t>hr</a:t>
                       </a:r>
                       <a:endParaRPr lang="en-US" dirty="0"/>
@@ -18400,6 +18929,11 @@
                   </a:txBody>
                   <a:tcPr/>
                 </a:tc>
+                <a:extLst>
+                  <a:ext uri="{0D108BD9-81ED-4DB2-BD59-A6C34878D82A}">
+                    <a16:rowId xmlns:a16="http://schemas.microsoft.com/office/drawing/2014/main" val="10002"/>
+                  </a:ext>
+                </a:extLst>
               </a:tr>
               <a:tr h="1083919">
                 <a:tc>
@@ -18409,11 +18943,11 @@
                     <a:p>
                       <a:pPr lvl="0"/>
                       <a:r>
-                        <a:rPr lang="en-US" dirty="0" smtClean="0"/>
+                        <a:rPr lang="en-US" dirty="0"/>
                         <a:t>2. </a:t>
                       </a:r>
                       <a:r>
-                        <a:rPr lang="en-IN" sz="1800" kern="1200" dirty="0" smtClean="0">
+                        <a:rPr lang="en-IN" sz="1800" kern="1200" dirty="0">
                           <a:solidFill>
                             <a:schemeClr val="dk1"/>
                           </a:solidFill>
@@ -18424,7 +18958,7 @@
                         </a:rPr>
                         <a:t>Making the logic of choosing the date </a:t>
                       </a:r>
-                      <a:endParaRPr lang="en-US" sz="1800" kern="1200" dirty="0" smtClean="0">
+                      <a:endParaRPr lang="en-US" sz="1800" kern="1200" dirty="0">
                         <a:solidFill>
                           <a:schemeClr val="dk1"/>
                         </a:solidFill>
@@ -18436,7 +18970,7 @@
                     </a:p>
                     <a:p>
                       <a:r>
-                        <a:rPr lang="en-IN" sz="1800" kern="1200" dirty="0" smtClean="0">
+                        <a:rPr lang="en-IN" sz="1800" kern="1200" dirty="0">
                           <a:solidFill>
                             <a:schemeClr val="dk1"/>
                           </a:solidFill>
@@ -18458,10 +18992,9 @@
                     <a:lstStyle/>
                     <a:p>
                       <a:r>
-                        <a:rPr lang="en-US" dirty="0" smtClean="0"/>
+                        <a:rPr lang="en-US" dirty="0"/>
                         <a:t>Rohan</a:t>
                       </a:r>
-                      <a:endParaRPr lang="en-US" dirty="0"/>
                     </a:p>
                   </a:txBody>
                   <a:tcPr/>
@@ -18472,11 +19005,11 @@
                     <a:lstStyle/>
                     <a:p>
                       <a:r>
-                        <a:rPr lang="en-US" dirty="0" smtClean="0"/>
+                        <a:rPr lang="en-US" dirty="0"/>
                         <a:t>4 </a:t>
                       </a:r>
                       <a:r>
-                        <a:rPr lang="en-US" dirty="0" err="1" smtClean="0"/>
+                        <a:rPr lang="en-US" dirty="0" err="1"/>
                         <a:t>hrs</a:t>
                       </a:r>
                       <a:endParaRPr lang="en-US" dirty="0"/>
@@ -18484,6 +19017,11 @@
                   </a:txBody>
                   <a:tcPr/>
                 </a:tc>
+                <a:extLst>
+                  <a:ext uri="{0D108BD9-81ED-4DB2-BD59-A6C34878D82A}">
+                    <a16:rowId xmlns:a16="http://schemas.microsoft.com/office/drawing/2014/main" val="10003"/>
+                  </a:ext>
+                </a:extLst>
               </a:tr>
               <a:tr h="833784">
                 <a:tc>
@@ -18492,11 +19030,11 @@
                     <a:lstStyle/>
                     <a:p>
                       <a:r>
-                        <a:rPr lang="en-US" dirty="0" smtClean="0"/>
+                        <a:rPr lang="en-US" dirty="0"/>
                         <a:t>3. </a:t>
                       </a:r>
                       <a:r>
-                        <a:rPr lang="en-IN" sz="1800" kern="1200" dirty="0" smtClean="0">
+                        <a:rPr lang="en-IN" sz="1800" kern="1200" dirty="0">
                           <a:solidFill>
                             <a:schemeClr val="dk1"/>
                           </a:solidFill>
@@ -18518,7 +19056,7 @@
                     <a:lstStyle/>
                     <a:p>
                       <a:r>
-                        <a:rPr lang="en-US" dirty="0" err="1" smtClean="0"/>
+                        <a:rPr lang="en-US" dirty="0" err="1"/>
                         <a:t>Karthik</a:t>
                       </a:r>
                       <a:endParaRPr lang="en-US" dirty="0"/>
@@ -18532,11 +19070,11 @@
                     <a:lstStyle/>
                     <a:p>
                       <a:r>
-                        <a:rPr lang="en-US" dirty="0" smtClean="0"/>
+                        <a:rPr lang="en-US" dirty="0"/>
                         <a:t>3 </a:t>
                       </a:r>
                       <a:r>
-                        <a:rPr lang="en-US" dirty="0" err="1" smtClean="0"/>
+                        <a:rPr lang="en-US" dirty="0" err="1"/>
                         <a:t>hrs</a:t>
                       </a:r>
                       <a:endParaRPr lang="en-US" dirty="0"/>
@@ -18544,6 +19082,11 @@
                   </a:txBody>
                   <a:tcPr/>
                 </a:tc>
+                <a:extLst>
+                  <a:ext uri="{0D108BD9-81ED-4DB2-BD59-A6C34878D82A}">
+                    <a16:rowId xmlns:a16="http://schemas.microsoft.com/office/drawing/2014/main" val="10004"/>
+                  </a:ext>
+                </a:extLst>
               </a:tr>
               <a:tr h="583649">
                 <a:tc>
@@ -18553,11 +19096,11 @@
                     <a:p>
                       <a:pPr lvl="0"/>
                       <a:r>
-                        <a:rPr lang="en-US" dirty="0" smtClean="0"/>
+                        <a:rPr lang="en-US" dirty="0"/>
                         <a:t>4. </a:t>
                       </a:r>
                       <a:r>
-                        <a:rPr lang="en-IN" sz="1800" kern="1200" dirty="0" smtClean="0">
+                        <a:rPr lang="en-IN" sz="1800" kern="1200" dirty="0">
                           <a:solidFill>
                             <a:schemeClr val="dk1"/>
                           </a:solidFill>
@@ -18568,7 +19111,7 @@
                         </a:rPr>
                         <a:t>Testing the logic</a:t>
                       </a:r>
-                      <a:endParaRPr lang="en-US" sz="1800" kern="1200" dirty="0" smtClean="0">
+                      <a:endParaRPr lang="en-US" sz="1800" kern="1200" dirty="0">
                         <a:solidFill>
                           <a:schemeClr val="dk1"/>
                         </a:solidFill>
@@ -18580,7 +19123,7 @@
                     </a:p>
                     <a:p>
                       <a:r>
-                        <a:rPr lang="en-IN" sz="1800" kern="1200" dirty="0" smtClean="0">
+                        <a:rPr lang="en-IN" sz="1800" kern="1200" dirty="0">
                           <a:solidFill>
                             <a:schemeClr val="dk1"/>
                           </a:solidFill>
@@ -18602,7 +19145,7 @@
                     <a:lstStyle/>
                     <a:p>
                       <a:r>
-                        <a:rPr lang="en-US" dirty="0" err="1" smtClean="0"/>
+                        <a:rPr lang="en-US" dirty="0" err="1"/>
                         <a:t>Jemin</a:t>
                       </a:r>
                       <a:endParaRPr lang="en-US" dirty="0"/>
@@ -18616,14 +19159,18 @@
                     <a:lstStyle/>
                     <a:p>
                       <a:r>
-                        <a:rPr lang="en-US" dirty="0" smtClean="0"/>
+                        <a:rPr lang="en-US" dirty="0"/>
                         <a:t>1 day</a:t>
                       </a:r>
-                      <a:endParaRPr lang="en-US" dirty="0"/>
                     </a:p>
                   </a:txBody>
                   <a:tcPr/>
                 </a:tc>
+                <a:extLst>
+                  <a:ext uri="{0D108BD9-81ED-4DB2-BD59-A6C34878D82A}">
+                    <a16:rowId xmlns:a16="http://schemas.microsoft.com/office/drawing/2014/main" val="10005"/>
+                  </a:ext>
+                </a:extLst>
               </a:tr>
               <a:tr h="361600">
                 <a:tc>
@@ -18632,11 +19179,11 @@
                     <a:lstStyle/>
                     <a:p>
                       <a:r>
-                        <a:rPr lang="en-US" dirty="0" smtClean="0"/>
+                        <a:rPr lang="en-US" dirty="0"/>
                         <a:t>5.</a:t>
                       </a:r>
                       <a:r>
-                        <a:rPr lang="en-US" baseline="0" dirty="0" smtClean="0"/>
+                        <a:rPr lang="en-US" baseline="0" dirty="0"/>
                         <a:t> Common functions</a:t>
                       </a:r>
                       <a:endParaRPr lang="en-US" dirty="0"/>
@@ -18650,10 +19197,9 @@
                     <a:lstStyle/>
                     <a:p>
                       <a:r>
-                        <a:rPr lang="en-US" dirty="0" smtClean="0"/>
+                        <a:rPr lang="en-US" dirty="0"/>
                         <a:t>Rohan</a:t>
                       </a:r>
-                      <a:endParaRPr lang="en-US" dirty="0"/>
                     </a:p>
                   </a:txBody>
                   <a:tcPr/>
@@ -18664,11 +19210,11 @@
                     <a:lstStyle/>
                     <a:p>
                       <a:r>
-                        <a:rPr lang="en-US" dirty="0" smtClean="0"/>
+                        <a:rPr lang="en-US" dirty="0"/>
                         <a:t>5 </a:t>
                       </a:r>
                       <a:r>
-                        <a:rPr lang="en-US" dirty="0" err="1" smtClean="0"/>
+                        <a:rPr lang="en-US" dirty="0" err="1"/>
                         <a:t>hrs</a:t>
                       </a:r>
                       <a:endParaRPr lang="en-US" dirty="0"/>
@@ -18676,6 +19222,11 @@
                   </a:txBody>
                   <a:tcPr/>
                 </a:tc>
+                <a:extLst>
+                  <a:ext uri="{0D108BD9-81ED-4DB2-BD59-A6C34878D82A}">
+                    <a16:rowId xmlns:a16="http://schemas.microsoft.com/office/drawing/2014/main" val="10006"/>
+                  </a:ext>
+                </a:extLst>
               </a:tr>
             </a:tbl>
           </a:graphicData>
@@ -18706,9 +19257,27 @@
                 <a:tableStyleId>{073A0DAA-6AF3-43AB-8588-CEC1D06C72B9}</a:tableStyleId>
               </a:tblPr>
               <a:tblGrid>
-                <a:gridCol w="2817821"/>
-                <a:gridCol w="1312905"/>
-                <a:gridCol w="920156"/>
+                <a:gridCol w="2817821">
+                  <a:extLst>
+                    <a:ext uri="{9D8B030D-6E8A-4147-A177-3AD203B41FA5}">
+                      <a16:colId xmlns:a16="http://schemas.microsoft.com/office/drawing/2014/main" val="20000"/>
+                    </a:ext>
+                  </a:extLst>
+                </a:gridCol>
+                <a:gridCol w="1312905">
+                  <a:extLst>
+                    <a:ext uri="{9D8B030D-6E8A-4147-A177-3AD203B41FA5}">
+                      <a16:colId xmlns:a16="http://schemas.microsoft.com/office/drawing/2014/main" val="20001"/>
+                    </a:ext>
+                  </a:extLst>
+                </a:gridCol>
+                <a:gridCol w="920156">
+                  <a:extLst>
+                    <a:ext uri="{9D8B030D-6E8A-4147-A177-3AD203B41FA5}">
+                      <a16:colId xmlns:a16="http://schemas.microsoft.com/office/drawing/2014/main" val="20002"/>
+                    </a:ext>
+                  </a:extLst>
+                </a:gridCol>
               </a:tblGrid>
               <a:tr h="518723">
                 <a:tc gridSpan="3">
@@ -18718,13 +19287,13 @@
                     <a:p>
                       <a:pPr algn="ctr"/>
                       <a:r>
-                        <a:rPr lang="en-US" sz="2400" dirty="0" smtClean="0">
+                        <a:rPr lang="en-US" sz="2400" dirty="0">
                           <a:latin typeface="Arial Rounded MT Bold" panose="020F0704030504030204" pitchFamily="34" charset="0"/>
                         </a:rPr>
                         <a:t>User Story</a:t>
                       </a:r>
                       <a:r>
-                        <a:rPr lang="en-US" sz="2400" baseline="0" dirty="0" smtClean="0">
+                        <a:rPr lang="en-US" sz="2400" baseline="0" dirty="0">
                           <a:latin typeface="Arial Rounded MT Bold" panose="020F0704030504030204" pitchFamily="34" charset="0"/>
                         </a:rPr>
                         <a:t> 2: Registration</a:t>
@@ -18756,6 +19325,11 @@
                   </a:txBody>
                   <a:tcPr/>
                 </a:tc>
+                <a:extLst>
+                  <a:ext uri="{0D108BD9-81ED-4DB2-BD59-A6C34878D82A}">
+                    <a16:rowId xmlns:a16="http://schemas.microsoft.com/office/drawing/2014/main" val="10000"/>
+                  </a:ext>
+                </a:extLst>
               </a:tr>
               <a:tr h="345711">
                 <a:tc>
@@ -18765,10 +19339,9 @@
                     <a:p>
                       <a:pPr algn="ctr"/>
                       <a:r>
-                        <a:rPr lang="en-US" dirty="0" smtClean="0"/>
+                        <a:rPr lang="en-US" dirty="0"/>
                         <a:t>Task</a:t>
                       </a:r>
-                      <a:endParaRPr lang="en-US" dirty="0"/>
                     </a:p>
                   </a:txBody>
                   <a:tcPr/>
@@ -18793,6 +19366,11 @@
                   </a:txBody>
                   <a:tcPr/>
                 </a:tc>
+                <a:extLst>
+                  <a:ext uri="{0D108BD9-81ED-4DB2-BD59-A6C34878D82A}">
+                    <a16:rowId xmlns:a16="http://schemas.microsoft.com/office/drawing/2014/main" val="10001"/>
+                  </a:ext>
+                </a:extLst>
               </a:tr>
               <a:tr h="864278">
                 <a:tc>
@@ -18802,11 +19380,11 @@
                     <a:p>
                       <a:pPr lvl="0"/>
                       <a:r>
-                        <a:rPr lang="en-US" dirty="0" smtClean="0"/>
+                        <a:rPr lang="en-US" dirty="0"/>
                         <a:t>1. </a:t>
                       </a:r>
                       <a:r>
-                        <a:rPr lang="en-IN" sz="1800" kern="1200" dirty="0" smtClean="0">
+                        <a:rPr lang="en-IN" sz="1800" kern="1200" dirty="0">
                           <a:solidFill>
                             <a:schemeClr val="dk1"/>
                           </a:solidFill>
@@ -18817,7 +19395,7 @@
                         </a:rPr>
                         <a:t>Making the Applicant Class (Entity)</a:t>
                       </a:r>
-                      <a:endParaRPr lang="en-US" sz="1800" kern="1200" dirty="0" smtClean="0">
+                      <a:endParaRPr lang="en-US" sz="1800" kern="1200" dirty="0">
                         <a:solidFill>
                           <a:schemeClr val="dk1"/>
                         </a:solidFill>
@@ -18829,7 +19407,7 @@
                     </a:p>
                     <a:p>
                       <a:r>
-                        <a:rPr lang="en-IN" sz="1800" kern="1200" dirty="0" smtClean="0">
+                        <a:rPr lang="en-IN" sz="1800" kern="1200" dirty="0">
                           <a:solidFill>
                             <a:schemeClr val="dk1"/>
                           </a:solidFill>
@@ -18851,17 +19429,17 @@
                     <a:lstStyle/>
                     <a:p>
                       <a:r>
-                        <a:rPr lang="en-US" dirty="0" err="1" smtClean="0"/>
+                        <a:rPr lang="en-US" dirty="0" err="1"/>
                         <a:t>Jemin</a:t>
                       </a:r>
                       <a:r>
-                        <a:rPr lang="en-US" dirty="0" smtClean="0"/>
+                        <a:rPr lang="en-US" dirty="0"/>
                         <a:t>/</a:t>
                       </a:r>
                     </a:p>
                     <a:p>
                       <a:r>
-                        <a:rPr lang="en-US" dirty="0" err="1" smtClean="0"/>
+                        <a:rPr lang="en-US" dirty="0" err="1"/>
                         <a:t>Soheil</a:t>
                       </a:r>
                       <a:endParaRPr lang="en-US" dirty="0"/>
@@ -18875,11 +19453,11 @@
                     <a:lstStyle/>
                     <a:p>
                       <a:r>
-                        <a:rPr lang="en-US" dirty="0" smtClean="0"/>
+                        <a:rPr lang="en-US" dirty="0"/>
                         <a:t>2 </a:t>
                       </a:r>
                       <a:r>
-                        <a:rPr lang="en-US" dirty="0" err="1" smtClean="0"/>
+                        <a:rPr lang="en-US" dirty="0" err="1"/>
                         <a:t>hrs</a:t>
                       </a:r>
                       <a:endParaRPr lang="en-US" dirty="0"/>
@@ -18887,6 +19465,11 @@
                   </a:txBody>
                   <a:tcPr/>
                 </a:tc>
+                <a:extLst>
+                  <a:ext uri="{0D108BD9-81ED-4DB2-BD59-A6C34878D82A}">
+                    <a16:rowId xmlns:a16="http://schemas.microsoft.com/office/drawing/2014/main" val="10002"/>
+                  </a:ext>
+                </a:extLst>
               </a:tr>
               <a:tr h="604995">
                 <a:tc>
@@ -18896,11 +19479,11 @@
                     <a:p>
                       <a:pPr lvl="0"/>
                       <a:r>
-                        <a:rPr lang="en-US" dirty="0" smtClean="0"/>
+                        <a:rPr lang="en-US" dirty="0"/>
                         <a:t>2. </a:t>
                       </a:r>
                       <a:r>
-                        <a:rPr lang="en-IN" sz="1800" kern="1200" dirty="0" smtClean="0">
+                        <a:rPr lang="en-IN" sz="1800" kern="1200" dirty="0">
                           <a:solidFill>
                             <a:schemeClr val="dk1"/>
                           </a:solidFill>
@@ -18922,17 +19505,17 @@
                     <a:lstStyle/>
                     <a:p>
                       <a:r>
-                        <a:rPr lang="en-US" dirty="0" err="1" smtClean="0"/>
+                        <a:rPr lang="en-US" dirty="0" err="1"/>
                         <a:t>Jemin</a:t>
                       </a:r>
                       <a:r>
-                        <a:rPr lang="en-US" dirty="0" smtClean="0"/>
+                        <a:rPr lang="en-US" dirty="0"/>
                         <a:t>/</a:t>
                       </a:r>
                     </a:p>
                     <a:p>
                       <a:r>
-                        <a:rPr lang="en-US" dirty="0" err="1" smtClean="0"/>
+                        <a:rPr lang="en-US" dirty="0" err="1"/>
                         <a:t>Soheil</a:t>
                       </a:r>
                       <a:endParaRPr lang="en-US" dirty="0"/>
@@ -18946,11 +19529,11 @@
                     <a:lstStyle/>
                     <a:p>
                       <a:r>
-                        <a:rPr lang="en-US" dirty="0" smtClean="0"/>
+                        <a:rPr lang="en-US" dirty="0"/>
                         <a:t>4 </a:t>
                       </a:r>
                       <a:r>
-                        <a:rPr lang="en-US" dirty="0" err="1" smtClean="0"/>
+                        <a:rPr lang="en-US" dirty="0" err="1"/>
                         <a:t>hrs</a:t>
                       </a:r>
                       <a:endParaRPr lang="en-US" dirty="0"/>
@@ -18958,6 +19541,11 @@
                   </a:txBody>
                   <a:tcPr/>
                 </a:tc>
+                <a:extLst>
+                  <a:ext uri="{0D108BD9-81ED-4DB2-BD59-A6C34878D82A}">
+                    <a16:rowId xmlns:a16="http://schemas.microsoft.com/office/drawing/2014/main" val="10003"/>
+                  </a:ext>
+                </a:extLst>
               </a:tr>
               <a:tr h="604995">
                 <a:tc>
@@ -18966,11 +19554,11 @@
                     <a:lstStyle/>
                     <a:p>
                       <a:r>
-                        <a:rPr lang="en-US" dirty="0" smtClean="0"/>
+                        <a:rPr lang="en-US" dirty="0"/>
                         <a:t>3. </a:t>
                       </a:r>
                       <a:r>
-                        <a:rPr lang="en-IN" sz="1800" kern="1200" dirty="0" smtClean="0">
+                        <a:rPr lang="en-IN" sz="1800" kern="1200" dirty="0">
                           <a:solidFill>
                             <a:schemeClr val="dk1"/>
                           </a:solidFill>
@@ -18992,17 +19580,17 @@
                     <a:lstStyle/>
                     <a:p>
                       <a:r>
-                        <a:rPr lang="en-US" dirty="0" err="1" smtClean="0"/>
+                        <a:rPr lang="en-US" dirty="0" err="1"/>
                         <a:t>Jemin</a:t>
                       </a:r>
                       <a:r>
-                        <a:rPr lang="en-US" dirty="0" smtClean="0"/>
+                        <a:rPr lang="en-US" dirty="0"/>
                         <a:t>/</a:t>
                       </a:r>
                     </a:p>
                     <a:p>
                       <a:r>
-                        <a:rPr lang="en-US" dirty="0" err="1" smtClean="0"/>
+                        <a:rPr lang="en-US" dirty="0" err="1"/>
                         <a:t>Soheil</a:t>
                       </a:r>
                       <a:endParaRPr lang="en-US" dirty="0"/>
@@ -19016,11 +19604,11 @@
                     <a:lstStyle/>
                     <a:p>
                       <a:r>
-                        <a:rPr lang="en-US" dirty="0" smtClean="0"/>
+                        <a:rPr lang="en-US" dirty="0"/>
                         <a:t>3 </a:t>
                       </a:r>
                       <a:r>
-                        <a:rPr lang="en-US" dirty="0" err="1" smtClean="0"/>
+                        <a:rPr lang="en-US" dirty="0" err="1"/>
                         <a:t>hrs</a:t>
                       </a:r>
                       <a:endParaRPr lang="en-US" dirty="0"/>
@@ -19028,6 +19616,11 @@
                   </a:txBody>
                   <a:tcPr/>
                 </a:tc>
+                <a:extLst>
+                  <a:ext uri="{0D108BD9-81ED-4DB2-BD59-A6C34878D82A}">
+                    <a16:rowId xmlns:a16="http://schemas.microsoft.com/office/drawing/2014/main" val="10004"/>
+                  </a:ext>
+                </a:extLst>
               </a:tr>
               <a:tr h="864278">
                 <a:tc>
@@ -19037,11 +19630,11 @@
                     <a:p>
                       <a:pPr lvl="0"/>
                       <a:r>
-                        <a:rPr lang="en-US" dirty="0" smtClean="0"/>
+                        <a:rPr lang="en-US" dirty="0"/>
                         <a:t>4. </a:t>
                       </a:r>
                       <a:r>
-                        <a:rPr lang="en-IN" sz="1800" kern="1200" dirty="0" smtClean="0">
+                        <a:rPr lang="en-IN" sz="1800" kern="1200" dirty="0">
                           <a:solidFill>
                             <a:schemeClr val="dk1"/>
                           </a:solidFill>
@@ -19063,10 +19656,9 @@
                     <a:lstStyle/>
                     <a:p>
                       <a:r>
-                        <a:rPr lang="en-US" dirty="0" smtClean="0"/>
+                        <a:rPr lang="en-US" dirty="0"/>
                         <a:t>Rohan</a:t>
                       </a:r>
-                      <a:endParaRPr lang="en-US" dirty="0"/>
                     </a:p>
                   </a:txBody>
                   <a:tcPr/>
@@ -19077,14 +19669,18 @@
                     <a:lstStyle/>
                     <a:p>
                       <a:r>
-                        <a:rPr lang="en-US" dirty="0" smtClean="0"/>
+                        <a:rPr lang="en-US" dirty="0"/>
                         <a:t>5 day</a:t>
                       </a:r>
-                      <a:endParaRPr lang="en-US" dirty="0"/>
                     </a:p>
                   </a:txBody>
                   <a:tcPr/>
                 </a:tc>
+                <a:extLst>
+                  <a:ext uri="{0D108BD9-81ED-4DB2-BD59-A6C34878D82A}">
+                    <a16:rowId xmlns:a16="http://schemas.microsoft.com/office/drawing/2014/main" val="10005"/>
+                  </a:ext>
+                </a:extLst>
               </a:tr>
               <a:tr h="604995">
                 <a:tc>
@@ -19093,15 +19689,15 @@
                     <a:lstStyle/>
                     <a:p>
                       <a:r>
-                        <a:rPr lang="en-US" dirty="0" smtClean="0"/>
+                        <a:rPr lang="en-US" dirty="0"/>
                         <a:t>5.</a:t>
                       </a:r>
                       <a:r>
-                        <a:rPr lang="en-US" baseline="0" dirty="0" smtClean="0"/>
+                        <a:rPr lang="en-US" baseline="0" dirty="0"/>
                         <a:t> </a:t>
                       </a:r>
                       <a:r>
-                        <a:rPr lang="en-IN" sz="1800" kern="1200" dirty="0" smtClean="0">
+                        <a:rPr lang="en-IN" sz="1800" kern="1200" dirty="0">
                           <a:solidFill>
                             <a:schemeClr val="dk1"/>
                           </a:solidFill>
@@ -19123,7 +19719,7 @@
                     <a:lstStyle/>
                     <a:p>
                       <a:r>
-                        <a:rPr lang="en-US" dirty="0" err="1" smtClean="0"/>
+                        <a:rPr lang="en-US" dirty="0" err="1"/>
                         <a:t>Karthik</a:t>
                       </a:r>
                       <a:endParaRPr lang="en-US" dirty="0"/>
@@ -19137,11 +19733,11 @@
                     <a:lstStyle/>
                     <a:p>
                       <a:r>
-                        <a:rPr lang="en-US" dirty="0" smtClean="0"/>
+                        <a:rPr lang="en-US" dirty="0"/>
                         <a:t>3 </a:t>
                       </a:r>
                       <a:r>
-                        <a:rPr lang="en-US" dirty="0" err="1" smtClean="0"/>
+                        <a:rPr lang="en-US" dirty="0" err="1"/>
                         <a:t>hrs</a:t>
                       </a:r>
                       <a:endParaRPr lang="en-US" dirty="0"/>
@@ -19149,6 +19745,11 @@
                   </a:txBody>
                   <a:tcPr/>
                 </a:tc>
+                <a:extLst>
+                  <a:ext uri="{0D108BD9-81ED-4DB2-BD59-A6C34878D82A}">
+                    <a16:rowId xmlns:a16="http://schemas.microsoft.com/office/drawing/2014/main" val="10006"/>
+                  </a:ext>
+                </a:extLst>
               </a:tr>
               <a:tr h="604995">
                 <a:tc>
@@ -19158,11 +19759,11 @@
                     <a:p>
                       <a:pPr lvl="0"/>
                       <a:r>
-                        <a:rPr lang="en-US" dirty="0" smtClean="0"/>
+                        <a:rPr lang="en-US" dirty="0"/>
                         <a:t>6. </a:t>
                       </a:r>
                       <a:r>
-                        <a:rPr lang="en-IN" sz="1800" kern="1200" dirty="0" smtClean="0">
+                        <a:rPr lang="en-IN" sz="1800" kern="1200" dirty="0">
                           <a:solidFill>
                             <a:schemeClr val="dk1"/>
                           </a:solidFill>
@@ -19174,7 +19775,7 @@
                         <a:t>Testing the logic</a:t>
                       </a:r>
                       <a:r>
-                        <a:rPr lang="en-US" sz="1800" kern="1200" baseline="0" dirty="0" smtClean="0">
+                        <a:rPr lang="en-US" sz="1800" kern="1200" baseline="0" dirty="0">
                           <a:solidFill>
                             <a:schemeClr val="dk1"/>
                           </a:solidFill>
@@ -19186,7 +19787,7 @@
                         <a:t>, </a:t>
                       </a:r>
                       <a:r>
-                        <a:rPr lang="en-IN" sz="1800" kern="1200" dirty="0" smtClean="0">
+                        <a:rPr lang="en-IN" sz="1800" kern="1200" dirty="0">
                           <a:solidFill>
                             <a:schemeClr val="dk1"/>
                           </a:solidFill>
@@ -19208,7 +19809,7 @@
                     <a:lstStyle/>
                     <a:p>
                       <a:r>
-                        <a:rPr lang="en-US" dirty="0" err="1" smtClean="0"/>
+                        <a:rPr lang="en-US" dirty="0" err="1"/>
                         <a:t>Jemin</a:t>
                       </a:r>
                       <a:endParaRPr lang="en-US" dirty="0"/>
@@ -19222,14 +19823,18 @@
                     <a:lstStyle/>
                     <a:p>
                       <a:r>
-                        <a:rPr lang="en-US" dirty="0" smtClean="0"/>
+                        <a:rPr lang="en-US" dirty="0"/>
                         <a:t>1.5 days</a:t>
                       </a:r>
-                      <a:endParaRPr lang="en-US" dirty="0"/>
                     </a:p>
                   </a:txBody>
                   <a:tcPr/>
                 </a:tc>
+                <a:extLst>
+                  <a:ext uri="{0D108BD9-81ED-4DB2-BD59-A6C34878D82A}">
+                    <a16:rowId xmlns:a16="http://schemas.microsoft.com/office/drawing/2014/main" val="10007"/>
+                  </a:ext>
+                </a:extLst>
               </a:tr>
             </a:tbl>
           </a:graphicData>
@@ -19239,1351 +19844,6 @@
     <p:extLst>
       <p:ext uri="{BB962C8B-B14F-4D97-AF65-F5344CB8AC3E}">
         <p14:creationId xmlns:p14="http://schemas.microsoft.com/office/powerpoint/2010/main" val="2955846326"/>
-      </p:ext>
-    </p:extLst>
-  </p:cSld>
-  <p:clrMapOvr>
-    <a:masterClrMapping/>
-  </p:clrMapOvr>
-  <p:timing>
-    <p:tnLst>
-      <p:par>
-        <p:cTn id="1" dur="indefinite" restart="never" nodeType="tmRoot">
-          <p:childTnLst>
-            <p:seq concurrent="1" nextAc="seek">
-              <p:cTn id="2" dur="indefinite" nodeType="mainSeq">
-                <p:childTnLst>
-                  <p:par>
-                    <p:cTn id="3" fill="hold">
-                      <p:stCondLst>
-                        <p:cond delay="indefinite"/>
-                      </p:stCondLst>
-                      <p:childTnLst>
-                        <p:par>
-                          <p:cTn id="4" fill="hold">
-                            <p:stCondLst>
-                              <p:cond delay="0"/>
-                            </p:stCondLst>
-                            <p:childTnLst>
-                              <p:par>
-                                <p:cTn id="5" presetID="21" presetClass="entr" presetSubtype="1" fill="hold" nodeType="clickEffect">
-                                  <p:stCondLst>
-                                    <p:cond delay="0"/>
-                                  </p:stCondLst>
-                                  <p:childTnLst>
-                                    <p:set>
-                                      <p:cBhvr>
-                                        <p:cTn id="6" dur="1" fill="hold">
-                                          <p:stCondLst>
-                                            <p:cond delay="0"/>
-                                          </p:stCondLst>
-                                        </p:cTn>
-                                        <p:tgtEl>
-                                          <p:spTgt spid="5"/>
-                                        </p:tgtEl>
-                                        <p:attrNameLst>
-                                          <p:attrName>style.visibility</p:attrName>
-                                        </p:attrNameLst>
-                                      </p:cBhvr>
-                                      <p:to>
-                                        <p:strVal val="visible"/>
-                                      </p:to>
-                                    </p:set>
-                                    <p:animEffect transition="in" filter="wheel(1)">
-                                      <p:cBhvr>
-                                        <p:cTn id="7" dur="2000"/>
-                                        <p:tgtEl>
-                                          <p:spTgt spid="5"/>
-                                        </p:tgtEl>
-                                      </p:cBhvr>
-                                    </p:animEffect>
-                                  </p:childTnLst>
-                                </p:cTn>
-                              </p:par>
-                            </p:childTnLst>
-                          </p:cTn>
-                        </p:par>
-                      </p:childTnLst>
-                    </p:cTn>
-                  </p:par>
-                  <p:par>
-                    <p:cTn id="8" fill="hold">
-                      <p:stCondLst>
-                        <p:cond delay="indefinite"/>
-                      </p:stCondLst>
-                      <p:childTnLst>
-                        <p:par>
-                          <p:cTn id="9" fill="hold">
-                            <p:stCondLst>
-                              <p:cond delay="0"/>
-                            </p:stCondLst>
-                            <p:childTnLst>
-                              <p:par>
-                                <p:cTn id="10" presetID="21" presetClass="entr" presetSubtype="1" fill="hold" nodeType="clickEffect">
-                                  <p:stCondLst>
-                                    <p:cond delay="0"/>
-                                  </p:stCondLst>
-                                  <p:childTnLst>
-                                    <p:set>
-                                      <p:cBhvr>
-                                        <p:cTn id="11" dur="1" fill="hold">
-                                          <p:stCondLst>
-                                            <p:cond delay="0"/>
-                                          </p:stCondLst>
-                                        </p:cTn>
-                                        <p:tgtEl>
-                                          <p:spTgt spid="13"/>
-                                        </p:tgtEl>
-                                        <p:attrNameLst>
-                                          <p:attrName>style.visibility</p:attrName>
-                                        </p:attrNameLst>
-                                      </p:cBhvr>
-                                      <p:to>
-                                        <p:strVal val="visible"/>
-                                      </p:to>
-                                    </p:set>
-                                    <p:animEffect transition="in" filter="wheel(1)">
-                                      <p:cBhvr>
-                                        <p:cTn id="12" dur="2000"/>
-                                        <p:tgtEl>
-                                          <p:spTgt spid="13"/>
-                                        </p:tgtEl>
-                                      </p:cBhvr>
-                                    </p:animEffect>
-                                  </p:childTnLst>
-                                </p:cTn>
-                              </p:par>
-                            </p:childTnLst>
-                          </p:cTn>
-                        </p:par>
-                      </p:childTnLst>
-                    </p:cTn>
-                  </p:par>
-                </p:childTnLst>
-              </p:cTn>
-              <p:prevCondLst>
-                <p:cond evt="onPrev" delay="0">
-                  <p:tgtEl>
-                    <p:sldTgt/>
-                  </p:tgtEl>
-                </p:cond>
-              </p:prevCondLst>
-              <p:nextCondLst>
-                <p:cond evt="onNext" delay="0">
-                  <p:tgtEl>
-                    <p:sldTgt/>
-                  </p:tgtEl>
-                </p:cond>
-              </p:nextCondLst>
-            </p:seq>
-          </p:childTnLst>
-        </p:cTn>
-      </p:par>
-    </p:tnLst>
-  </p:timing>
-</p:sld>
-</file>
-
-<file path=ppt/slides/slide8.xml><?xml version="1.0" encoding="utf-8"?>
-<p:sld xmlns:a="http://schemas.openxmlformats.org/drawingml/2006/main" xmlns:r="http://schemas.openxmlformats.org/officeDocument/2006/relationships" xmlns:p="http://schemas.openxmlformats.org/presentationml/2006/main">
-  <p:cSld>
-    <p:spTree>
-      <p:nvGrpSpPr>
-        <p:cNvPr id="1" name=""/>
-        <p:cNvGrpSpPr/>
-        <p:nvPr/>
-      </p:nvGrpSpPr>
-      <p:grpSpPr>
-        <a:xfrm>
-          <a:off x="0" y="0"/>
-          <a:ext cx="0" cy="0"/>
-          <a:chOff x="0" y="0"/>
-          <a:chExt cx="0" cy="0"/>
-        </a:xfrm>
-      </p:grpSpPr>
-      <p:pic>
-        <p:nvPicPr>
-          <p:cNvPr id="4" name="Content Placeholder 3"/>
-          <p:cNvPicPr>
-            <a:picLocks noGrp="1" noChangeAspect="1"/>
-          </p:cNvPicPr>
-          <p:nvPr>
-            <p:ph idx="1"/>
-          </p:nvPr>
-        </p:nvPicPr>
-        <p:blipFill>
-          <a:blip r:embed="rId3">
-            <a:extLst>
-              <a:ext uri="{28A0092B-C50C-407E-A947-70E740481C1C}">
-                <a14:useLocalDpi xmlns:a14="http://schemas.microsoft.com/office/drawing/2010/main" val="0"/>
-              </a:ext>
-            </a:extLst>
-          </a:blip>
-          <a:stretch>
-            <a:fillRect/>
-          </a:stretch>
-        </p:blipFill>
-        <p:spPr>
-          <a:xfrm>
-            <a:off x="0" y="0"/>
-            <a:ext cx="1344706" cy="6858000"/>
-          </a:xfrm>
-        </p:spPr>
-      </p:pic>
-      <p:sp>
-        <p:nvSpPr>
-          <p:cNvPr id="2" name="Title 1"/>
-          <p:cNvSpPr>
-            <a:spLocks noGrp="1"/>
-          </p:cNvSpPr>
-          <p:nvPr>
-            <p:ph type="title"/>
-          </p:nvPr>
-        </p:nvSpPr>
-        <p:spPr/>
-        <p:txBody>
-          <a:bodyPr/>
-          <a:lstStyle/>
-          <a:p>
-            <a:pPr algn="ctr"/>
-            <a:r>
-              <a:rPr lang="en-US" dirty="0" smtClean="0">
-                <a:latin typeface="Arial Rounded MT Bold" panose="020F0704030504030204" pitchFamily="34" charset="0"/>
-              </a:rPr>
-              <a:t>Tasks/</a:t>
-            </a:r>
-            <a:r>
-              <a:rPr lang="en-US" dirty="0" err="1" smtClean="0">
-                <a:latin typeface="Arial Rounded MT Bold" panose="020F0704030504030204" pitchFamily="34" charset="0"/>
-              </a:rPr>
-              <a:t>BigBoard</a:t>
-            </a:r>
-            <a:r>
-              <a:rPr lang="en-US" dirty="0" smtClean="0">
-                <a:latin typeface="Arial Rounded MT Bold" panose="020F0704030504030204" pitchFamily="34" charset="0"/>
-              </a:rPr>
-              <a:t>(cont.)</a:t>
-            </a:r>
-            <a:endParaRPr lang="en-US" dirty="0">
-              <a:latin typeface="Arial Rounded MT Bold" panose="020F0704030504030204" pitchFamily="34" charset="0"/>
-            </a:endParaRPr>
-          </a:p>
-        </p:txBody>
-      </p:sp>
-      <p:sp>
-        <p:nvSpPr>
-          <p:cNvPr id="7" name="Rounded Rectangular Callout 6"/>
-          <p:cNvSpPr/>
-          <p:nvPr/>
-        </p:nvSpPr>
-        <p:spPr>
-          <a:xfrm>
-            <a:off x="557378" y="1837664"/>
-            <a:ext cx="360381" cy="268941"/>
-          </a:xfrm>
-          <a:prstGeom prst="wedgeRoundRectCallout">
-            <a:avLst/>
-          </a:prstGeom>
-          <a:solidFill>
-            <a:schemeClr val="bg1"/>
-          </a:solidFill>
-        </p:spPr>
-        <p:style>
-          <a:lnRef idx="2">
-            <a:schemeClr val="accent1">
-              <a:shade val="50000"/>
-            </a:schemeClr>
-          </a:lnRef>
-          <a:fillRef idx="1">
-            <a:schemeClr val="accent1"/>
-          </a:fillRef>
-          <a:effectRef idx="0">
-            <a:schemeClr val="accent1"/>
-          </a:effectRef>
-          <a:fontRef idx="minor">
-            <a:schemeClr val="lt1"/>
-          </a:fontRef>
-        </p:style>
-        <p:txBody>
-          <a:bodyPr rtlCol="0" anchor="ctr"/>
-          <a:lstStyle/>
-          <a:p>
-            <a:pPr algn="ctr"/>
-            <a:endParaRPr lang="en-US"/>
-          </a:p>
-        </p:txBody>
-      </p:sp>
-      <p:sp>
-        <p:nvSpPr>
-          <p:cNvPr id="8" name="Rounded Rectangular Callout 7"/>
-          <p:cNvSpPr/>
-          <p:nvPr/>
-        </p:nvSpPr>
-        <p:spPr>
-          <a:xfrm>
-            <a:off x="453609" y="1768042"/>
-            <a:ext cx="360381" cy="268941"/>
-          </a:xfrm>
-          <a:prstGeom prst="wedgeRoundRectCallout">
-            <a:avLst/>
-          </a:prstGeom>
-          <a:solidFill>
-            <a:schemeClr val="bg1"/>
-          </a:solidFill>
-        </p:spPr>
-        <p:style>
-          <a:lnRef idx="2">
-            <a:schemeClr val="accent1">
-              <a:shade val="50000"/>
-            </a:schemeClr>
-          </a:lnRef>
-          <a:fillRef idx="1">
-            <a:schemeClr val="accent1"/>
-          </a:fillRef>
-          <a:effectRef idx="0">
-            <a:schemeClr val="accent1"/>
-          </a:effectRef>
-          <a:fontRef idx="minor">
-            <a:schemeClr val="lt1"/>
-          </a:fontRef>
-        </p:style>
-        <p:txBody>
-          <a:bodyPr rtlCol="0" anchor="ctr"/>
-          <a:lstStyle/>
-          <a:p>
-            <a:pPr algn="ctr"/>
-            <a:endParaRPr lang="en-US">
-              <a:solidFill>
-                <a:schemeClr val="bg1"/>
-              </a:solidFill>
-            </a:endParaRPr>
-          </a:p>
-        </p:txBody>
-      </p:sp>
-      <p:sp>
-        <p:nvSpPr>
-          <p:cNvPr id="10" name="Rounded Rectangular Callout 9"/>
-          <p:cNvSpPr/>
-          <p:nvPr/>
-        </p:nvSpPr>
-        <p:spPr>
-          <a:xfrm>
-            <a:off x="552667" y="5002609"/>
-            <a:ext cx="360381" cy="268941"/>
-          </a:xfrm>
-          <a:prstGeom prst="wedgeRoundRectCallout">
-            <a:avLst/>
-          </a:prstGeom>
-          <a:solidFill>
-            <a:schemeClr val="bg1"/>
-          </a:solidFill>
-        </p:spPr>
-        <p:style>
-          <a:lnRef idx="2">
-            <a:schemeClr val="accent1">
-              <a:shade val="50000"/>
-            </a:schemeClr>
-          </a:lnRef>
-          <a:fillRef idx="1">
-            <a:schemeClr val="accent1"/>
-          </a:fillRef>
-          <a:effectRef idx="0">
-            <a:schemeClr val="accent1"/>
-          </a:effectRef>
-          <a:fontRef idx="minor">
-            <a:schemeClr val="lt1"/>
-          </a:fontRef>
-        </p:style>
-        <p:txBody>
-          <a:bodyPr rtlCol="0" anchor="ctr"/>
-          <a:lstStyle/>
-          <a:p>
-            <a:pPr algn="ctr"/>
-            <a:endParaRPr lang="en-US">
-              <a:solidFill>
-                <a:schemeClr val="bg1"/>
-              </a:solidFill>
-            </a:endParaRPr>
-          </a:p>
-        </p:txBody>
-      </p:sp>
-      <p:sp>
-        <p:nvSpPr>
-          <p:cNvPr id="11" name="Rounded Rectangular Callout 10"/>
-          <p:cNvSpPr/>
-          <p:nvPr/>
-        </p:nvSpPr>
-        <p:spPr>
-          <a:xfrm>
-            <a:off x="552668" y="3416159"/>
-            <a:ext cx="360381" cy="268941"/>
-          </a:xfrm>
-          <a:prstGeom prst="wedgeRoundRectCallout">
-            <a:avLst/>
-          </a:prstGeom>
-          <a:solidFill>
-            <a:schemeClr val="bg1"/>
-          </a:solidFill>
-        </p:spPr>
-        <p:style>
-          <a:lnRef idx="2">
-            <a:schemeClr val="accent1">
-              <a:shade val="50000"/>
-            </a:schemeClr>
-          </a:lnRef>
-          <a:fillRef idx="1">
-            <a:schemeClr val="accent1"/>
-          </a:fillRef>
-          <a:effectRef idx="0">
-            <a:schemeClr val="accent1"/>
-          </a:effectRef>
-          <a:fontRef idx="minor">
-            <a:schemeClr val="lt1"/>
-          </a:fontRef>
-        </p:style>
-        <p:txBody>
-          <a:bodyPr rtlCol="0" anchor="ctr"/>
-          <a:lstStyle/>
-          <a:p>
-            <a:pPr algn="ctr"/>
-            <a:endParaRPr lang="en-US">
-              <a:solidFill>
-                <a:schemeClr val="bg1"/>
-              </a:solidFill>
-            </a:endParaRPr>
-          </a:p>
-        </p:txBody>
-      </p:sp>
-      <p:sp>
-        <p:nvSpPr>
-          <p:cNvPr id="9" name="Rounded Rectangular Callout 8"/>
-          <p:cNvSpPr/>
-          <p:nvPr/>
-        </p:nvSpPr>
-        <p:spPr>
-          <a:xfrm>
-            <a:off x="453608" y="3351310"/>
-            <a:ext cx="360381" cy="268941"/>
-          </a:xfrm>
-          <a:prstGeom prst="wedgeRoundRectCallout">
-            <a:avLst/>
-          </a:prstGeom>
-          <a:solidFill>
-            <a:schemeClr val="bg1"/>
-          </a:solidFill>
-        </p:spPr>
-        <p:style>
-          <a:lnRef idx="2">
-            <a:schemeClr val="accent1">
-              <a:shade val="50000"/>
-            </a:schemeClr>
-          </a:lnRef>
-          <a:fillRef idx="1">
-            <a:schemeClr val="accent1"/>
-          </a:fillRef>
-          <a:effectRef idx="0">
-            <a:schemeClr val="accent1"/>
-          </a:effectRef>
-          <a:fontRef idx="minor">
-            <a:schemeClr val="lt1"/>
-          </a:fontRef>
-        </p:style>
-        <p:txBody>
-          <a:bodyPr rtlCol="0" anchor="ctr"/>
-          <a:lstStyle/>
-          <a:p>
-            <a:pPr algn="ctr"/>
-            <a:endParaRPr lang="en-US">
-              <a:solidFill>
-                <a:schemeClr val="bg1"/>
-              </a:solidFill>
-            </a:endParaRPr>
-          </a:p>
-        </p:txBody>
-      </p:sp>
-      <p:sp>
-        <p:nvSpPr>
-          <p:cNvPr id="12" name="Rounded Rectangular Callout 11"/>
-          <p:cNvSpPr/>
-          <p:nvPr/>
-        </p:nvSpPr>
-        <p:spPr>
-          <a:xfrm>
-            <a:off x="453607" y="4937760"/>
-            <a:ext cx="360381" cy="268941"/>
-          </a:xfrm>
-          <a:prstGeom prst="wedgeRoundRectCallout">
-            <a:avLst/>
-          </a:prstGeom>
-          <a:solidFill>
-            <a:schemeClr val="bg1"/>
-          </a:solidFill>
-        </p:spPr>
-        <p:style>
-          <a:lnRef idx="2">
-            <a:schemeClr val="accent1">
-              <a:shade val="50000"/>
-            </a:schemeClr>
-          </a:lnRef>
-          <a:fillRef idx="1">
-            <a:schemeClr val="accent1"/>
-          </a:fillRef>
-          <a:effectRef idx="0">
-            <a:schemeClr val="accent1"/>
-          </a:effectRef>
-          <a:fontRef idx="minor">
-            <a:schemeClr val="lt1"/>
-          </a:fontRef>
-        </p:style>
-        <p:txBody>
-          <a:bodyPr rtlCol="0" anchor="ctr"/>
-          <a:lstStyle/>
-          <a:p>
-            <a:pPr algn="ctr"/>
-            <a:endParaRPr lang="en-US">
-              <a:solidFill>
-                <a:schemeClr val="bg1"/>
-              </a:solidFill>
-            </a:endParaRPr>
-          </a:p>
-        </p:txBody>
-      </p:sp>
-      <p:graphicFrame>
-        <p:nvGraphicFramePr>
-          <p:cNvPr id="5" name="Table 4"/>
-          <p:cNvGraphicFramePr>
-            <a:graphicFrameLocks noGrp="1"/>
-          </p:cNvGraphicFramePr>
-          <p:nvPr>
-            <p:extLst>
-              <p:ext uri="{D42A27DB-BD31-4B8C-83A1-F6EECF244321}">
-                <p14:modId xmlns:p14="http://schemas.microsoft.com/office/powerpoint/2010/main" val="2131232912"/>
-              </p:ext>
-            </p:extLst>
-          </p:nvPr>
-        </p:nvGraphicFramePr>
-        <p:xfrm>
-          <a:off x="1709146" y="1501416"/>
-          <a:ext cx="4735198" cy="5025266"/>
-        </p:xfrm>
-        <a:graphic>
-          <a:graphicData uri="http://schemas.openxmlformats.org/drawingml/2006/table">
-            <a:tbl>
-              <a:tblPr firstRow="1" bandRow="1">
-                <a:tableStyleId>{073A0DAA-6AF3-43AB-8588-CEC1D06C72B9}</a:tableStyleId>
-              </a:tblPr>
-              <a:tblGrid>
-                <a:gridCol w="2641704"/>
-                <a:gridCol w="1230848"/>
-                <a:gridCol w="862646"/>
-              </a:tblGrid>
-              <a:tr h="864180">
-                <a:tc gridSpan="3">
-                  <a:txBody>
-                    <a:bodyPr/>
-                    <a:lstStyle/>
-                    <a:p>
-                      <a:pPr algn="ctr"/>
-                      <a:r>
-                        <a:rPr lang="en-US" sz="2400" dirty="0" smtClean="0">
-                          <a:latin typeface="Arial Rounded MT Bold" panose="020F0704030504030204" pitchFamily="34" charset="0"/>
-                        </a:rPr>
-                        <a:t>User Story</a:t>
-                      </a:r>
-                      <a:r>
-                        <a:rPr lang="en-US" sz="2400" baseline="0" dirty="0" smtClean="0">
-                          <a:latin typeface="Arial Rounded MT Bold" panose="020F0704030504030204" pitchFamily="34" charset="0"/>
-                        </a:rPr>
-                        <a:t> 3: Application status</a:t>
-                      </a:r>
-                      <a:endParaRPr lang="en-US" sz="2400" dirty="0">
-                        <a:latin typeface="Arial Rounded MT Bold" panose="020F0704030504030204" pitchFamily="34" charset="0"/>
-                      </a:endParaRPr>
-                    </a:p>
-                  </a:txBody>
-                  <a:tcPr/>
-                </a:tc>
-                <a:tc hMerge="1">
-                  <a:txBody>
-                    <a:bodyPr/>
-                    <a:lstStyle/>
-                    <a:p>
-                      <a:endParaRPr lang="en-US" dirty="0"/>
-                    </a:p>
-                  </a:txBody>
-                  <a:tcPr/>
-                </a:tc>
-                <a:tc hMerge="1">
-                  <a:txBody>
-                    <a:bodyPr/>
-                    <a:lstStyle/>
-                    <a:p>
-                      <a:endParaRPr lang="en-US" dirty="0"/>
-                    </a:p>
-                  </a:txBody>
-                  <a:tcPr/>
-                </a:tc>
-              </a:tr>
-              <a:tr h="376733">
-                <a:tc>
-                  <a:txBody>
-                    <a:bodyPr/>
-                    <a:lstStyle/>
-                    <a:p>
-                      <a:pPr algn="ctr"/>
-                      <a:r>
-                        <a:rPr lang="en-US" dirty="0" smtClean="0"/>
-                        <a:t>Task</a:t>
-                      </a:r>
-                      <a:endParaRPr lang="en-US" dirty="0"/>
-                    </a:p>
-                  </a:txBody>
-                  <a:tcPr/>
-                </a:tc>
-                <a:tc>
-                  <a:txBody>
-                    <a:bodyPr/>
-                    <a:lstStyle/>
-                    <a:p>
-                      <a:endParaRPr lang="en-US" dirty="0"/>
-                    </a:p>
-                  </a:txBody>
-                  <a:tcPr/>
-                </a:tc>
-                <a:tc>
-                  <a:txBody>
-                    <a:bodyPr/>
-                    <a:lstStyle/>
-                    <a:p>
-                      <a:endParaRPr lang="en-US" dirty="0"/>
-                    </a:p>
-                  </a:txBody>
-                  <a:tcPr/>
-                </a:tc>
-              </a:tr>
-              <a:tr h="941832">
-                <a:tc>
-                  <a:txBody>
-                    <a:bodyPr/>
-                    <a:lstStyle/>
-                    <a:p>
-                      <a:pPr lvl="0"/>
-                      <a:r>
-                        <a:rPr lang="en-US" dirty="0" smtClean="0"/>
-                        <a:t>1. </a:t>
-                      </a:r>
-                      <a:r>
-                        <a:rPr lang="en-IN" sz="1800" kern="1200" dirty="0" smtClean="0">
-                          <a:solidFill>
-                            <a:schemeClr val="dk1"/>
-                          </a:solidFill>
-                          <a:effectLst/>
-                          <a:latin typeface="+mn-lt"/>
-                          <a:ea typeface="+mn-ea"/>
-                          <a:cs typeface="+mn-cs"/>
-                        </a:rPr>
-                        <a:t>Creating the Common functions for reading/writing/updating the application status</a:t>
-                      </a:r>
-                      <a:endParaRPr lang="en-US" dirty="0"/>
-                    </a:p>
-                  </a:txBody>
-                  <a:tcPr/>
-                </a:tc>
-                <a:tc>
-                  <a:txBody>
-                    <a:bodyPr/>
-                    <a:lstStyle/>
-                    <a:p>
-                      <a:r>
-                        <a:rPr lang="en-US" dirty="0" smtClean="0"/>
-                        <a:t>Rohan</a:t>
-                      </a:r>
-                      <a:endParaRPr lang="en-US" dirty="0"/>
-                    </a:p>
-                  </a:txBody>
-                  <a:tcPr/>
-                </a:tc>
-                <a:tc>
-                  <a:txBody>
-                    <a:bodyPr/>
-                    <a:lstStyle/>
-                    <a:p>
-                      <a:r>
-                        <a:rPr lang="en-US" dirty="0" smtClean="0"/>
-                        <a:t>5 </a:t>
-                      </a:r>
-                      <a:r>
-                        <a:rPr lang="en-US" dirty="0" err="1" smtClean="0"/>
-                        <a:t>hrs</a:t>
-                      </a:r>
-                      <a:endParaRPr lang="en-US" dirty="0"/>
-                    </a:p>
-                  </a:txBody>
-                  <a:tcPr/>
-                </a:tc>
-              </a:tr>
-              <a:tr h="1224381">
-                <a:tc>
-                  <a:txBody>
-                    <a:bodyPr/>
-                    <a:lstStyle/>
-                    <a:p>
-                      <a:pPr lvl="0"/>
-                      <a:r>
-                        <a:rPr lang="en-US" dirty="0" smtClean="0"/>
-                        <a:t>2. </a:t>
-                      </a:r>
-                      <a:r>
-                        <a:rPr lang="en-IN" sz="1800" kern="1200" dirty="0" smtClean="0">
-                          <a:solidFill>
-                            <a:schemeClr val="dk1"/>
-                          </a:solidFill>
-                          <a:effectLst/>
-                          <a:latin typeface="+mn-lt"/>
-                          <a:ea typeface="+mn-ea"/>
-                          <a:cs typeface="+mn-cs"/>
-                        </a:rPr>
-                        <a:t>Making the logic </a:t>
-                      </a:r>
-                      <a:endParaRPr lang="en-US" sz="1800" kern="1200" dirty="0" smtClean="0">
-                        <a:solidFill>
-                          <a:schemeClr val="dk1"/>
-                        </a:solidFill>
-                        <a:effectLst/>
-                        <a:latin typeface="+mn-lt"/>
-                        <a:ea typeface="+mn-ea"/>
-                        <a:cs typeface="+mn-cs"/>
-                      </a:endParaRPr>
-                    </a:p>
-                    <a:p>
-                      <a:r>
-                        <a:rPr lang="en-IN" sz="1800" kern="1200" dirty="0" smtClean="0">
-                          <a:solidFill>
-                            <a:schemeClr val="dk1"/>
-                          </a:solidFill>
-                          <a:effectLst/>
-                          <a:latin typeface="+mn-lt"/>
-                          <a:ea typeface="+mn-ea"/>
-                          <a:cs typeface="+mn-cs"/>
-                        </a:rPr>
-                        <a:t>Reading from the file and adding constraints for Age, Registration, Date Windows, Check Clearing</a:t>
-                      </a:r>
-                      <a:endParaRPr lang="en-US" dirty="0"/>
-                    </a:p>
-                  </a:txBody>
-                  <a:tcPr/>
-                </a:tc>
-                <a:tc>
-                  <a:txBody>
-                    <a:bodyPr/>
-                    <a:lstStyle/>
-                    <a:p>
-                      <a:r>
-                        <a:rPr lang="en-US" dirty="0" smtClean="0"/>
-                        <a:t>Rohan</a:t>
-                      </a:r>
-                      <a:endParaRPr lang="en-US" dirty="0"/>
-                    </a:p>
-                  </a:txBody>
-                  <a:tcPr/>
-                </a:tc>
-                <a:tc>
-                  <a:txBody>
-                    <a:bodyPr/>
-                    <a:lstStyle/>
-                    <a:p>
-                      <a:r>
-                        <a:rPr lang="en-US" dirty="0" smtClean="0"/>
-                        <a:t>2</a:t>
-                      </a:r>
-                      <a:r>
-                        <a:rPr lang="en-US" baseline="0" dirty="0" smtClean="0"/>
-                        <a:t> days</a:t>
-                      </a:r>
-                      <a:endParaRPr lang="en-US" dirty="0"/>
-                    </a:p>
-                  </a:txBody>
-                  <a:tcPr/>
-                </a:tc>
-              </a:tr>
-              <a:tr h="473311">
-                <a:tc>
-                  <a:txBody>
-                    <a:bodyPr/>
-                    <a:lstStyle/>
-                    <a:p>
-                      <a:r>
-                        <a:rPr lang="en-US" dirty="0" smtClean="0"/>
-                        <a:t>3. </a:t>
-                      </a:r>
-                      <a:r>
-                        <a:rPr lang="en-IN" sz="1800" kern="1200" dirty="0" smtClean="0">
-                          <a:solidFill>
-                            <a:schemeClr val="dk1"/>
-                          </a:solidFill>
-                          <a:effectLst/>
-                          <a:latin typeface="+mn-lt"/>
-                          <a:ea typeface="+mn-ea"/>
-                          <a:cs typeface="+mn-cs"/>
-                        </a:rPr>
-                        <a:t>Connecting to the UI</a:t>
-                      </a:r>
-                      <a:endParaRPr lang="en-US" dirty="0"/>
-                    </a:p>
-                  </a:txBody>
-                  <a:tcPr/>
-                </a:tc>
-                <a:tc>
-                  <a:txBody>
-                    <a:bodyPr/>
-                    <a:lstStyle/>
-                    <a:p>
-                      <a:r>
-                        <a:rPr lang="en-US" dirty="0" err="1" smtClean="0"/>
-                        <a:t>Karthik</a:t>
-                      </a:r>
-                      <a:endParaRPr lang="en-US" dirty="0"/>
-                    </a:p>
-                  </a:txBody>
-                  <a:tcPr/>
-                </a:tc>
-                <a:tc>
-                  <a:txBody>
-                    <a:bodyPr/>
-                    <a:lstStyle/>
-                    <a:p>
-                      <a:r>
-                        <a:rPr lang="en-US" dirty="0" smtClean="0"/>
-                        <a:t>1 day</a:t>
-                      </a:r>
-                      <a:endParaRPr lang="en-US" dirty="0"/>
-                    </a:p>
-                  </a:txBody>
-                  <a:tcPr/>
-                </a:tc>
-              </a:tr>
-              <a:tr h="659282">
-                <a:tc>
-                  <a:txBody>
-                    <a:bodyPr/>
-                    <a:lstStyle/>
-                    <a:p>
-                      <a:pPr lvl="0"/>
-                      <a:r>
-                        <a:rPr lang="en-US" dirty="0" smtClean="0"/>
-                        <a:t>4. </a:t>
-                      </a:r>
-                      <a:r>
-                        <a:rPr lang="en-IN" sz="1800" kern="1200" dirty="0" smtClean="0">
-                          <a:solidFill>
-                            <a:schemeClr val="dk1"/>
-                          </a:solidFill>
-                          <a:effectLst/>
-                          <a:latin typeface="+mn-lt"/>
-                          <a:ea typeface="+mn-ea"/>
-                          <a:cs typeface="+mn-cs"/>
-                        </a:rPr>
-                        <a:t>Testing the logic</a:t>
-                      </a:r>
-                      <a:endParaRPr lang="en-US" sz="1800" kern="1200" dirty="0" smtClean="0">
-                        <a:solidFill>
-                          <a:schemeClr val="dk1"/>
-                        </a:solidFill>
-                        <a:effectLst/>
-                        <a:latin typeface="+mn-lt"/>
-                        <a:ea typeface="+mn-ea"/>
-                        <a:cs typeface="+mn-cs"/>
-                      </a:endParaRPr>
-                    </a:p>
-                    <a:p>
-                      <a:r>
-                        <a:rPr lang="en-IN" sz="1800" kern="1200" dirty="0" smtClean="0">
-                          <a:solidFill>
-                            <a:schemeClr val="dk1"/>
-                          </a:solidFill>
-                          <a:effectLst/>
-                          <a:latin typeface="+mn-lt"/>
-                          <a:ea typeface="+mn-ea"/>
-                          <a:cs typeface="+mn-cs"/>
-                        </a:rPr>
-                        <a:t>Testing the UI</a:t>
-                      </a:r>
-                      <a:endParaRPr lang="en-US" dirty="0"/>
-                    </a:p>
-                  </a:txBody>
-                  <a:tcPr/>
-                </a:tc>
-                <a:tc>
-                  <a:txBody>
-                    <a:bodyPr/>
-                    <a:lstStyle/>
-                    <a:p>
-                      <a:r>
-                        <a:rPr lang="en-US" dirty="0" err="1" smtClean="0"/>
-                        <a:t>Jemin</a:t>
-                      </a:r>
-                      <a:r>
-                        <a:rPr lang="en-US" dirty="0" smtClean="0"/>
-                        <a:t>/</a:t>
-                      </a:r>
-                    </a:p>
-                    <a:p>
-                      <a:r>
-                        <a:rPr lang="en-US" dirty="0" err="1" smtClean="0"/>
-                        <a:t>Soheil</a:t>
-                      </a:r>
-                      <a:endParaRPr lang="en-US" dirty="0"/>
-                    </a:p>
-                  </a:txBody>
-                  <a:tcPr/>
-                </a:tc>
-                <a:tc>
-                  <a:txBody>
-                    <a:bodyPr/>
-                    <a:lstStyle/>
-                    <a:p>
-                      <a:r>
-                        <a:rPr lang="en-US" dirty="0" smtClean="0"/>
-                        <a:t>3 days</a:t>
-                      </a:r>
-                      <a:endParaRPr lang="en-US" dirty="0"/>
-                    </a:p>
-                  </a:txBody>
-                  <a:tcPr/>
-                </a:tc>
-              </a:tr>
-            </a:tbl>
-          </a:graphicData>
-        </a:graphic>
-      </p:graphicFrame>
-      <p:graphicFrame>
-        <p:nvGraphicFramePr>
-          <p:cNvPr id="13" name="Table 12"/>
-          <p:cNvGraphicFramePr>
-            <a:graphicFrameLocks noGrp="1"/>
-          </p:cNvGraphicFramePr>
-          <p:nvPr>
-            <p:extLst>
-              <p:ext uri="{D42A27DB-BD31-4B8C-83A1-F6EECF244321}">
-                <p14:modId xmlns:p14="http://schemas.microsoft.com/office/powerpoint/2010/main" val="4228831456"/>
-              </p:ext>
-            </p:extLst>
-          </p:nvPr>
-        </p:nvGraphicFramePr>
-        <p:xfrm>
-          <a:off x="6847203" y="1473595"/>
-          <a:ext cx="5050882" cy="5063691"/>
-        </p:xfrm>
-        <a:graphic>
-          <a:graphicData uri="http://schemas.openxmlformats.org/drawingml/2006/table">
-            <a:tbl>
-              <a:tblPr firstRow="1" bandRow="1">
-                <a:tableStyleId>{073A0DAA-6AF3-43AB-8588-CEC1D06C72B9}</a:tableStyleId>
-              </a:tblPr>
-              <a:tblGrid>
-                <a:gridCol w="2817821"/>
-                <a:gridCol w="1312905"/>
-                <a:gridCol w="920156"/>
-              </a:tblGrid>
-              <a:tr h="566225">
-                <a:tc gridSpan="3">
-                  <a:txBody>
-                    <a:bodyPr/>
-                    <a:lstStyle/>
-                    <a:p>
-                      <a:pPr algn="ctr"/>
-                      <a:r>
-                        <a:rPr lang="en-US" sz="2400" dirty="0" smtClean="0">
-                          <a:latin typeface="Arial Rounded MT Bold" panose="020F0704030504030204" pitchFamily="34" charset="0"/>
-                        </a:rPr>
-                        <a:t>User Story</a:t>
-                      </a:r>
-                      <a:r>
-                        <a:rPr lang="en-US" sz="2400" baseline="0" dirty="0" smtClean="0">
-                          <a:latin typeface="Arial Rounded MT Bold" panose="020F0704030504030204" pitchFamily="34" charset="0"/>
-                        </a:rPr>
-                        <a:t> 5: Check-In</a:t>
-                      </a:r>
-                      <a:endParaRPr lang="en-US" sz="2400" dirty="0">
-                        <a:latin typeface="Arial Rounded MT Bold" panose="020F0704030504030204" pitchFamily="34" charset="0"/>
-                      </a:endParaRPr>
-                    </a:p>
-                  </a:txBody>
-                  <a:tcPr/>
-                </a:tc>
-                <a:tc hMerge="1">
-                  <a:txBody>
-                    <a:bodyPr/>
-                    <a:lstStyle/>
-                    <a:p>
-                      <a:endParaRPr lang="en-US" dirty="0"/>
-                    </a:p>
-                  </a:txBody>
-                  <a:tcPr/>
-                </a:tc>
-                <a:tc hMerge="1">
-                  <a:txBody>
-                    <a:bodyPr/>
-                    <a:lstStyle/>
-                    <a:p>
-                      <a:endParaRPr lang="en-US" dirty="0"/>
-                    </a:p>
-                  </a:txBody>
-                  <a:tcPr/>
-                </a:tc>
-              </a:tr>
-              <a:tr h="399254">
-                <a:tc>
-                  <a:txBody>
-                    <a:bodyPr/>
-                    <a:lstStyle/>
-                    <a:p>
-                      <a:pPr algn="ctr"/>
-                      <a:r>
-                        <a:rPr lang="en-US" dirty="0" smtClean="0"/>
-                        <a:t>Task</a:t>
-                      </a:r>
-                      <a:endParaRPr lang="en-US" dirty="0"/>
-                    </a:p>
-                  </a:txBody>
-                  <a:tcPr/>
-                </a:tc>
-                <a:tc>
-                  <a:txBody>
-                    <a:bodyPr/>
-                    <a:lstStyle/>
-                    <a:p>
-                      <a:endParaRPr lang="en-US" dirty="0"/>
-                    </a:p>
-                  </a:txBody>
-                  <a:tcPr/>
-                </a:tc>
-                <a:tc>
-                  <a:txBody>
-                    <a:bodyPr/>
-                    <a:lstStyle/>
-                    <a:p>
-                      <a:endParaRPr lang="en-US" dirty="0"/>
-                    </a:p>
-                  </a:txBody>
-                  <a:tcPr/>
-                </a:tc>
-              </a:tr>
-              <a:tr h="1294726">
-                <a:tc>
-                  <a:txBody>
-                    <a:bodyPr/>
-                    <a:lstStyle/>
-                    <a:p>
-                      <a:pPr lvl="0"/>
-                      <a:r>
-                        <a:rPr lang="en-US" dirty="0" smtClean="0"/>
-                        <a:t>1. </a:t>
-                      </a:r>
-                      <a:r>
-                        <a:rPr lang="en-IN" sz="1800" kern="1200" dirty="0" smtClean="0">
-                          <a:solidFill>
-                            <a:schemeClr val="dk1"/>
-                          </a:solidFill>
-                          <a:effectLst/>
-                          <a:latin typeface="+mn-lt"/>
-                          <a:ea typeface="+mn-ea"/>
-                          <a:cs typeface="+mn-cs"/>
-                        </a:rPr>
-                        <a:t>Creating the Common functions for reading/writing/updating the Check-In </a:t>
-                      </a:r>
-                      <a:endParaRPr lang="en-US" dirty="0"/>
-                    </a:p>
-                  </a:txBody>
-                  <a:tcPr/>
-                </a:tc>
-                <a:tc>
-                  <a:txBody>
-                    <a:bodyPr/>
-                    <a:lstStyle/>
-                    <a:p>
-                      <a:r>
-                        <a:rPr lang="en-US" dirty="0" smtClean="0"/>
-                        <a:t>Rohan</a:t>
-                      </a:r>
-                      <a:endParaRPr lang="en-US" dirty="0"/>
-                    </a:p>
-                  </a:txBody>
-                  <a:tcPr/>
-                </a:tc>
-                <a:tc>
-                  <a:txBody>
-                    <a:bodyPr/>
-                    <a:lstStyle/>
-                    <a:p>
-                      <a:r>
-                        <a:rPr lang="en-US" dirty="0" smtClean="0"/>
-                        <a:t>5 </a:t>
-                      </a:r>
-                      <a:r>
-                        <a:rPr lang="en-US" dirty="0" err="1" smtClean="0"/>
-                        <a:t>hrs</a:t>
-                      </a:r>
-                      <a:endParaRPr lang="en-US" dirty="0"/>
-                    </a:p>
-                  </a:txBody>
-                  <a:tcPr/>
-                </a:tc>
-              </a:tr>
-              <a:tr h="698695">
-                <a:tc>
-                  <a:txBody>
-                    <a:bodyPr/>
-                    <a:lstStyle/>
-                    <a:p>
-                      <a:pPr lvl="0"/>
-                      <a:r>
-                        <a:rPr lang="en-US" dirty="0" smtClean="0"/>
-                        <a:t>2. </a:t>
-                      </a:r>
-                      <a:r>
-                        <a:rPr lang="en-IN" sz="1800" kern="1200" dirty="0" smtClean="0">
-                          <a:solidFill>
-                            <a:schemeClr val="dk1"/>
-                          </a:solidFill>
-                          <a:effectLst/>
-                          <a:latin typeface="+mn-lt"/>
-                          <a:ea typeface="+mn-ea"/>
-                          <a:cs typeface="+mn-cs"/>
-                        </a:rPr>
-                        <a:t>Making the logic for providing the CSV to the UI</a:t>
-                      </a:r>
-                      <a:endParaRPr lang="en-US" dirty="0"/>
-                    </a:p>
-                  </a:txBody>
-                  <a:tcPr/>
-                </a:tc>
-                <a:tc>
-                  <a:txBody>
-                    <a:bodyPr/>
-                    <a:lstStyle/>
-                    <a:p>
-                      <a:r>
-                        <a:rPr lang="en-US" dirty="0" err="1" smtClean="0"/>
-                        <a:t>Karthik</a:t>
-                      </a:r>
-                      <a:endParaRPr lang="en-US" dirty="0"/>
-                    </a:p>
-                  </a:txBody>
-                  <a:tcPr/>
-                </a:tc>
-                <a:tc>
-                  <a:txBody>
-                    <a:bodyPr/>
-                    <a:lstStyle/>
-                    <a:p>
-                      <a:r>
-                        <a:rPr lang="en-US" dirty="0" smtClean="0"/>
-                        <a:t>1.5 days</a:t>
-                      </a:r>
-                      <a:endParaRPr lang="en-US" dirty="0"/>
-                    </a:p>
-                  </a:txBody>
-                  <a:tcPr/>
-                </a:tc>
-              </a:tr>
-              <a:tr h="698695">
-                <a:tc>
-                  <a:txBody>
-                    <a:bodyPr/>
-                    <a:lstStyle/>
-                    <a:p>
-                      <a:r>
-                        <a:rPr lang="en-US" dirty="0" smtClean="0"/>
-                        <a:t>3. </a:t>
-                      </a:r>
-                      <a:r>
-                        <a:rPr lang="en-IN" sz="1800" kern="1200" dirty="0" smtClean="0">
-                          <a:solidFill>
-                            <a:schemeClr val="dk1"/>
-                          </a:solidFill>
-                          <a:effectLst/>
-                          <a:latin typeface="+mn-lt"/>
-                          <a:ea typeface="+mn-ea"/>
-                          <a:cs typeface="+mn-cs"/>
-                        </a:rPr>
-                        <a:t>Connecting the read data to the UI</a:t>
-                      </a:r>
-                      <a:endParaRPr lang="en-US" dirty="0"/>
-                    </a:p>
-                  </a:txBody>
-                  <a:tcPr/>
-                </a:tc>
-                <a:tc>
-                  <a:txBody>
-                    <a:bodyPr/>
-                    <a:lstStyle/>
-                    <a:p>
-                      <a:r>
-                        <a:rPr lang="en-US" dirty="0" err="1" smtClean="0"/>
-                        <a:t>Karthik</a:t>
-                      </a:r>
-                      <a:endParaRPr lang="en-US" dirty="0" smtClean="0"/>
-                    </a:p>
-                  </a:txBody>
-                  <a:tcPr/>
-                </a:tc>
-                <a:tc>
-                  <a:txBody>
-                    <a:bodyPr/>
-                    <a:lstStyle/>
-                    <a:p>
-                      <a:r>
-                        <a:rPr lang="en-US" dirty="0" smtClean="0"/>
-                        <a:t>1 day</a:t>
-                      </a:r>
-                      <a:endParaRPr lang="en-US" dirty="0"/>
-                    </a:p>
-                  </a:txBody>
-                  <a:tcPr/>
-                </a:tc>
-              </a:tr>
-              <a:tr h="766016">
-                <a:tc>
-                  <a:txBody>
-                    <a:bodyPr/>
-                    <a:lstStyle/>
-                    <a:p>
-                      <a:pPr lvl="0"/>
-                      <a:r>
-                        <a:rPr lang="en-US" dirty="0" smtClean="0"/>
-                        <a:t>4. </a:t>
-                      </a:r>
-                      <a:r>
-                        <a:rPr lang="en-IN" sz="1800" kern="1200" dirty="0" smtClean="0">
-                          <a:solidFill>
-                            <a:schemeClr val="dk1"/>
-                          </a:solidFill>
-                          <a:effectLst/>
-                          <a:latin typeface="+mn-lt"/>
-                          <a:ea typeface="+mn-ea"/>
-                          <a:cs typeface="+mn-cs"/>
-                        </a:rPr>
-                        <a:t>Making the logic for moving data from UI to CSV</a:t>
-                      </a:r>
-                      <a:endParaRPr lang="en-US" dirty="0"/>
-                    </a:p>
-                  </a:txBody>
-                  <a:tcPr/>
-                </a:tc>
-                <a:tc>
-                  <a:txBody>
-                    <a:bodyPr/>
-                    <a:lstStyle/>
-                    <a:p>
-                      <a:r>
-                        <a:rPr lang="en-US" dirty="0" smtClean="0"/>
-                        <a:t>Rohan/</a:t>
-                      </a:r>
-                    </a:p>
-                    <a:p>
-                      <a:r>
-                        <a:rPr lang="en-US" dirty="0" err="1" smtClean="0"/>
-                        <a:t>Karthik</a:t>
-                      </a:r>
-                      <a:endParaRPr lang="en-US" dirty="0"/>
-                    </a:p>
-                  </a:txBody>
-                  <a:tcPr/>
-                </a:tc>
-                <a:tc>
-                  <a:txBody>
-                    <a:bodyPr/>
-                    <a:lstStyle/>
-                    <a:p>
-                      <a:r>
-                        <a:rPr lang="en-US" dirty="0" smtClean="0"/>
-                        <a:t>1 day</a:t>
-                      </a:r>
-                      <a:endParaRPr lang="en-US" dirty="0"/>
-                    </a:p>
-                  </a:txBody>
-                  <a:tcPr/>
-                </a:tc>
-              </a:tr>
-              <a:tr h="568908">
-                <a:tc>
-                  <a:txBody>
-                    <a:bodyPr/>
-                    <a:lstStyle/>
-                    <a:p>
-                      <a:r>
-                        <a:rPr lang="en-US" dirty="0" smtClean="0"/>
-                        <a:t>5.</a:t>
-                      </a:r>
-                      <a:r>
-                        <a:rPr lang="en-US" baseline="0" dirty="0" smtClean="0"/>
-                        <a:t> </a:t>
-                      </a:r>
-                      <a:r>
-                        <a:rPr lang="en-IN" sz="1800" kern="1200" dirty="0" smtClean="0">
-                          <a:solidFill>
-                            <a:schemeClr val="dk1"/>
-                          </a:solidFill>
-                          <a:effectLst/>
-                          <a:latin typeface="+mn-lt"/>
-                          <a:ea typeface="+mn-ea"/>
-                          <a:cs typeface="+mn-cs"/>
-                        </a:rPr>
-                        <a:t>Testing the UI</a:t>
-                      </a:r>
-                      <a:endParaRPr lang="en-US" dirty="0"/>
-                    </a:p>
-                  </a:txBody>
-                  <a:tcPr/>
-                </a:tc>
-                <a:tc>
-                  <a:txBody>
-                    <a:bodyPr/>
-                    <a:lstStyle/>
-                    <a:p>
-                      <a:r>
-                        <a:rPr lang="en-US" dirty="0" err="1" smtClean="0"/>
-                        <a:t>Jemin</a:t>
-                      </a:r>
-                      <a:r>
-                        <a:rPr lang="en-US" dirty="0" smtClean="0"/>
-                        <a:t>/</a:t>
-                      </a:r>
-                    </a:p>
-                    <a:p>
-                      <a:r>
-                        <a:rPr lang="en-US" dirty="0" err="1" smtClean="0"/>
-                        <a:t>Soheil</a:t>
-                      </a:r>
-                      <a:endParaRPr lang="en-US" dirty="0"/>
-                    </a:p>
-                  </a:txBody>
-                  <a:tcPr/>
-                </a:tc>
-                <a:tc>
-                  <a:txBody>
-                    <a:bodyPr/>
-                    <a:lstStyle/>
-                    <a:p>
-                      <a:r>
-                        <a:rPr lang="en-US" dirty="0" smtClean="0"/>
-                        <a:t>3.5 days</a:t>
-                      </a:r>
-                      <a:endParaRPr lang="en-US" dirty="0"/>
-                    </a:p>
-                  </a:txBody>
-                  <a:tcPr/>
-                </a:tc>
-              </a:tr>
-            </a:tbl>
-          </a:graphicData>
-        </a:graphic>
-      </p:graphicFrame>
-    </p:spTree>
-    <p:extLst>
-      <p:ext uri="{BB962C8B-B14F-4D97-AF65-F5344CB8AC3E}">
-        <p14:creationId xmlns:p14="http://schemas.microsoft.com/office/powerpoint/2010/main" val="1051716543"/>
       </p:ext>
     </p:extLst>
   </p:cSld>
@@ -20757,7 +20017,7 @@
           </p:nvPr>
         </p:nvPicPr>
         <p:blipFill>
-          <a:blip r:embed="rId2">
+          <a:blip r:embed="rId3">
             <a:extLst>
               <a:ext uri="{28A0092B-C50C-407E-A947-70E740481C1C}">
                 <a14:useLocalDpi xmlns:a14="http://schemas.microsoft.com/office/drawing/2010/main" val="0"/>
@@ -20792,20 +20052,23 @@
           <a:p>
             <a:pPr algn="ctr"/>
             <a:r>
-              <a:rPr lang="en-US" dirty="0" smtClean="0">
+              <a:rPr lang="en-US" dirty="0">
                 <a:latin typeface="Arial Rounded MT Bold" panose="020F0704030504030204" pitchFamily="34" charset="0"/>
               </a:rPr>
-              <a:t>Schedule/Velocity/</a:t>
+              <a:t>Tasks/</a:t>
             </a:r>
             <a:r>
-              <a:rPr lang="en-US" dirty="0" err="1" smtClean="0">
+              <a:rPr lang="en-US" dirty="0" err="1">
                 <a:latin typeface="Arial Rounded MT Bold" panose="020F0704030504030204" pitchFamily="34" charset="0"/>
               </a:rPr>
-              <a:t>Burnchart</a:t>
+              <a:t>BigBoard</a:t>
             </a:r>
-            <a:endParaRPr lang="en-US" dirty="0">
-              <a:latin typeface="Arial Rounded MT Bold" panose="020F0704030504030204" pitchFamily="34" charset="0"/>
-            </a:endParaRPr>
+            <a:r>
+              <a:rPr lang="en-US" dirty="0">
+                <a:latin typeface="Arial Rounded MT Bold" panose="020F0704030504030204" pitchFamily="34" charset="0"/>
+              </a:rPr>
+              <a:t>(cont.)</a:t>
+            </a:r>
           </a:p>
         </p:txBody>
       </p:sp>
@@ -21089,78 +20352,930 @@
       </p:sp>
       <p:graphicFrame>
         <p:nvGraphicFramePr>
-          <p:cNvPr id="13" name="Chart 12"/>
-          <p:cNvGraphicFramePr/>
+          <p:cNvPr id="5" name="Table 4"/>
+          <p:cNvGraphicFramePr>
+            <a:graphicFrameLocks noGrp="1"/>
+          </p:cNvGraphicFramePr>
           <p:nvPr>
             <p:extLst>
               <p:ext uri="{D42A27DB-BD31-4B8C-83A1-F6EECF244321}">
-                <p14:modId xmlns:p14="http://schemas.microsoft.com/office/powerpoint/2010/main" val="334344365"/>
+                <p14:modId xmlns:p14="http://schemas.microsoft.com/office/powerpoint/2010/main" val="2131232912"/>
               </p:ext>
             </p:extLst>
           </p:nvPr>
         </p:nvGraphicFramePr>
         <p:xfrm>
-          <a:off x="5736771" y="1711592"/>
-          <a:ext cx="6096000" cy="4384408"/>
+          <a:off x="1709146" y="1501416"/>
+          <a:ext cx="4735198" cy="5025266"/>
         </p:xfrm>
         <a:graphic>
-          <a:graphicData uri="http://schemas.openxmlformats.org/drawingml/2006/chart">
-            <c:chart xmlns:c="http://schemas.openxmlformats.org/drawingml/2006/chart" xmlns:r="http://schemas.openxmlformats.org/officeDocument/2006/relationships" r:id="rId3"/>
+          <a:graphicData uri="http://schemas.openxmlformats.org/drawingml/2006/table">
+            <a:tbl>
+              <a:tblPr firstRow="1" bandRow="1">
+                <a:tableStyleId>{073A0DAA-6AF3-43AB-8588-CEC1D06C72B9}</a:tableStyleId>
+              </a:tblPr>
+              <a:tblGrid>
+                <a:gridCol w="2641704">
+                  <a:extLst>
+                    <a:ext uri="{9D8B030D-6E8A-4147-A177-3AD203B41FA5}">
+                      <a16:colId xmlns:a16="http://schemas.microsoft.com/office/drawing/2014/main" val="20000"/>
+                    </a:ext>
+                  </a:extLst>
+                </a:gridCol>
+                <a:gridCol w="1230848">
+                  <a:extLst>
+                    <a:ext uri="{9D8B030D-6E8A-4147-A177-3AD203B41FA5}">
+                      <a16:colId xmlns:a16="http://schemas.microsoft.com/office/drawing/2014/main" val="20001"/>
+                    </a:ext>
+                  </a:extLst>
+                </a:gridCol>
+                <a:gridCol w="862646">
+                  <a:extLst>
+                    <a:ext uri="{9D8B030D-6E8A-4147-A177-3AD203B41FA5}">
+                      <a16:colId xmlns:a16="http://schemas.microsoft.com/office/drawing/2014/main" val="20002"/>
+                    </a:ext>
+                  </a:extLst>
+                </a:gridCol>
+              </a:tblGrid>
+              <a:tr h="864180">
+                <a:tc gridSpan="3">
+                  <a:txBody>
+                    <a:bodyPr/>
+                    <a:lstStyle/>
+                    <a:p>
+                      <a:pPr algn="ctr"/>
+                      <a:r>
+                        <a:rPr lang="en-US" sz="2400" dirty="0">
+                          <a:latin typeface="Arial Rounded MT Bold" panose="020F0704030504030204" pitchFamily="34" charset="0"/>
+                        </a:rPr>
+                        <a:t>User Story</a:t>
+                      </a:r>
+                      <a:r>
+                        <a:rPr lang="en-US" sz="2400" baseline="0" dirty="0">
+                          <a:latin typeface="Arial Rounded MT Bold" panose="020F0704030504030204" pitchFamily="34" charset="0"/>
+                        </a:rPr>
+                        <a:t> 3: Application status</a:t>
+                      </a:r>
+                      <a:endParaRPr lang="en-US" sz="2400" dirty="0">
+                        <a:latin typeface="Arial Rounded MT Bold" panose="020F0704030504030204" pitchFamily="34" charset="0"/>
+                      </a:endParaRPr>
+                    </a:p>
+                  </a:txBody>
+                  <a:tcPr/>
+                </a:tc>
+                <a:tc hMerge="1">
+                  <a:txBody>
+                    <a:bodyPr/>
+                    <a:lstStyle/>
+                    <a:p>
+                      <a:endParaRPr lang="en-US" dirty="0"/>
+                    </a:p>
+                  </a:txBody>
+                  <a:tcPr/>
+                </a:tc>
+                <a:tc hMerge="1">
+                  <a:txBody>
+                    <a:bodyPr/>
+                    <a:lstStyle/>
+                    <a:p>
+                      <a:endParaRPr lang="en-US" dirty="0"/>
+                    </a:p>
+                  </a:txBody>
+                  <a:tcPr/>
+                </a:tc>
+                <a:extLst>
+                  <a:ext uri="{0D108BD9-81ED-4DB2-BD59-A6C34878D82A}">
+                    <a16:rowId xmlns:a16="http://schemas.microsoft.com/office/drawing/2014/main" val="10000"/>
+                  </a:ext>
+                </a:extLst>
+              </a:tr>
+              <a:tr h="376733">
+                <a:tc>
+                  <a:txBody>
+                    <a:bodyPr/>
+                    <a:lstStyle/>
+                    <a:p>
+                      <a:pPr algn="ctr"/>
+                      <a:r>
+                        <a:rPr lang="en-US" dirty="0"/>
+                        <a:t>Task</a:t>
+                      </a:r>
+                    </a:p>
+                  </a:txBody>
+                  <a:tcPr/>
+                </a:tc>
+                <a:tc>
+                  <a:txBody>
+                    <a:bodyPr/>
+                    <a:lstStyle/>
+                    <a:p>
+                      <a:endParaRPr lang="en-US" dirty="0"/>
+                    </a:p>
+                  </a:txBody>
+                  <a:tcPr/>
+                </a:tc>
+                <a:tc>
+                  <a:txBody>
+                    <a:bodyPr/>
+                    <a:lstStyle/>
+                    <a:p>
+                      <a:endParaRPr lang="en-US" dirty="0"/>
+                    </a:p>
+                  </a:txBody>
+                  <a:tcPr/>
+                </a:tc>
+                <a:extLst>
+                  <a:ext uri="{0D108BD9-81ED-4DB2-BD59-A6C34878D82A}">
+                    <a16:rowId xmlns:a16="http://schemas.microsoft.com/office/drawing/2014/main" val="10001"/>
+                  </a:ext>
+                </a:extLst>
+              </a:tr>
+              <a:tr h="941832">
+                <a:tc>
+                  <a:txBody>
+                    <a:bodyPr/>
+                    <a:lstStyle/>
+                    <a:p>
+                      <a:pPr lvl="0"/>
+                      <a:r>
+                        <a:rPr lang="en-US" dirty="0"/>
+                        <a:t>1. </a:t>
+                      </a:r>
+                      <a:r>
+                        <a:rPr lang="en-IN" sz="1800" kern="1200" dirty="0">
+                          <a:solidFill>
+                            <a:schemeClr val="dk1"/>
+                          </a:solidFill>
+                          <a:effectLst/>
+                          <a:latin typeface="+mn-lt"/>
+                          <a:ea typeface="+mn-ea"/>
+                          <a:cs typeface="+mn-cs"/>
+                        </a:rPr>
+                        <a:t>Creating the Common functions for reading/writing/updating the application status</a:t>
+                      </a:r>
+                      <a:endParaRPr lang="en-US" dirty="0"/>
+                    </a:p>
+                  </a:txBody>
+                  <a:tcPr/>
+                </a:tc>
+                <a:tc>
+                  <a:txBody>
+                    <a:bodyPr/>
+                    <a:lstStyle/>
+                    <a:p>
+                      <a:r>
+                        <a:rPr lang="en-US" dirty="0"/>
+                        <a:t>Rohan</a:t>
+                      </a:r>
+                    </a:p>
+                  </a:txBody>
+                  <a:tcPr/>
+                </a:tc>
+                <a:tc>
+                  <a:txBody>
+                    <a:bodyPr/>
+                    <a:lstStyle/>
+                    <a:p>
+                      <a:r>
+                        <a:rPr lang="en-US" dirty="0"/>
+                        <a:t>5 </a:t>
+                      </a:r>
+                      <a:r>
+                        <a:rPr lang="en-US" dirty="0" err="1"/>
+                        <a:t>hrs</a:t>
+                      </a:r>
+                      <a:endParaRPr lang="en-US" dirty="0"/>
+                    </a:p>
+                  </a:txBody>
+                  <a:tcPr/>
+                </a:tc>
+                <a:extLst>
+                  <a:ext uri="{0D108BD9-81ED-4DB2-BD59-A6C34878D82A}">
+                    <a16:rowId xmlns:a16="http://schemas.microsoft.com/office/drawing/2014/main" val="10002"/>
+                  </a:ext>
+                </a:extLst>
+              </a:tr>
+              <a:tr h="1224381">
+                <a:tc>
+                  <a:txBody>
+                    <a:bodyPr/>
+                    <a:lstStyle/>
+                    <a:p>
+                      <a:pPr lvl="0"/>
+                      <a:r>
+                        <a:rPr lang="en-US" dirty="0"/>
+                        <a:t>2. </a:t>
+                      </a:r>
+                      <a:r>
+                        <a:rPr lang="en-IN" sz="1800" kern="1200" dirty="0">
+                          <a:solidFill>
+                            <a:schemeClr val="dk1"/>
+                          </a:solidFill>
+                          <a:effectLst/>
+                          <a:latin typeface="+mn-lt"/>
+                          <a:ea typeface="+mn-ea"/>
+                          <a:cs typeface="+mn-cs"/>
+                        </a:rPr>
+                        <a:t>Making the logic </a:t>
+                      </a:r>
+                      <a:endParaRPr lang="en-US" sz="1800" kern="1200" dirty="0">
+                        <a:solidFill>
+                          <a:schemeClr val="dk1"/>
+                        </a:solidFill>
+                        <a:effectLst/>
+                        <a:latin typeface="+mn-lt"/>
+                        <a:ea typeface="+mn-ea"/>
+                        <a:cs typeface="+mn-cs"/>
+                      </a:endParaRPr>
+                    </a:p>
+                    <a:p>
+                      <a:r>
+                        <a:rPr lang="en-IN" sz="1800" kern="1200" dirty="0">
+                          <a:solidFill>
+                            <a:schemeClr val="dk1"/>
+                          </a:solidFill>
+                          <a:effectLst/>
+                          <a:latin typeface="+mn-lt"/>
+                          <a:ea typeface="+mn-ea"/>
+                          <a:cs typeface="+mn-cs"/>
+                        </a:rPr>
+                        <a:t>Reading from the file and adding constraints for Age, Registration, Date Windows, Check Clearing</a:t>
+                      </a:r>
+                      <a:endParaRPr lang="en-US" dirty="0"/>
+                    </a:p>
+                  </a:txBody>
+                  <a:tcPr/>
+                </a:tc>
+                <a:tc>
+                  <a:txBody>
+                    <a:bodyPr/>
+                    <a:lstStyle/>
+                    <a:p>
+                      <a:r>
+                        <a:rPr lang="en-US" dirty="0"/>
+                        <a:t>Rohan</a:t>
+                      </a:r>
+                    </a:p>
+                  </a:txBody>
+                  <a:tcPr/>
+                </a:tc>
+                <a:tc>
+                  <a:txBody>
+                    <a:bodyPr/>
+                    <a:lstStyle/>
+                    <a:p>
+                      <a:r>
+                        <a:rPr lang="en-US" dirty="0"/>
+                        <a:t>2</a:t>
+                      </a:r>
+                      <a:r>
+                        <a:rPr lang="en-US" baseline="0" dirty="0"/>
+                        <a:t> days</a:t>
+                      </a:r>
+                      <a:endParaRPr lang="en-US" dirty="0"/>
+                    </a:p>
+                  </a:txBody>
+                  <a:tcPr/>
+                </a:tc>
+                <a:extLst>
+                  <a:ext uri="{0D108BD9-81ED-4DB2-BD59-A6C34878D82A}">
+                    <a16:rowId xmlns:a16="http://schemas.microsoft.com/office/drawing/2014/main" val="10003"/>
+                  </a:ext>
+                </a:extLst>
+              </a:tr>
+              <a:tr h="473311">
+                <a:tc>
+                  <a:txBody>
+                    <a:bodyPr/>
+                    <a:lstStyle/>
+                    <a:p>
+                      <a:r>
+                        <a:rPr lang="en-US" dirty="0"/>
+                        <a:t>3. </a:t>
+                      </a:r>
+                      <a:r>
+                        <a:rPr lang="en-IN" sz="1800" kern="1200" dirty="0">
+                          <a:solidFill>
+                            <a:schemeClr val="dk1"/>
+                          </a:solidFill>
+                          <a:effectLst/>
+                          <a:latin typeface="+mn-lt"/>
+                          <a:ea typeface="+mn-ea"/>
+                          <a:cs typeface="+mn-cs"/>
+                        </a:rPr>
+                        <a:t>Connecting to the UI</a:t>
+                      </a:r>
+                      <a:endParaRPr lang="en-US" dirty="0"/>
+                    </a:p>
+                  </a:txBody>
+                  <a:tcPr/>
+                </a:tc>
+                <a:tc>
+                  <a:txBody>
+                    <a:bodyPr/>
+                    <a:lstStyle/>
+                    <a:p>
+                      <a:r>
+                        <a:rPr lang="en-US" dirty="0" err="1"/>
+                        <a:t>Karthik</a:t>
+                      </a:r>
+                      <a:endParaRPr lang="en-US" dirty="0"/>
+                    </a:p>
+                  </a:txBody>
+                  <a:tcPr/>
+                </a:tc>
+                <a:tc>
+                  <a:txBody>
+                    <a:bodyPr/>
+                    <a:lstStyle/>
+                    <a:p>
+                      <a:r>
+                        <a:rPr lang="en-US" dirty="0"/>
+                        <a:t>1 day</a:t>
+                      </a:r>
+                    </a:p>
+                  </a:txBody>
+                  <a:tcPr/>
+                </a:tc>
+                <a:extLst>
+                  <a:ext uri="{0D108BD9-81ED-4DB2-BD59-A6C34878D82A}">
+                    <a16:rowId xmlns:a16="http://schemas.microsoft.com/office/drawing/2014/main" val="10004"/>
+                  </a:ext>
+                </a:extLst>
+              </a:tr>
+              <a:tr h="659282">
+                <a:tc>
+                  <a:txBody>
+                    <a:bodyPr/>
+                    <a:lstStyle/>
+                    <a:p>
+                      <a:pPr lvl="0"/>
+                      <a:r>
+                        <a:rPr lang="en-US" dirty="0"/>
+                        <a:t>4. </a:t>
+                      </a:r>
+                      <a:r>
+                        <a:rPr lang="en-IN" sz="1800" kern="1200" dirty="0">
+                          <a:solidFill>
+                            <a:schemeClr val="dk1"/>
+                          </a:solidFill>
+                          <a:effectLst/>
+                          <a:latin typeface="+mn-lt"/>
+                          <a:ea typeface="+mn-ea"/>
+                          <a:cs typeface="+mn-cs"/>
+                        </a:rPr>
+                        <a:t>Testing the logic</a:t>
+                      </a:r>
+                      <a:endParaRPr lang="en-US" sz="1800" kern="1200" dirty="0">
+                        <a:solidFill>
+                          <a:schemeClr val="dk1"/>
+                        </a:solidFill>
+                        <a:effectLst/>
+                        <a:latin typeface="+mn-lt"/>
+                        <a:ea typeface="+mn-ea"/>
+                        <a:cs typeface="+mn-cs"/>
+                      </a:endParaRPr>
+                    </a:p>
+                    <a:p>
+                      <a:r>
+                        <a:rPr lang="en-IN" sz="1800" kern="1200" dirty="0">
+                          <a:solidFill>
+                            <a:schemeClr val="dk1"/>
+                          </a:solidFill>
+                          <a:effectLst/>
+                          <a:latin typeface="+mn-lt"/>
+                          <a:ea typeface="+mn-ea"/>
+                          <a:cs typeface="+mn-cs"/>
+                        </a:rPr>
+                        <a:t>Testing the UI</a:t>
+                      </a:r>
+                      <a:endParaRPr lang="en-US" dirty="0"/>
+                    </a:p>
+                  </a:txBody>
+                  <a:tcPr/>
+                </a:tc>
+                <a:tc>
+                  <a:txBody>
+                    <a:bodyPr/>
+                    <a:lstStyle/>
+                    <a:p>
+                      <a:r>
+                        <a:rPr lang="en-US" dirty="0" err="1"/>
+                        <a:t>Jemin</a:t>
+                      </a:r>
+                      <a:r>
+                        <a:rPr lang="en-US" dirty="0"/>
+                        <a:t>/</a:t>
+                      </a:r>
+                    </a:p>
+                    <a:p>
+                      <a:r>
+                        <a:rPr lang="en-US" dirty="0" err="1"/>
+                        <a:t>Soheil</a:t>
+                      </a:r>
+                      <a:endParaRPr lang="en-US" dirty="0"/>
+                    </a:p>
+                  </a:txBody>
+                  <a:tcPr/>
+                </a:tc>
+                <a:tc>
+                  <a:txBody>
+                    <a:bodyPr/>
+                    <a:lstStyle/>
+                    <a:p>
+                      <a:r>
+                        <a:rPr lang="en-US" dirty="0"/>
+                        <a:t>3 days</a:t>
+                      </a:r>
+                    </a:p>
+                  </a:txBody>
+                  <a:tcPr/>
+                </a:tc>
+                <a:extLst>
+                  <a:ext uri="{0D108BD9-81ED-4DB2-BD59-A6C34878D82A}">
+                    <a16:rowId xmlns:a16="http://schemas.microsoft.com/office/drawing/2014/main" val="10005"/>
+                  </a:ext>
+                </a:extLst>
+              </a:tr>
+            </a:tbl>
           </a:graphicData>
         </a:graphic>
       </p:graphicFrame>
-      <p:sp>
-        <p:nvSpPr>
-          <p:cNvPr id="3" name="TextBox 2"/>
-          <p:cNvSpPr txBox="1"/>
-          <p:nvPr/>
-        </p:nvSpPr>
-        <p:spPr>
-          <a:xfrm>
-            <a:off x="1730829" y="1768042"/>
-            <a:ext cx="3341914" cy="830997"/>
-          </a:xfrm>
-          <a:prstGeom prst="rect">
-            <a:avLst/>
-          </a:prstGeom>
-          <a:noFill/>
-        </p:spPr>
-        <p:txBody>
-          <a:bodyPr wrap="square" rtlCol="0">
-            <a:spAutoFit/>
-          </a:bodyPr>
-          <a:lstStyle/>
-          <a:p>
-            <a:pPr marL="285750" indent="-285750">
-              <a:buFont typeface="Arial" panose="020B0604020202020204" pitchFamily="34" charset="0"/>
-              <a:buChar char="•"/>
-            </a:pPr>
-            <a:r>
-              <a:rPr lang="en-US" sz="2400" dirty="0" smtClean="0">
-                <a:solidFill>
-                  <a:schemeClr val="bg1">
-                    <a:lumMod val="50000"/>
-                  </a:schemeClr>
-                </a:solidFill>
-                <a:latin typeface="Arial Rounded MT Bold" panose="020F0704030504030204" pitchFamily="34" charset="0"/>
-              </a:rPr>
-              <a:t>Created based on initial estimates</a:t>
-            </a:r>
-            <a:endParaRPr lang="en-US" sz="2400" dirty="0">
-              <a:solidFill>
-                <a:schemeClr val="bg1">
-                  <a:lumMod val="50000"/>
-                </a:schemeClr>
-              </a:solidFill>
-              <a:latin typeface="Arial Rounded MT Bold" panose="020F0704030504030204" pitchFamily="34" charset="0"/>
-            </a:endParaRPr>
-          </a:p>
-        </p:txBody>
-      </p:sp>
+      <p:graphicFrame>
+        <p:nvGraphicFramePr>
+          <p:cNvPr id="13" name="Table 12"/>
+          <p:cNvGraphicFramePr>
+            <a:graphicFrameLocks noGrp="1"/>
+          </p:cNvGraphicFramePr>
+          <p:nvPr>
+            <p:extLst>
+              <p:ext uri="{D42A27DB-BD31-4B8C-83A1-F6EECF244321}">
+                <p14:modId xmlns:p14="http://schemas.microsoft.com/office/powerpoint/2010/main" val="4228831456"/>
+              </p:ext>
+            </p:extLst>
+          </p:nvPr>
+        </p:nvGraphicFramePr>
+        <p:xfrm>
+          <a:off x="6847203" y="1473595"/>
+          <a:ext cx="5050882" cy="5063691"/>
+        </p:xfrm>
+        <a:graphic>
+          <a:graphicData uri="http://schemas.openxmlformats.org/drawingml/2006/table">
+            <a:tbl>
+              <a:tblPr firstRow="1" bandRow="1">
+                <a:tableStyleId>{073A0DAA-6AF3-43AB-8588-CEC1D06C72B9}</a:tableStyleId>
+              </a:tblPr>
+              <a:tblGrid>
+                <a:gridCol w="2817821">
+                  <a:extLst>
+                    <a:ext uri="{9D8B030D-6E8A-4147-A177-3AD203B41FA5}">
+                      <a16:colId xmlns:a16="http://schemas.microsoft.com/office/drawing/2014/main" val="20000"/>
+                    </a:ext>
+                  </a:extLst>
+                </a:gridCol>
+                <a:gridCol w="1312905">
+                  <a:extLst>
+                    <a:ext uri="{9D8B030D-6E8A-4147-A177-3AD203B41FA5}">
+                      <a16:colId xmlns:a16="http://schemas.microsoft.com/office/drawing/2014/main" val="20001"/>
+                    </a:ext>
+                  </a:extLst>
+                </a:gridCol>
+                <a:gridCol w="920156">
+                  <a:extLst>
+                    <a:ext uri="{9D8B030D-6E8A-4147-A177-3AD203B41FA5}">
+                      <a16:colId xmlns:a16="http://schemas.microsoft.com/office/drawing/2014/main" val="20002"/>
+                    </a:ext>
+                  </a:extLst>
+                </a:gridCol>
+              </a:tblGrid>
+              <a:tr h="566225">
+                <a:tc gridSpan="3">
+                  <a:txBody>
+                    <a:bodyPr/>
+                    <a:lstStyle/>
+                    <a:p>
+                      <a:pPr algn="ctr"/>
+                      <a:r>
+                        <a:rPr lang="en-US" sz="2400" dirty="0">
+                          <a:latin typeface="Arial Rounded MT Bold" panose="020F0704030504030204" pitchFamily="34" charset="0"/>
+                        </a:rPr>
+                        <a:t>User Story</a:t>
+                      </a:r>
+                      <a:r>
+                        <a:rPr lang="en-US" sz="2400" baseline="0" dirty="0">
+                          <a:latin typeface="Arial Rounded MT Bold" panose="020F0704030504030204" pitchFamily="34" charset="0"/>
+                        </a:rPr>
+                        <a:t> 5: Check-In</a:t>
+                      </a:r>
+                      <a:endParaRPr lang="en-US" sz="2400" dirty="0">
+                        <a:latin typeface="Arial Rounded MT Bold" panose="020F0704030504030204" pitchFamily="34" charset="0"/>
+                      </a:endParaRPr>
+                    </a:p>
+                  </a:txBody>
+                  <a:tcPr/>
+                </a:tc>
+                <a:tc hMerge="1">
+                  <a:txBody>
+                    <a:bodyPr/>
+                    <a:lstStyle/>
+                    <a:p>
+                      <a:endParaRPr lang="en-US" dirty="0"/>
+                    </a:p>
+                  </a:txBody>
+                  <a:tcPr/>
+                </a:tc>
+                <a:tc hMerge="1">
+                  <a:txBody>
+                    <a:bodyPr/>
+                    <a:lstStyle/>
+                    <a:p>
+                      <a:endParaRPr lang="en-US" dirty="0"/>
+                    </a:p>
+                  </a:txBody>
+                  <a:tcPr/>
+                </a:tc>
+                <a:extLst>
+                  <a:ext uri="{0D108BD9-81ED-4DB2-BD59-A6C34878D82A}">
+                    <a16:rowId xmlns:a16="http://schemas.microsoft.com/office/drawing/2014/main" val="10000"/>
+                  </a:ext>
+                </a:extLst>
+              </a:tr>
+              <a:tr h="399254">
+                <a:tc>
+                  <a:txBody>
+                    <a:bodyPr/>
+                    <a:lstStyle/>
+                    <a:p>
+                      <a:pPr algn="ctr"/>
+                      <a:r>
+                        <a:rPr lang="en-US" dirty="0"/>
+                        <a:t>Task</a:t>
+                      </a:r>
+                    </a:p>
+                  </a:txBody>
+                  <a:tcPr/>
+                </a:tc>
+                <a:tc>
+                  <a:txBody>
+                    <a:bodyPr/>
+                    <a:lstStyle/>
+                    <a:p>
+                      <a:endParaRPr lang="en-US" dirty="0"/>
+                    </a:p>
+                  </a:txBody>
+                  <a:tcPr/>
+                </a:tc>
+                <a:tc>
+                  <a:txBody>
+                    <a:bodyPr/>
+                    <a:lstStyle/>
+                    <a:p>
+                      <a:endParaRPr lang="en-US" dirty="0"/>
+                    </a:p>
+                  </a:txBody>
+                  <a:tcPr/>
+                </a:tc>
+                <a:extLst>
+                  <a:ext uri="{0D108BD9-81ED-4DB2-BD59-A6C34878D82A}">
+                    <a16:rowId xmlns:a16="http://schemas.microsoft.com/office/drawing/2014/main" val="10001"/>
+                  </a:ext>
+                </a:extLst>
+              </a:tr>
+              <a:tr h="1294726">
+                <a:tc>
+                  <a:txBody>
+                    <a:bodyPr/>
+                    <a:lstStyle/>
+                    <a:p>
+                      <a:pPr lvl="0"/>
+                      <a:r>
+                        <a:rPr lang="en-US" dirty="0"/>
+                        <a:t>1. </a:t>
+                      </a:r>
+                      <a:r>
+                        <a:rPr lang="en-IN" sz="1800" kern="1200" dirty="0">
+                          <a:solidFill>
+                            <a:schemeClr val="dk1"/>
+                          </a:solidFill>
+                          <a:effectLst/>
+                          <a:latin typeface="+mn-lt"/>
+                          <a:ea typeface="+mn-ea"/>
+                          <a:cs typeface="+mn-cs"/>
+                        </a:rPr>
+                        <a:t>Creating the Common functions for reading/writing/updating the Check-In </a:t>
+                      </a:r>
+                      <a:endParaRPr lang="en-US" dirty="0"/>
+                    </a:p>
+                  </a:txBody>
+                  <a:tcPr/>
+                </a:tc>
+                <a:tc>
+                  <a:txBody>
+                    <a:bodyPr/>
+                    <a:lstStyle/>
+                    <a:p>
+                      <a:r>
+                        <a:rPr lang="en-US" dirty="0"/>
+                        <a:t>Rohan</a:t>
+                      </a:r>
+                    </a:p>
+                  </a:txBody>
+                  <a:tcPr/>
+                </a:tc>
+                <a:tc>
+                  <a:txBody>
+                    <a:bodyPr/>
+                    <a:lstStyle/>
+                    <a:p>
+                      <a:r>
+                        <a:rPr lang="en-US" dirty="0"/>
+                        <a:t>5 </a:t>
+                      </a:r>
+                      <a:r>
+                        <a:rPr lang="en-US" dirty="0" err="1"/>
+                        <a:t>hrs</a:t>
+                      </a:r>
+                      <a:endParaRPr lang="en-US" dirty="0"/>
+                    </a:p>
+                  </a:txBody>
+                  <a:tcPr/>
+                </a:tc>
+                <a:extLst>
+                  <a:ext uri="{0D108BD9-81ED-4DB2-BD59-A6C34878D82A}">
+                    <a16:rowId xmlns:a16="http://schemas.microsoft.com/office/drawing/2014/main" val="10002"/>
+                  </a:ext>
+                </a:extLst>
+              </a:tr>
+              <a:tr h="698695">
+                <a:tc>
+                  <a:txBody>
+                    <a:bodyPr/>
+                    <a:lstStyle/>
+                    <a:p>
+                      <a:pPr lvl="0"/>
+                      <a:r>
+                        <a:rPr lang="en-US" dirty="0"/>
+                        <a:t>2. </a:t>
+                      </a:r>
+                      <a:r>
+                        <a:rPr lang="en-IN" sz="1800" kern="1200" dirty="0">
+                          <a:solidFill>
+                            <a:schemeClr val="dk1"/>
+                          </a:solidFill>
+                          <a:effectLst/>
+                          <a:latin typeface="+mn-lt"/>
+                          <a:ea typeface="+mn-ea"/>
+                          <a:cs typeface="+mn-cs"/>
+                        </a:rPr>
+                        <a:t>Making the logic for providing the CSV to the UI</a:t>
+                      </a:r>
+                      <a:endParaRPr lang="en-US" dirty="0"/>
+                    </a:p>
+                  </a:txBody>
+                  <a:tcPr/>
+                </a:tc>
+                <a:tc>
+                  <a:txBody>
+                    <a:bodyPr/>
+                    <a:lstStyle/>
+                    <a:p>
+                      <a:r>
+                        <a:rPr lang="en-US" dirty="0" err="1"/>
+                        <a:t>Karthik</a:t>
+                      </a:r>
+                      <a:endParaRPr lang="en-US" dirty="0"/>
+                    </a:p>
+                  </a:txBody>
+                  <a:tcPr/>
+                </a:tc>
+                <a:tc>
+                  <a:txBody>
+                    <a:bodyPr/>
+                    <a:lstStyle/>
+                    <a:p>
+                      <a:r>
+                        <a:rPr lang="en-US" dirty="0"/>
+                        <a:t>1.5 days</a:t>
+                      </a:r>
+                    </a:p>
+                  </a:txBody>
+                  <a:tcPr/>
+                </a:tc>
+                <a:extLst>
+                  <a:ext uri="{0D108BD9-81ED-4DB2-BD59-A6C34878D82A}">
+                    <a16:rowId xmlns:a16="http://schemas.microsoft.com/office/drawing/2014/main" val="10003"/>
+                  </a:ext>
+                </a:extLst>
+              </a:tr>
+              <a:tr h="698695">
+                <a:tc>
+                  <a:txBody>
+                    <a:bodyPr/>
+                    <a:lstStyle/>
+                    <a:p>
+                      <a:r>
+                        <a:rPr lang="en-US" dirty="0"/>
+                        <a:t>3. </a:t>
+                      </a:r>
+                      <a:r>
+                        <a:rPr lang="en-IN" sz="1800" kern="1200" dirty="0">
+                          <a:solidFill>
+                            <a:schemeClr val="dk1"/>
+                          </a:solidFill>
+                          <a:effectLst/>
+                          <a:latin typeface="+mn-lt"/>
+                          <a:ea typeface="+mn-ea"/>
+                          <a:cs typeface="+mn-cs"/>
+                        </a:rPr>
+                        <a:t>Connecting the read data to the UI</a:t>
+                      </a:r>
+                      <a:endParaRPr lang="en-US" dirty="0"/>
+                    </a:p>
+                  </a:txBody>
+                  <a:tcPr/>
+                </a:tc>
+                <a:tc>
+                  <a:txBody>
+                    <a:bodyPr/>
+                    <a:lstStyle/>
+                    <a:p>
+                      <a:r>
+                        <a:rPr lang="en-US" dirty="0" err="1"/>
+                        <a:t>Karthik</a:t>
+                      </a:r>
+                      <a:endParaRPr lang="en-US" dirty="0"/>
+                    </a:p>
+                  </a:txBody>
+                  <a:tcPr/>
+                </a:tc>
+                <a:tc>
+                  <a:txBody>
+                    <a:bodyPr/>
+                    <a:lstStyle/>
+                    <a:p>
+                      <a:r>
+                        <a:rPr lang="en-US" dirty="0"/>
+                        <a:t>1 day</a:t>
+                      </a:r>
+                    </a:p>
+                  </a:txBody>
+                  <a:tcPr/>
+                </a:tc>
+                <a:extLst>
+                  <a:ext uri="{0D108BD9-81ED-4DB2-BD59-A6C34878D82A}">
+                    <a16:rowId xmlns:a16="http://schemas.microsoft.com/office/drawing/2014/main" val="10004"/>
+                  </a:ext>
+                </a:extLst>
+              </a:tr>
+              <a:tr h="766016">
+                <a:tc>
+                  <a:txBody>
+                    <a:bodyPr/>
+                    <a:lstStyle/>
+                    <a:p>
+                      <a:pPr lvl="0"/>
+                      <a:r>
+                        <a:rPr lang="en-US" dirty="0"/>
+                        <a:t>4. </a:t>
+                      </a:r>
+                      <a:r>
+                        <a:rPr lang="en-IN" sz="1800" kern="1200" dirty="0">
+                          <a:solidFill>
+                            <a:schemeClr val="dk1"/>
+                          </a:solidFill>
+                          <a:effectLst/>
+                          <a:latin typeface="+mn-lt"/>
+                          <a:ea typeface="+mn-ea"/>
+                          <a:cs typeface="+mn-cs"/>
+                        </a:rPr>
+                        <a:t>Making the logic for moving data from UI to CSV</a:t>
+                      </a:r>
+                      <a:endParaRPr lang="en-US" dirty="0"/>
+                    </a:p>
+                  </a:txBody>
+                  <a:tcPr/>
+                </a:tc>
+                <a:tc>
+                  <a:txBody>
+                    <a:bodyPr/>
+                    <a:lstStyle/>
+                    <a:p>
+                      <a:r>
+                        <a:rPr lang="en-US" dirty="0"/>
+                        <a:t>Rohan/</a:t>
+                      </a:r>
+                    </a:p>
+                    <a:p>
+                      <a:r>
+                        <a:rPr lang="en-US" dirty="0" err="1"/>
+                        <a:t>Karthik</a:t>
+                      </a:r>
+                      <a:endParaRPr lang="en-US" dirty="0"/>
+                    </a:p>
+                  </a:txBody>
+                  <a:tcPr/>
+                </a:tc>
+                <a:tc>
+                  <a:txBody>
+                    <a:bodyPr/>
+                    <a:lstStyle/>
+                    <a:p>
+                      <a:r>
+                        <a:rPr lang="en-US" dirty="0"/>
+                        <a:t>1 day</a:t>
+                      </a:r>
+                    </a:p>
+                  </a:txBody>
+                  <a:tcPr/>
+                </a:tc>
+                <a:extLst>
+                  <a:ext uri="{0D108BD9-81ED-4DB2-BD59-A6C34878D82A}">
+                    <a16:rowId xmlns:a16="http://schemas.microsoft.com/office/drawing/2014/main" val="10005"/>
+                  </a:ext>
+                </a:extLst>
+              </a:tr>
+              <a:tr h="568908">
+                <a:tc>
+                  <a:txBody>
+                    <a:bodyPr/>
+                    <a:lstStyle/>
+                    <a:p>
+                      <a:r>
+                        <a:rPr lang="en-US" dirty="0"/>
+                        <a:t>5.</a:t>
+                      </a:r>
+                      <a:r>
+                        <a:rPr lang="en-US" baseline="0" dirty="0"/>
+                        <a:t> </a:t>
+                      </a:r>
+                      <a:r>
+                        <a:rPr lang="en-IN" sz="1800" kern="1200" dirty="0">
+                          <a:solidFill>
+                            <a:schemeClr val="dk1"/>
+                          </a:solidFill>
+                          <a:effectLst/>
+                          <a:latin typeface="+mn-lt"/>
+                          <a:ea typeface="+mn-ea"/>
+                          <a:cs typeface="+mn-cs"/>
+                        </a:rPr>
+                        <a:t>Testing the UI</a:t>
+                      </a:r>
+                      <a:endParaRPr lang="en-US" dirty="0"/>
+                    </a:p>
+                  </a:txBody>
+                  <a:tcPr/>
+                </a:tc>
+                <a:tc>
+                  <a:txBody>
+                    <a:bodyPr/>
+                    <a:lstStyle/>
+                    <a:p>
+                      <a:r>
+                        <a:rPr lang="en-US" dirty="0" err="1"/>
+                        <a:t>Jemin</a:t>
+                      </a:r>
+                      <a:r>
+                        <a:rPr lang="en-US" dirty="0"/>
+                        <a:t>/</a:t>
+                      </a:r>
+                    </a:p>
+                    <a:p>
+                      <a:r>
+                        <a:rPr lang="en-US" dirty="0" err="1"/>
+                        <a:t>Soheil</a:t>
+                      </a:r>
+                      <a:endParaRPr lang="en-US" dirty="0"/>
+                    </a:p>
+                  </a:txBody>
+                  <a:tcPr/>
+                </a:tc>
+                <a:tc>
+                  <a:txBody>
+                    <a:bodyPr/>
+                    <a:lstStyle/>
+                    <a:p>
+                      <a:r>
+                        <a:rPr lang="en-US" dirty="0"/>
+                        <a:t>3.5 days</a:t>
+                      </a:r>
+                    </a:p>
+                  </a:txBody>
+                  <a:tcPr/>
+                </a:tc>
+                <a:extLst>
+                  <a:ext uri="{0D108BD9-81ED-4DB2-BD59-A6C34878D82A}">
+                    <a16:rowId xmlns:a16="http://schemas.microsoft.com/office/drawing/2014/main" val="10006"/>
+                  </a:ext>
+                </a:extLst>
+              </a:tr>
+            </a:tbl>
+          </a:graphicData>
+        </a:graphic>
+      </p:graphicFrame>
     </p:spTree>
     <p:extLst>
       <p:ext uri="{BB962C8B-B14F-4D97-AF65-F5344CB8AC3E}">
-        <p14:creationId xmlns:p14="http://schemas.microsoft.com/office/powerpoint/2010/main" val="4006801110"/>
+        <p14:creationId xmlns:p14="http://schemas.microsoft.com/office/powerpoint/2010/main" val="1051716543"/>
       </p:ext>
     </p:extLst>
   </p:cSld>
@@ -21188,7 +21303,7 @@
                             </p:stCondLst>
                             <p:childTnLst>
                               <p:par>
-                                <p:cTn id="5" presetID="47" presetClass="entr" presetSubtype="0" fill="hold" nodeType="clickEffect">
+                                <p:cTn id="5" presetID="21" presetClass="entr" presetSubtype="1" fill="hold" nodeType="clickEffect">
                                   <p:stCondLst>
                                     <p:cond delay="0"/>
                                   </p:stCondLst>
@@ -21201,11 +21316,7 @@
                                           </p:stCondLst>
                                         </p:cTn>
                                         <p:tgtEl>
-                                          <p:spTgt spid="3">
-                                            <p:txEl>
-                                              <p:pRg st="0" end="0"/>
-                                            </p:txEl>
-                                          </p:spTgt>
+                                          <p:spTgt spid="5"/>
                                         </p:tgtEl>
                                         <p:attrNameLst>
                                           <p:attrName>style.visibility</p:attrName>
@@ -21215,72 +21326,14 @@
                                         <p:strVal val="visible"/>
                                       </p:to>
                                     </p:set>
-                                    <p:animEffect transition="in" filter="fade">
+                                    <p:animEffect transition="in" filter="wheel(1)">
                                       <p:cBhvr>
-                                        <p:cTn id="7" dur="1000"/>
+                                        <p:cTn id="7" dur="2000"/>
                                         <p:tgtEl>
-                                          <p:spTgt spid="3">
-                                            <p:txEl>
-                                              <p:pRg st="0" end="0"/>
-                                            </p:txEl>
-                                          </p:spTgt>
+                                          <p:spTgt spid="5"/>
                                         </p:tgtEl>
                                       </p:cBhvr>
                                     </p:animEffect>
-                                    <p:anim calcmode="lin" valueType="num">
-                                      <p:cBhvr>
-                                        <p:cTn id="8" dur="1000" fill="hold"/>
-                                        <p:tgtEl>
-                                          <p:spTgt spid="3">
-                                            <p:txEl>
-                                              <p:pRg st="0" end="0"/>
-                                            </p:txEl>
-                                          </p:spTgt>
-                                        </p:tgtEl>
-                                        <p:attrNameLst>
-                                          <p:attrName>ppt_x</p:attrName>
-                                        </p:attrNameLst>
-                                      </p:cBhvr>
-                                      <p:tavLst>
-                                        <p:tav tm="0">
-                                          <p:val>
-                                            <p:strVal val="#ppt_x"/>
-                                          </p:val>
-                                        </p:tav>
-                                        <p:tav tm="100000">
-                                          <p:val>
-                                            <p:strVal val="#ppt_x"/>
-                                          </p:val>
-                                        </p:tav>
-                                      </p:tavLst>
-                                    </p:anim>
-                                    <p:anim calcmode="lin" valueType="num">
-                                      <p:cBhvr>
-                                        <p:cTn id="9" dur="1000" fill="hold"/>
-                                        <p:tgtEl>
-                                          <p:spTgt spid="3">
-                                            <p:txEl>
-                                              <p:pRg st="0" end="0"/>
-                                            </p:txEl>
-                                          </p:spTgt>
-                                        </p:tgtEl>
-                                        <p:attrNameLst>
-                                          <p:attrName>ppt_y</p:attrName>
-                                        </p:attrNameLst>
-                                      </p:cBhvr>
-                                      <p:tavLst>
-                                        <p:tav tm="0">
-                                          <p:val>
-                                            <p:strVal val="#ppt_y-.1"/>
-                                          </p:val>
-                                        </p:tav>
-                                        <p:tav tm="100000">
-                                          <p:val>
-                                            <p:strVal val="#ppt_y"/>
-                                          </p:val>
-                                        </p:tav>
-                                      </p:tavLst>
-                                    </p:anim>
                                   </p:childTnLst>
                                 </p:cTn>
                               </p:par>
@@ -21291,26 +21344,26 @@
                     </p:cTn>
                   </p:par>
                   <p:par>
-                    <p:cTn id="10" fill="hold">
+                    <p:cTn id="8" fill="hold">
                       <p:stCondLst>
                         <p:cond delay="indefinite"/>
                       </p:stCondLst>
                       <p:childTnLst>
                         <p:par>
-                          <p:cTn id="11" fill="hold">
+                          <p:cTn id="9" fill="hold">
                             <p:stCondLst>
                               <p:cond delay="0"/>
                             </p:stCondLst>
                             <p:childTnLst>
                               <p:par>
-                                <p:cTn id="12" presetID="14" presetClass="entr" presetSubtype="10" fill="hold" grpId="0" nodeType="clickEffect">
+                                <p:cTn id="10" presetID="21" presetClass="entr" presetSubtype="1" fill="hold" nodeType="clickEffect">
                                   <p:stCondLst>
                                     <p:cond delay="0"/>
                                   </p:stCondLst>
                                   <p:childTnLst>
                                     <p:set>
                                       <p:cBhvr>
-                                        <p:cTn id="13" dur="1" fill="hold">
+                                        <p:cTn id="11" dur="1" fill="hold">
                                           <p:stCondLst>
                                             <p:cond delay="0"/>
                                           </p:stCondLst>
@@ -21326,9 +21379,9 @@
                                         <p:strVal val="visible"/>
                                       </p:to>
                                     </p:set>
-                                    <p:animEffect transition="in" filter="randombar(horizontal)">
+                                    <p:animEffect transition="in" filter="wheel(1)">
                                       <p:cBhvr>
-                                        <p:cTn id="14" dur="500"/>
+                                        <p:cTn id="12" dur="2000"/>
                                         <p:tgtEl>
                                           <p:spTgt spid="13"/>
                                         </p:tgtEl>
@@ -21364,11 +21417,6 @@
         </p:cTn>
       </p:par>
     </p:tnLst>
-    <p:bldLst>
-      <p:bldGraphic spid="13" grpId="0">
-        <p:bldAsOne/>
-      </p:bldGraphic>
-    </p:bldLst>
   </p:timing>
 </p:sld>
 </file>
